--- a/Presentation.pptx
+++ b/Presentation.pptx
@@ -5,17 +5,13 @@
     <p:sldMasterId id="2147483659" r:id="rId1"/>
   </p:sldMasterIdLst>
   <p:notesMasterIdLst>
-    <p:notesMasterId r:id="rId10"/>
+    <p:notesMasterId r:id="rId6"/>
   </p:notesMasterIdLst>
   <p:sldIdLst>
-    <p:sldId id="256" r:id="rId2"/>
-    <p:sldId id="257" r:id="rId3"/>
-    <p:sldId id="258" r:id="rId4"/>
-    <p:sldId id="259" r:id="rId5"/>
-    <p:sldId id="260" r:id="rId6"/>
-    <p:sldId id="265" r:id="rId7"/>
-    <p:sldId id="263" r:id="rId8"/>
-    <p:sldId id="264" r:id="rId9"/>
+    <p:sldId id="259" r:id="rId2"/>
+    <p:sldId id="266" r:id="rId3"/>
+    <p:sldId id="267" r:id="rId4"/>
+    <p:sldId id="264" r:id="rId5"/>
   </p:sldIdLst>
   <p:sldSz cx="37463413" cy="21067713"/>
   <p:notesSz cx="6858000" cy="9144000"/>
@@ -525,317 +521,6 @@
   <p:cSld>
     <p:spTree>
       <p:nvGrpSpPr>
-        <p:cNvPr id="1" name="Shape 85"/>
-        <p:cNvGrpSpPr/>
-        <p:nvPr/>
-      </p:nvGrpSpPr>
-      <p:grpSpPr>
-        <a:xfrm>
-          <a:off x="0" y="0"/>
-          <a:ext cx="0" cy="0"/>
-          <a:chOff x="0" y="0"/>
-          <a:chExt cx="0" cy="0"/>
-        </a:xfrm>
-      </p:grpSpPr>
-      <p:sp>
-        <p:nvSpPr>
-          <p:cNvPr id="86" name="Shape 86"/>
-          <p:cNvSpPr txBox="1">
-            <a:spLocks noGrp="1"/>
-          </p:cNvSpPr>
-          <p:nvPr>
-            <p:ph type="body" idx="1"/>
-          </p:nvPr>
-        </p:nvSpPr>
-        <p:spPr>
-          <a:xfrm>
-            <a:off x="685800" y="4343400"/>
-            <a:ext cx="5486400" cy="4114800"/>
-          </a:xfrm>
-          <a:prstGeom prst="rect">
-            <a:avLst/>
-          </a:prstGeom>
-          <a:noFill/>
-          <a:ln>
-            <a:noFill/>
-          </a:ln>
-        </p:spPr>
-        <p:txBody>
-          <a:bodyPr wrap="square" lIns="91425" tIns="91425" rIns="91425" bIns="91425" anchor="ctr" anchorCtr="0">
-            <a:noAutofit/>
-          </a:bodyPr>
-          <a:lstStyle/>
-          <a:p>
-            <a:pPr lvl="0">
-              <a:spcBef>
-                <a:spcPts val="0"/>
-              </a:spcBef>
-              <a:buNone/>
-            </a:pPr>
-            <a:endParaRPr/>
-          </a:p>
-        </p:txBody>
-      </p:sp>
-      <p:sp>
-        <p:nvSpPr>
-          <p:cNvPr id="87" name="Shape 87"/>
-          <p:cNvSpPr>
-            <a:spLocks noGrp="1" noRot="1" noChangeAspect="1"/>
-          </p:cNvSpPr>
-          <p:nvPr>
-            <p:ph type="sldImg" idx="2"/>
-          </p:nvPr>
-        </p:nvSpPr>
-        <p:spPr>
-          <a:xfrm>
-            <a:off x="381000" y="685800"/>
-            <a:ext cx="6096000" cy="3429000"/>
-          </a:xfrm>
-          <a:custGeom>
-            <a:avLst/>
-            <a:gdLst/>
-            <a:ahLst/>
-            <a:cxnLst/>
-            <a:rect l="0" t="0" r="0" b="0"/>
-            <a:pathLst>
-              <a:path w="120000" h="120000" extrusionOk="0">
-                <a:moveTo>
-                  <a:pt x="0" y="0"/>
-                </a:moveTo>
-                <a:lnTo>
-                  <a:pt x="120000" y="0"/>
-                </a:lnTo>
-                <a:lnTo>
-                  <a:pt x="120000" y="120000"/>
-                </a:lnTo>
-                <a:lnTo>
-                  <a:pt x="0" y="120000"/>
-                </a:lnTo>
-                <a:close/>
-              </a:path>
-            </a:pathLst>
-          </a:custGeom>
-        </p:spPr>
-      </p:sp>
-    </p:spTree>
-  </p:cSld>
-  <p:clrMapOvr>
-    <a:masterClrMapping/>
-  </p:clrMapOvr>
-</p:notes>
-</file>
-
-<file path=ppt/notesSlides/notesSlide2.xml><?xml version="1.0" encoding="utf-8"?>
-<p:notes xmlns:a="http://schemas.openxmlformats.org/drawingml/2006/main" xmlns:r="http://schemas.openxmlformats.org/officeDocument/2006/relationships" xmlns:p="http://schemas.openxmlformats.org/presentationml/2006/main" showMasterSp="0" showMasterPhAnim="0">
-  <p:cSld>
-    <p:spTree>
-      <p:nvGrpSpPr>
-        <p:cNvPr id="1" name="Shape 91"/>
-        <p:cNvGrpSpPr/>
-        <p:nvPr/>
-      </p:nvGrpSpPr>
-      <p:grpSpPr>
-        <a:xfrm>
-          <a:off x="0" y="0"/>
-          <a:ext cx="0" cy="0"/>
-          <a:chOff x="0" y="0"/>
-          <a:chExt cx="0" cy="0"/>
-        </a:xfrm>
-      </p:grpSpPr>
-      <p:sp>
-        <p:nvSpPr>
-          <p:cNvPr id="92" name="Shape 92"/>
-          <p:cNvSpPr>
-            <a:spLocks noGrp="1" noRot="1" noChangeAspect="1"/>
-          </p:cNvSpPr>
-          <p:nvPr>
-            <p:ph type="sldImg" idx="2"/>
-          </p:nvPr>
-        </p:nvSpPr>
-        <p:spPr>
-          <a:xfrm>
-            <a:off x="381000" y="685800"/>
-            <a:ext cx="6096000" cy="3429000"/>
-          </a:xfrm>
-          <a:custGeom>
-            <a:avLst/>
-            <a:gdLst/>
-            <a:ahLst/>
-            <a:cxnLst/>
-            <a:rect l="0" t="0" r="0" b="0"/>
-            <a:pathLst>
-              <a:path w="120000" h="120000" extrusionOk="0">
-                <a:moveTo>
-                  <a:pt x="0" y="0"/>
-                </a:moveTo>
-                <a:lnTo>
-                  <a:pt x="120000" y="0"/>
-                </a:lnTo>
-                <a:lnTo>
-                  <a:pt x="120000" y="120000"/>
-                </a:lnTo>
-                <a:lnTo>
-                  <a:pt x="0" y="120000"/>
-                </a:lnTo>
-                <a:close/>
-              </a:path>
-            </a:pathLst>
-          </a:custGeom>
-        </p:spPr>
-      </p:sp>
-      <p:sp>
-        <p:nvSpPr>
-          <p:cNvPr id="93" name="Shape 93"/>
-          <p:cNvSpPr txBox="1">
-            <a:spLocks noGrp="1"/>
-          </p:cNvSpPr>
-          <p:nvPr>
-            <p:ph type="body" idx="1"/>
-          </p:nvPr>
-        </p:nvSpPr>
-        <p:spPr>
-          <a:xfrm>
-            <a:off x="685800" y="4343400"/>
-            <a:ext cx="5486400" cy="4114800"/>
-          </a:xfrm>
-          <a:prstGeom prst="rect">
-            <a:avLst/>
-          </a:prstGeom>
-        </p:spPr>
-        <p:txBody>
-          <a:bodyPr wrap="square" lIns="91425" tIns="91425" rIns="91425" bIns="91425" anchor="t" anchorCtr="0">
-            <a:noAutofit/>
-          </a:bodyPr>
-          <a:lstStyle/>
-          <a:p>
-            <a:pPr lvl="0">
-              <a:spcBef>
-                <a:spcPts val="0"/>
-              </a:spcBef>
-              <a:buNone/>
-            </a:pPr>
-            <a:endParaRPr/>
-          </a:p>
-        </p:txBody>
-      </p:sp>
-    </p:spTree>
-  </p:cSld>
-  <p:clrMapOvr>
-    <a:masterClrMapping/>
-  </p:clrMapOvr>
-</p:notes>
-</file>
-
-<file path=ppt/notesSlides/notesSlide3.xml><?xml version="1.0" encoding="utf-8"?>
-<p:notes xmlns:a="http://schemas.openxmlformats.org/drawingml/2006/main" xmlns:r="http://schemas.openxmlformats.org/officeDocument/2006/relationships" xmlns:p="http://schemas.openxmlformats.org/presentationml/2006/main" showMasterSp="0" showMasterPhAnim="0">
-  <p:cSld>
-    <p:spTree>
-      <p:nvGrpSpPr>
-        <p:cNvPr id="1" name="Shape 97"/>
-        <p:cNvGrpSpPr/>
-        <p:nvPr/>
-      </p:nvGrpSpPr>
-      <p:grpSpPr>
-        <a:xfrm>
-          <a:off x="0" y="0"/>
-          <a:ext cx="0" cy="0"/>
-          <a:chOff x="0" y="0"/>
-          <a:chExt cx="0" cy="0"/>
-        </a:xfrm>
-      </p:grpSpPr>
-      <p:sp>
-        <p:nvSpPr>
-          <p:cNvPr id="98" name="Shape 98"/>
-          <p:cNvSpPr txBox="1">
-            <a:spLocks noGrp="1"/>
-          </p:cNvSpPr>
-          <p:nvPr>
-            <p:ph type="body" idx="1"/>
-          </p:nvPr>
-        </p:nvSpPr>
-        <p:spPr>
-          <a:xfrm>
-            <a:off x="685800" y="4343400"/>
-            <a:ext cx="5486400" cy="4114800"/>
-          </a:xfrm>
-          <a:prstGeom prst="rect">
-            <a:avLst/>
-          </a:prstGeom>
-          <a:noFill/>
-          <a:ln>
-            <a:noFill/>
-          </a:ln>
-        </p:spPr>
-        <p:txBody>
-          <a:bodyPr wrap="square" lIns="91425" tIns="91425" rIns="91425" bIns="91425" anchor="ctr" anchorCtr="0">
-            <a:noAutofit/>
-          </a:bodyPr>
-          <a:lstStyle/>
-          <a:p>
-            <a:pPr lvl="0">
-              <a:spcBef>
-                <a:spcPts val="0"/>
-              </a:spcBef>
-              <a:buNone/>
-            </a:pPr>
-            <a:endParaRPr/>
-          </a:p>
-        </p:txBody>
-      </p:sp>
-      <p:sp>
-        <p:nvSpPr>
-          <p:cNvPr id="99" name="Shape 99"/>
-          <p:cNvSpPr>
-            <a:spLocks noGrp="1" noRot="1" noChangeAspect="1"/>
-          </p:cNvSpPr>
-          <p:nvPr>
-            <p:ph type="sldImg" idx="2"/>
-          </p:nvPr>
-        </p:nvSpPr>
-        <p:spPr>
-          <a:xfrm>
-            <a:off x="381000" y="685800"/>
-            <a:ext cx="6096000" cy="3429000"/>
-          </a:xfrm>
-          <a:custGeom>
-            <a:avLst/>
-            <a:gdLst/>
-            <a:ahLst/>
-            <a:cxnLst/>
-            <a:rect l="0" t="0" r="0" b="0"/>
-            <a:pathLst>
-              <a:path w="120000" h="120000" extrusionOk="0">
-                <a:moveTo>
-                  <a:pt x="0" y="0"/>
-                </a:moveTo>
-                <a:lnTo>
-                  <a:pt x="120000" y="0"/>
-                </a:lnTo>
-                <a:lnTo>
-                  <a:pt x="120000" y="120000"/>
-                </a:lnTo>
-                <a:lnTo>
-                  <a:pt x="0" y="120000"/>
-                </a:lnTo>
-                <a:close/>
-              </a:path>
-            </a:pathLst>
-          </a:custGeom>
-        </p:spPr>
-      </p:sp>
-    </p:spTree>
-  </p:cSld>
-  <p:clrMapOvr>
-    <a:masterClrMapping/>
-  </p:clrMapOvr>
-</p:notes>
-</file>
-
-<file path=ppt/notesSlides/notesSlide4.xml><?xml version="1.0" encoding="utf-8"?>
-<p:notes xmlns:a="http://schemas.openxmlformats.org/drawingml/2006/main" xmlns:r="http://schemas.openxmlformats.org/officeDocument/2006/relationships" xmlns:p="http://schemas.openxmlformats.org/presentationml/2006/main" showMasterSp="0" showMasterPhAnim="0">
-  <p:cSld>
-    <p:spTree>
-      <p:nvGrpSpPr>
         <p:cNvPr id="1" name="Shape 103"/>
         <p:cNvGrpSpPr/>
         <p:nvPr/>
@@ -948,7 +633,7 @@
 </p:notes>
 </file>
 
-<file path=ppt/notesSlides/notesSlide5.xml><?xml version="1.0" encoding="utf-8"?>
+<file path=ppt/notesSlides/notesSlide2.xml><?xml version="1.0" encoding="utf-8"?>
 <p:notes xmlns:a="http://schemas.openxmlformats.org/drawingml/2006/main" xmlns:r="http://schemas.openxmlformats.org/officeDocument/2006/relationships" xmlns:p="http://schemas.openxmlformats.org/presentationml/2006/main" showMasterSp="0" showMasterPhAnim="0">
   <p:cSld>
     <p:spTree>
@@ -1046,6 +731,11 @@
         </p:spPr>
       </p:sp>
     </p:spTree>
+    <p:extLst>
+      <p:ext uri="{BB962C8B-B14F-4D97-AF65-F5344CB8AC3E}">
+        <p14:creationId xmlns:p14="http://schemas.microsoft.com/office/powerpoint/2010/main" val="1820128070"/>
+      </p:ext>
+    </p:extLst>
   </p:cSld>
   <p:clrMapOvr>
     <a:masterClrMapping/>
@@ -1053,7 +743,7 @@
 </p:notes>
 </file>
 
-<file path=ppt/notesSlides/notesSlide6.xml><?xml version="1.0" encoding="utf-8"?>
+<file path=ppt/notesSlides/notesSlide3.xml><?xml version="1.0" encoding="utf-8"?>
 <p:notes xmlns:a="http://schemas.openxmlformats.org/drawingml/2006/main" xmlns:r="http://schemas.openxmlformats.org/officeDocument/2006/relationships" xmlns:p="http://schemas.openxmlformats.org/presentationml/2006/main" showMasterSp="0" showMasterPhAnim="0">
   <p:cSld>
     <p:spTree>
@@ -1151,6 +841,11 @@
         </p:spPr>
       </p:sp>
     </p:spTree>
+    <p:extLst>
+      <p:ext uri="{BB962C8B-B14F-4D97-AF65-F5344CB8AC3E}">
+        <p14:creationId xmlns:p14="http://schemas.microsoft.com/office/powerpoint/2010/main" val="2548397739"/>
+      </p:ext>
+    </p:extLst>
   </p:cSld>
   <p:clrMapOvr>
     <a:masterClrMapping/>
@@ -1158,164 +853,7 @@
 </p:notes>
 </file>
 
-<file path=ppt/notesSlides/notesSlide7.xml><?xml version="1.0" encoding="utf-8"?>
-<p:notes xmlns:a="http://schemas.openxmlformats.org/drawingml/2006/main" xmlns:r="http://schemas.openxmlformats.org/officeDocument/2006/relationships" xmlns:p="http://schemas.openxmlformats.org/presentationml/2006/main" showMasterSp="0" showMasterPhAnim="0">
-  <p:cSld>
-    <p:spTree>
-      <p:nvGrpSpPr>
-        <p:cNvPr id="1" name="Shape 127"/>
-        <p:cNvGrpSpPr/>
-        <p:nvPr/>
-      </p:nvGrpSpPr>
-      <p:grpSpPr>
-        <a:xfrm>
-          <a:off x="0" y="0"/>
-          <a:ext cx="0" cy="0"/>
-          <a:chOff x="0" y="0"/>
-          <a:chExt cx="0" cy="0"/>
-        </a:xfrm>
-      </p:grpSpPr>
-      <p:sp>
-        <p:nvSpPr>
-          <p:cNvPr id="128" name="Shape 128"/>
-          <p:cNvSpPr txBox="1">
-            <a:spLocks noGrp="1"/>
-          </p:cNvSpPr>
-          <p:nvPr>
-            <p:ph type="body" idx="1"/>
-          </p:nvPr>
-        </p:nvSpPr>
-        <p:spPr>
-          <a:xfrm>
-            <a:off x="685800" y="4343400"/>
-            <a:ext cx="5486400" cy="4114800"/>
-          </a:xfrm>
-          <a:prstGeom prst="rect">
-            <a:avLst/>
-          </a:prstGeom>
-          <a:noFill/>
-          <a:ln>
-            <a:noFill/>
-          </a:ln>
-        </p:spPr>
-        <p:txBody>
-          <a:bodyPr wrap="square" lIns="91425" tIns="91425" rIns="91425" bIns="91425" anchor="ctr" anchorCtr="0">
-            <a:noAutofit/>
-          </a:bodyPr>
-          <a:lstStyle/>
-          <a:p>
-            <a:pPr indent="-702362">
-              <a:spcBef>
-                <a:spcPts val="0"/>
-              </a:spcBef>
-            </a:pPr>
-            <a:r>
-              <a:rPr lang="en-US" dirty="0" smtClean="0"/>
-              <a:t>Define why you’re built to win</a:t>
-            </a:r>
-          </a:p>
-          <a:p>
-            <a:pPr lvl="1" indent="-702362"/>
-            <a:r>
-              <a:rPr lang="en-US" dirty="0" smtClean="0"/>
-              <a:t>Introduce each team member</a:t>
-            </a:r>
-          </a:p>
-          <a:p>
-            <a:pPr lvl="1" indent="-702362"/>
-            <a:r>
-              <a:rPr lang="en-US" dirty="0" smtClean="0"/>
-              <a:t>Identify their background and role in the team</a:t>
-            </a:r>
-          </a:p>
-          <a:p>
-            <a:pPr lvl="1" indent="-702362">
-              <a:buNone/>
-            </a:pPr>
-            <a:endParaRPr lang="en-US" dirty="0" smtClean="0"/>
-          </a:p>
-          <a:p>
-            <a:pPr indent="-702362"/>
-            <a:r>
-              <a:rPr lang="en-US" dirty="0" smtClean="0"/>
-              <a:t>Think about who else you’ll need moving forward</a:t>
-            </a:r>
-          </a:p>
-          <a:p>
-            <a:pPr lvl="1" indent="-702362"/>
-            <a:r>
-              <a:rPr lang="en-US" dirty="0" smtClean="0"/>
-              <a:t>E.g. any solution requiring turbine installations would need a member experienced in project financing</a:t>
-            </a:r>
-          </a:p>
-          <a:p>
-            <a:pPr lvl="1" indent="-702362"/>
-            <a:r>
-              <a:rPr lang="en-US" dirty="0" smtClean="0"/>
-              <a:t>You may not have someone today, but show the judges that you’re thinking about it</a:t>
-            </a:r>
-          </a:p>
-          <a:p>
-            <a:pPr lvl="0">
-              <a:spcBef>
-                <a:spcPts val="0"/>
-              </a:spcBef>
-              <a:buNone/>
-            </a:pPr>
-            <a:endParaRPr dirty="0"/>
-          </a:p>
-        </p:txBody>
-      </p:sp>
-      <p:sp>
-        <p:nvSpPr>
-          <p:cNvPr id="129" name="Shape 129"/>
-          <p:cNvSpPr>
-            <a:spLocks noGrp="1" noRot="1" noChangeAspect="1"/>
-          </p:cNvSpPr>
-          <p:nvPr>
-            <p:ph type="sldImg" idx="2"/>
-          </p:nvPr>
-        </p:nvSpPr>
-        <p:spPr>
-          <a:xfrm>
-            <a:off x="381000" y="685800"/>
-            <a:ext cx="6096000" cy="3429000"/>
-          </a:xfrm>
-          <a:custGeom>
-            <a:avLst/>
-            <a:gdLst/>
-            <a:ahLst/>
-            <a:cxnLst/>
-            <a:rect l="0" t="0" r="0" b="0"/>
-            <a:pathLst>
-              <a:path w="120000" h="120000" extrusionOk="0">
-                <a:moveTo>
-                  <a:pt x="0" y="0"/>
-                </a:moveTo>
-                <a:lnTo>
-                  <a:pt x="120000" y="0"/>
-                </a:lnTo>
-                <a:lnTo>
-                  <a:pt x="120000" y="120000"/>
-                </a:lnTo>
-                <a:lnTo>
-                  <a:pt x="0" y="120000"/>
-                </a:lnTo>
-                <a:close/>
-              </a:path>
-            </a:pathLst>
-          </a:custGeom>
-        </p:spPr>
-      </p:sp>
-    </p:spTree>
-  </p:cSld>
-  <p:clrMapOvr>
-    <a:masterClrMapping/>
-  </p:clrMapOvr>
-</p:notes>
-</file>
-
-<file path=ppt/notesSlides/notesSlide8.xml><?xml version="1.0" encoding="utf-8"?>
+<file path=ppt/notesSlides/notesSlide4.xml><?xml version="1.0" encoding="utf-8"?>
 <p:notes xmlns:a="http://schemas.openxmlformats.org/drawingml/2006/main" xmlns:r="http://schemas.openxmlformats.org/officeDocument/2006/relationships" xmlns:p="http://schemas.openxmlformats.org/presentationml/2006/main" showMasterSp="0" showMasterPhAnim="0">
   <p:cSld>
     <p:spTree>
@@ -11932,635 +11470,6 @@
 <file path=ppt/slides/slide1.xml><?xml version="1.0" encoding="utf-8"?>
 <p:sld xmlns:a="http://schemas.openxmlformats.org/drawingml/2006/main" xmlns:r="http://schemas.openxmlformats.org/officeDocument/2006/relationships" xmlns:p="http://schemas.openxmlformats.org/presentationml/2006/main">
   <p:cSld>
-    <p:spTree>
-      <p:nvGrpSpPr>
-        <p:cNvPr id="1" name="Shape 88"/>
-        <p:cNvGrpSpPr/>
-        <p:nvPr/>
-      </p:nvGrpSpPr>
-      <p:grpSpPr>
-        <a:xfrm>
-          <a:off x="0" y="0"/>
-          <a:ext cx="0" cy="0"/>
-          <a:chOff x="0" y="0"/>
-          <a:chExt cx="0" cy="0"/>
-        </a:xfrm>
-      </p:grpSpPr>
-      <p:sp>
-        <p:nvSpPr>
-          <p:cNvPr id="89" name="Shape 89"/>
-          <p:cNvSpPr txBox="1">
-            <a:spLocks noGrp="1"/>
-          </p:cNvSpPr>
-          <p:nvPr>
-            <p:ph type="title"/>
-          </p:nvPr>
-        </p:nvSpPr>
-        <p:spPr>
-          <a:xfrm>
-            <a:off x="2575610" y="207130"/>
-            <a:ext cx="32312194" cy="4072231"/>
-          </a:xfrm>
-          <a:prstGeom prst="rect">
-            <a:avLst/>
-          </a:prstGeom>
-          <a:noFill/>
-          <a:ln>
-            <a:noFill/>
-          </a:ln>
-        </p:spPr>
-        <p:txBody>
-          <a:bodyPr wrap="square" lIns="374532" tIns="187215" rIns="374532" bIns="187215" anchor="ctr" anchorCtr="0">
-            <a:noAutofit/>
-          </a:bodyPr>
-          <a:lstStyle/>
-          <a:p>
-            <a:pPr indent="-858443"/>
-            <a:r>
-              <a:rPr lang="en-US"/>
-              <a:t>General comments (Remove slide)</a:t>
-            </a:r>
-          </a:p>
-        </p:txBody>
-      </p:sp>
-      <p:sp>
-        <p:nvSpPr>
-          <p:cNvPr id="90" name="Shape 90"/>
-          <p:cNvSpPr txBox="1">
-            <a:spLocks noGrp="1"/>
-          </p:cNvSpPr>
-          <p:nvPr>
-            <p:ph type="body" idx="1"/>
-          </p:nvPr>
-        </p:nvSpPr>
-        <p:spPr>
-          <a:xfrm>
-            <a:off x="2575610" y="3434769"/>
-            <a:ext cx="32312194" cy="13366846"/>
-          </a:xfrm>
-          <a:prstGeom prst="rect">
-            <a:avLst/>
-          </a:prstGeom>
-          <a:noFill/>
-          <a:ln>
-            <a:noFill/>
-          </a:ln>
-        </p:spPr>
-        <p:txBody>
-          <a:bodyPr wrap="square" lIns="374532" tIns="187215" rIns="374532" bIns="187215" anchor="t" anchorCtr="0">
-            <a:noAutofit/>
-          </a:bodyPr>
-          <a:lstStyle/>
-          <a:p>
-            <a:pPr indent="-702362">
-              <a:lnSpc>
-                <a:spcPct val="70000"/>
-              </a:lnSpc>
-              <a:spcBef>
-                <a:spcPts val="0"/>
-              </a:spcBef>
-              <a:buSzPct val="102210"/>
-            </a:pPr>
-            <a:r>
-              <a:rPr lang="en-US" sz="8000" dirty="0"/>
-              <a:t>During the e-poster session judges are instructed to spend &lt; 5 minutes with each team so </a:t>
-            </a:r>
-            <a:r>
-              <a:rPr lang="en-US" sz="8000" b="1" dirty="0"/>
-              <a:t>DO</a:t>
-            </a:r>
-            <a:r>
-              <a:rPr lang="en-US" sz="8000" dirty="0"/>
-              <a:t>:</a:t>
-            </a:r>
-          </a:p>
-          <a:p>
-            <a:pPr lvl="1" indent="-702362">
-              <a:lnSpc>
-                <a:spcPct val="70000"/>
-              </a:lnSpc>
-              <a:buSzPct val="97941"/>
-            </a:pPr>
-            <a:r>
-              <a:rPr lang="en-US" sz="6800" dirty="0"/>
-              <a:t>Be concise</a:t>
-            </a:r>
-          </a:p>
-          <a:p>
-            <a:pPr lvl="1" indent="-702362">
-              <a:lnSpc>
-                <a:spcPct val="70000"/>
-              </a:lnSpc>
-              <a:buSzPct val="97941"/>
-            </a:pPr>
-            <a:r>
-              <a:rPr lang="en-US" sz="6800" dirty="0"/>
-              <a:t>Use images rather than text</a:t>
-            </a:r>
-          </a:p>
-          <a:p>
-            <a:pPr lvl="1" indent="-702362">
-              <a:lnSpc>
-                <a:spcPct val="70000"/>
-              </a:lnSpc>
-              <a:buSzPct val="97941"/>
-            </a:pPr>
-            <a:r>
-              <a:rPr lang="en-US" sz="6800" dirty="0"/>
-              <a:t>Write large</a:t>
-            </a:r>
-          </a:p>
-          <a:p>
-            <a:pPr lvl="1" indent="-702362">
-              <a:lnSpc>
-                <a:spcPct val="70000"/>
-              </a:lnSpc>
-              <a:buSzPct val="97941"/>
-            </a:pPr>
-            <a:r>
-              <a:rPr lang="en-US" sz="6800" dirty="0"/>
-              <a:t>Leave space for Q&amp;A</a:t>
-            </a:r>
-          </a:p>
-          <a:p>
-            <a:pPr indent="-702362">
-              <a:lnSpc>
-                <a:spcPct val="70000"/>
-              </a:lnSpc>
-              <a:buSzPct val="102210"/>
-            </a:pPr>
-            <a:r>
-              <a:rPr lang="en-US" sz="8000" dirty="0"/>
-              <a:t>In the finals, presentations will be limited to </a:t>
-            </a:r>
-            <a:r>
-              <a:rPr lang="en-US" sz="8000" dirty="0" smtClean="0"/>
-              <a:t>2 </a:t>
-            </a:r>
-            <a:r>
-              <a:rPr lang="en-US" sz="8000" dirty="0"/>
-              <a:t>minutes and judges are allowed to </a:t>
-            </a:r>
-            <a:r>
-              <a:rPr lang="en-US" sz="8000" dirty="0" smtClean="0"/>
-              <a:t>2 </a:t>
-            </a:r>
-            <a:r>
-              <a:rPr lang="en-US" sz="8000" dirty="0"/>
-              <a:t>minutes to have </a:t>
-            </a:r>
-            <a:r>
-              <a:rPr lang="en-US" sz="8000" dirty="0" smtClean="0"/>
-              <a:t>questions</a:t>
-            </a:r>
-            <a:endParaRPr lang="en-US" sz="8000" dirty="0"/>
-          </a:p>
-          <a:p>
-            <a:pPr indent="-702362">
-              <a:lnSpc>
-                <a:spcPct val="70000"/>
-              </a:lnSpc>
-              <a:buSzPct val="102210"/>
-            </a:pPr>
-            <a:r>
-              <a:rPr lang="en-US" sz="8000" dirty="0"/>
-              <a:t>Aim to have no more than 4 slides and feel free to have a </a:t>
-            </a:r>
-            <a:r>
-              <a:rPr lang="en-US" sz="8000" u="sng" dirty="0"/>
-              <a:t>small number</a:t>
-            </a:r>
-            <a:r>
-              <a:rPr lang="en-US" sz="8000" dirty="0"/>
-              <a:t> of back-up slides</a:t>
-            </a:r>
-          </a:p>
-          <a:p>
-            <a:pPr indent="-702362">
-              <a:lnSpc>
-                <a:spcPct val="70000"/>
-              </a:lnSpc>
-              <a:buSzPct val="102210"/>
-            </a:pPr>
-            <a:r>
-              <a:rPr lang="en-US" sz="8000" dirty="0"/>
-              <a:t>Think about your solutions in a holistic manner – winning teams will have good starts to their solutions, but will also have thought about the next steps to improve them and develop a winning business</a:t>
-            </a:r>
-          </a:p>
-          <a:p>
-            <a:pPr lvl="1" indent="-702362">
-              <a:lnSpc>
-                <a:spcPct val="70000"/>
-              </a:lnSpc>
-              <a:buSzPct val="97941"/>
-              <a:buNone/>
-            </a:pPr>
-            <a:endParaRPr sz="6800" dirty="0"/>
-          </a:p>
-        </p:txBody>
-      </p:sp>
-    </p:spTree>
-  </p:cSld>
-  <p:clrMapOvr>
-    <a:masterClrMapping/>
-  </p:clrMapOvr>
-  <p:timing>
-    <p:tnLst>
-      <p:par>
-        <p:cTn id="1" dur="indefinite" restart="never" nodeType="tmRoot"/>
-      </p:par>
-    </p:tnLst>
-  </p:timing>
-</p:sld>
-</file>
-
-<file path=ppt/slides/slide2.xml><?xml version="1.0" encoding="utf-8"?>
-<p:sld xmlns:a="http://schemas.openxmlformats.org/drawingml/2006/main" xmlns:r="http://schemas.openxmlformats.org/officeDocument/2006/relationships" xmlns:p="http://schemas.openxmlformats.org/presentationml/2006/main">
-  <p:cSld>
-    <p:spTree>
-      <p:nvGrpSpPr>
-        <p:cNvPr id="1" name="Shape 94"/>
-        <p:cNvGrpSpPr/>
-        <p:nvPr/>
-      </p:nvGrpSpPr>
-      <p:grpSpPr>
-        <a:xfrm>
-          <a:off x="0" y="0"/>
-          <a:ext cx="0" cy="0"/>
-          <a:chOff x="0" y="0"/>
-          <a:chExt cx="0" cy="0"/>
-        </a:xfrm>
-      </p:grpSpPr>
-      <p:sp>
-        <p:nvSpPr>
-          <p:cNvPr id="95" name="Shape 95"/>
-          <p:cNvSpPr txBox="1">
-            <a:spLocks noGrp="1"/>
-          </p:cNvSpPr>
-          <p:nvPr>
-            <p:ph type="title"/>
-          </p:nvPr>
-        </p:nvSpPr>
-        <p:spPr>
-          <a:xfrm>
-            <a:off x="2575610" y="1121662"/>
-            <a:ext cx="32312194" cy="4072231"/>
-          </a:xfrm>
-          <a:prstGeom prst="rect">
-            <a:avLst/>
-          </a:prstGeom>
-        </p:spPr>
-        <p:txBody>
-          <a:bodyPr wrap="square" lIns="374532" tIns="374532" rIns="374532" bIns="374532" anchor="ctr" anchorCtr="0">
-            <a:noAutofit/>
-          </a:bodyPr>
-          <a:lstStyle/>
-          <a:p>
-            <a:r>
-              <a:rPr lang="en-US"/>
-              <a:t>E-posterboards comments (Remove slide)</a:t>
-            </a:r>
-          </a:p>
-        </p:txBody>
-      </p:sp>
-      <p:sp>
-        <p:nvSpPr>
-          <p:cNvPr id="96" name="Shape 96"/>
-          <p:cNvSpPr txBox="1">
-            <a:spLocks noGrp="1"/>
-          </p:cNvSpPr>
-          <p:nvPr>
-            <p:ph type="body" idx="1"/>
-          </p:nvPr>
-        </p:nvSpPr>
-        <p:spPr>
-          <a:xfrm>
-            <a:off x="2575610" y="5676605"/>
-            <a:ext cx="32312194" cy="13366846"/>
-          </a:xfrm>
-          <a:prstGeom prst="rect">
-            <a:avLst/>
-          </a:prstGeom>
-        </p:spPr>
-        <p:txBody>
-          <a:bodyPr wrap="square" lIns="374532" tIns="374532" rIns="374532" bIns="374532" anchor="t" anchorCtr="0">
-            <a:noAutofit/>
-          </a:bodyPr>
-          <a:lstStyle/>
-          <a:p>
-            <a:pPr marL="1872966" indent="-1482764">
-              <a:spcBef>
-                <a:spcPts val="0"/>
-              </a:spcBef>
-            </a:pPr>
-            <a:r>
-              <a:rPr lang="en-US" dirty="0"/>
-              <a:t>E-</a:t>
-            </a:r>
-            <a:r>
-              <a:rPr lang="en-US" dirty="0" err="1"/>
-              <a:t>posterboards</a:t>
-            </a:r>
-            <a:r>
-              <a:rPr lang="en-US" dirty="0"/>
-              <a:t> are providing large monitors to display these presentations but, if you are selected as a finalist, you will also have to present using the projectors in 10-250 so make sure each item is clearly laid out and reasonably large (font size 28 and </a:t>
-            </a:r>
-            <a:r>
-              <a:rPr lang="en-US" dirty="0" smtClean="0"/>
-              <a:t>above and font type (</a:t>
-            </a:r>
-            <a:r>
-              <a:rPr lang="en-US" dirty="0" err="1" smtClean="0"/>
-              <a:t>arial</a:t>
-            </a:r>
-            <a:r>
-              <a:rPr lang="en-US" dirty="0" smtClean="0"/>
-              <a:t>, times, </a:t>
-            </a:r>
-            <a:r>
-              <a:rPr lang="en-US" dirty="0" err="1" smtClean="0"/>
-              <a:t>calibri</a:t>
-            </a:r>
-            <a:r>
-              <a:rPr lang="en-US" dirty="0" smtClean="0"/>
-              <a:t>)</a:t>
-            </a:r>
-            <a:endParaRPr lang="en-US" dirty="0"/>
-          </a:p>
-          <a:p>
-            <a:pPr marL="1872966" indent="-1482764">
-              <a:spcBef>
-                <a:spcPts val="0"/>
-              </a:spcBef>
-            </a:pPr>
-            <a:r>
-              <a:rPr lang="en-US" dirty="0"/>
-              <a:t>You will need a USB stick to transfer the information to them by 9 AM at the latest</a:t>
-            </a:r>
-          </a:p>
-          <a:p>
-            <a:pPr marL="3745931" lvl="1" indent="-1404724">
-              <a:spcBef>
-                <a:spcPts val="0"/>
-              </a:spcBef>
-            </a:pPr>
-            <a:r>
-              <a:rPr lang="en-US" dirty="0"/>
-              <a:t>Submissions open at 8:30 AM and to avoid issues aim to submit earlier rather than </a:t>
-            </a:r>
-            <a:r>
-              <a:rPr lang="en-US" dirty="0" smtClean="0"/>
-              <a:t>later</a:t>
-            </a:r>
-          </a:p>
-          <a:p>
-            <a:pPr marL="3745931" lvl="1" indent="-1404724">
-              <a:spcBef>
-                <a:spcPts val="0"/>
-              </a:spcBef>
-            </a:pPr>
-            <a:r>
-              <a:rPr lang="en-US" dirty="0" smtClean="0"/>
-              <a:t>Note: if you are a traveling student and requested reimbursement, this will only be provided once you have confirmed your submissions with Jane Reed or Zachary Schiffer.</a:t>
-            </a:r>
-            <a:endParaRPr lang="en-US" dirty="0"/>
-          </a:p>
-          <a:p>
-            <a:pPr marL="1872966" indent="-1482764">
-              <a:spcBef>
-                <a:spcPts val="0"/>
-              </a:spcBef>
-            </a:pPr>
-            <a:endParaRPr dirty="0"/>
-          </a:p>
-          <a:p>
-            <a:pPr>
-              <a:spcBef>
-                <a:spcPts val="0"/>
-              </a:spcBef>
-              <a:buNone/>
-            </a:pPr>
-            <a:endParaRPr dirty="0"/>
-          </a:p>
-        </p:txBody>
-      </p:sp>
-    </p:spTree>
-  </p:cSld>
-  <p:clrMapOvr>
-    <a:masterClrMapping/>
-  </p:clrMapOvr>
-  <p:timing>
-    <p:tnLst>
-      <p:par>
-        <p:cTn id="1" dur="indefinite" restart="never" nodeType="tmRoot"/>
-      </p:par>
-    </p:tnLst>
-  </p:timing>
-</p:sld>
-</file>
-
-<file path=ppt/slides/slide3.xml><?xml version="1.0" encoding="utf-8"?>
-<p:sld xmlns:a="http://schemas.openxmlformats.org/drawingml/2006/main" xmlns:r="http://schemas.openxmlformats.org/officeDocument/2006/relationships" xmlns:p="http://schemas.openxmlformats.org/presentationml/2006/main">
-  <p:cSld>
-    <p:spTree>
-      <p:nvGrpSpPr>
-        <p:cNvPr id="1" name="Shape 100"/>
-        <p:cNvGrpSpPr/>
-        <p:nvPr/>
-      </p:nvGrpSpPr>
-      <p:grpSpPr>
-        <a:xfrm>
-          <a:off x="0" y="0"/>
-          <a:ext cx="0" cy="0"/>
-          <a:chOff x="0" y="0"/>
-          <a:chExt cx="0" cy="0"/>
-        </a:xfrm>
-      </p:grpSpPr>
-      <p:sp>
-        <p:nvSpPr>
-          <p:cNvPr id="101" name="Shape 101"/>
-          <p:cNvSpPr txBox="1">
-            <a:spLocks noGrp="1"/>
-          </p:cNvSpPr>
-          <p:nvPr>
-            <p:ph type="title"/>
-          </p:nvPr>
-        </p:nvSpPr>
-        <p:spPr>
-          <a:xfrm>
-            <a:off x="2575610" y="581196"/>
-            <a:ext cx="32312194" cy="4072231"/>
-          </a:xfrm>
-          <a:prstGeom prst="rect">
-            <a:avLst/>
-          </a:prstGeom>
-          <a:noFill/>
-          <a:ln>
-            <a:noFill/>
-          </a:ln>
-        </p:spPr>
-        <p:txBody>
-          <a:bodyPr wrap="square" lIns="374532" tIns="187215" rIns="374532" bIns="187215" anchor="ctr" anchorCtr="0">
-            <a:noAutofit/>
-          </a:bodyPr>
-          <a:lstStyle/>
-          <a:p>
-            <a:pPr indent="-858443"/>
-            <a:r>
-              <a:rPr lang="en-US"/>
-              <a:t>Judging criteria (Remove slide)</a:t>
-            </a:r>
-          </a:p>
-        </p:txBody>
-      </p:sp>
-      <p:sp>
-        <p:nvSpPr>
-          <p:cNvPr id="102" name="Shape 102"/>
-          <p:cNvSpPr txBox="1">
-            <a:spLocks noGrp="1"/>
-          </p:cNvSpPr>
-          <p:nvPr>
-            <p:ph type="body" idx="1"/>
-          </p:nvPr>
-        </p:nvSpPr>
-        <p:spPr>
-          <a:xfrm>
-            <a:off x="2575610" y="4653427"/>
-            <a:ext cx="32312194" cy="13366846"/>
-          </a:xfrm>
-          <a:prstGeom prst="rect">
-            <a:avLst/>
-          </a:prstGeom>
-          <a:noFill/>
-          <a:ln>
-            <a:noFill/>
-          </a:ln>
-        </p:spPr>
-        <p:txBody>
-          <a:bodyPr wrap="square" lIns="374532" tIns="187215" rIns="374532" bIns="187215" anchor="t" anchorCtr="0">
-            <a:noAutofit/>
-          </a:bodyPr>
-          <a:lstStyle/>
-          <a:p>
-            <a:pPr marL="0" indent="-382397">
-              <a:lnSpc>
-                <a:spcPct val="70000"/>
-              </a:lnSpc>
-              <a:spcBef>
-                <a:spcPts val="0"/>
-              </a:spcBef>
-              <a:buSzPct val="97999"/>
-              <a:buNone/>
-            </a:pPr>
-            <a:r>
-              <a:rPr lang="en-US" sz="6000"/>
-              <a:t>Judges are asked to evaluate the solution based on the following criteria using a numerical rating 1 – 10 (1 – very weak; 10 – very strong).</a:t>
-            </a:r>
-          </a:p>
-          <a:p>
-            <a:pPr marL="0" indent="-382397">
-              <a:lnSpc>
-                <a:spcPct val="70000"/>
-              </a:lnSpc>
-              <a:buSzPct val="97999"/>
-              <a:buNone/>
-            </a:pPr>
-            <a:r>
-              <a:rPr lang="en-US" sz="6000"/>
-              <a:t/>
-            </a:r>
-            <a:br>
-              <a:rPr lang="en-US" sz="6000"/>
-            </a:br>
-            <a:r>
-              <a:rPr lang="en-US" sz="6000"/>
-              <a:t>1) Content – How well do you think the proposed solution addresses the selected challenge? Is the solution clear? Has the team identified gaps in their knowledge and methods to fill these?</a:t>
-            </a:r>
-          </a:p>
-          <a:p>
-            <a:pPr marL="0" indent="-382397">
-              <a:lnSpc>
-                <a:spcPct val="70000"/>
-              </a:lnSpc>
-              <a:buSzPct val="97999"/>
-              <a:buNone/>
-            </a:pPr>
-            <a:r>
-              <a:rPr lang="en-US" sz="6000"/>
-              <a:t/>
-            </a:r>
-            <a:br>
-              <a:rPr lang="en-US" sz="6000"/>
-            </a:br>
-            <a:r>
-              <a:rPr lang="en-US" sz="6000"/>
-              <a:t>2) Validity – This criteria aims to identify whether a solution can actually work, independent of whether it answers the problem. For technical challenges, is the solution technically sound and plausible? For business challenges, does the solution address pain points? </a:t>
-            </a:r>
-            <a:br>
-              <a:rPr lang="en-US" sz="6000"/>
-            </a:br>
-            <a:r>
-              <a:rPr lang="en-US" sz="6000"/>
-              <a:t>of customers?</a:t>
-            </a:r>
-          </a:p>
-          <a:p>
-            <a:pPr marL="0" indent="-382397">
-              <a:lnSpc>
-                <a:spcPct val="70000"/>
-              </a:lnSpc>
-              <a:buSzPct val="97999"/>
-              <a:buNone/>
-            </a:pPr>
-            <a:r>
-              <a:rPr lang="en-US" sz="6000"/>
-              <a:t/>
-            </a:r>
-            <a:br>
-              <a:rPr lang="en-US" sz="6000"/>
-            </a:br>
-            <a:r>
-              <a:rPr lang="en-US" sz="6000"/>
-              <a:t>3) Feasibility – We want to know whether the solution can be implemented and how easy it is to implement. We are asking judges to identify how likely the team is to build their solution into a successful business. Are there numerous gaps in their knowledge? Does their team gel and align in various areas? Are they solving a viable problem they can get paid for?</a:t>
-            </a:r>
-          </a:p>
-          <a:p>
-            <a:pPr marL="0" indent="-382397">
-              <a:lnSpc>
-                <a:spcPct val="70000"/>
-              </a:lnSpc>
-              <a:buSzPct val="97999"/>
-              <a:buNone/>
-            </a:pPr>
-            <a:r>
-              <a:rPr lang="en-US" sz="6000"/>
-              <a:t/>
-            </a:r>
-            <a:br>
-              <a:rPr lang="en-US" sz="6000"/>
-            </a:br>
-            <a:endParaRPr lang="en-US" sz="6000"/>
-          </a:p>
-        </p:txBody>
-      </p:sp>
-    </p:spTree>
-  </p:cSld>
-  <p:clrMapOvr>
-    <a:masterClrMapping/>
-  </p:clrMapOvr>
-  <p:timing>
-    <p:tnLst>
-      <p:par>
-        <p:cTn id="1" dur="indefinite" restart="never" nodeType="tmRoot"/>
-      </p:par>
-    </p:tnLst>
-  </p:timing>
-</p:sld>
-</file>
-
-<file path=ppt/slides/slide4.xml><?xml version="1.0" encoding="utf-8"?>
-<p:sld xmlns:a="http://schemas.openxmlformats.org/drawingml/2006/main" xmlns:r="http://schemas.openxmlformats.org/officeDocument/2006/relationships" xmlns:p="http://schemas.openxmlformats.org/presentationml/2006/main">
-  <p:cSld>
     <p:bg>
       <p:bgPr>
         <a:blipFill>
@@ -12654,7 +11563,15 @@
                   <a:srgbClr val="FFFFFF"/>
                 </a:solidFill>
               </a:rPr>
-              <a:t>PIONEER CHALLENGE</a:t>
+              <a:t>PIONEER </a:t>
+            </a:r>
+            <a:r>
+              <a:rPr lang="en-US" b="1" dirty="0" smtClean="0">
+                <a:solidFill>
+                  <a:srgbClr val="FFFFFF"/>
+                </a:solidFill>
+              </a:rPr>
+              <a:t>NATURAL RESOURCES</a:t>
             </a:r>
             <a:endParaRPr lang="en-US" b="1" dirty="0">
               <a:solidFill>
@@ -12751,7 +11668,15 @@
                   <a:srgbClr val="FFFFFF"/>
                 </a:solidFill>
               </a:rPr>
-              <a:t>JESSIE, MAX – MOUNT HOLYOKE COLLEGE</a:t>
+              <a:t>JESSIE GUO, MAX LIU </a:t>
+            </a:r>
+            <a:r>
+              <a:rPr lang="en-US" dirty="0" smtClean="0">
+                <a:solidFill>
+                  <a:srgbClr val="FFFFFF"/>
+                </a:solidFill>
+              </a:rPr>
+              <a:t>– MOUNT HOLYOKE COLLEGE</a:t>
             </a:r>
           </a:p>
           <a:p>
@@ -12766,15 +11691,16 @@
                   <a:srgbClr val="FFFFFF"/>
                 </a:solidFill>
               </a:rPr>
-              <a:t>TIBIN THOMAS – BOSTON UNIVERSITY</a:t>
+              <a:t>TIBIN THOMAS – </a:t>
             </a:r>
-          </a:p>
-          <a:p>
-            <a:pPr indent="-468241">
-              <a:spcBef>
-                <a:spcPts val="0"/>
-              </a:spcBef>
-            </a:pPr>
+            <a:r>
+              <a:rPr lang="en-US" sz="8000" dirty="0" smtClean="0">
+                <a:solidFill>
+                  <a:schemeClr val="bg1"/>
+                </a:solidFill>
+              </a:rPr>
+              <a:t>NORTHEASTERN UNIVERSITY</a:t>
+            </a:r>
             <a:endParaRPr lang="en-US" dirty="0">
               <a:solidFill>
                 <a:srgbClr val="FFFFFF"/>
@@ -12846,7 +11772,7 @@
 </p:sld>
 </file>
 
-<file path=ppt/slides/slide5.xml><?xml version="1.0" encoding="utf-8"?>
+<file path=ppt/slides/slide2.xml><?xml version="1.0" encoding="utf-8"?>
 <p:sld xmlns:a="http://schemas.openxmlformats.org/drawingml/2006/main" xmlns:r="http://schemas.openxmlformats.org/officeDocument/2006/relationships" xmlns:p="http://schemas.openxmlformats.org/presentationml/2006/main">
   <p:cSld>
     <p:spTree>
@@ -12871,7 +11797,7 @@
         </p:nvSpPr>
         <p:spPr>
           <a:xfrm>
-            <a:off x="18848675" y="4311551"/>
+            <a:off x="18731707" y="4357634"/>
             <a:ext cx="18614738" cy="2650079"/>
           </a:xfrm>
           <a:prstGeom prst="chevron">
@@ -12928,7 +11854,7 @@
         </p:nvSpPr>
         <p:spPr>
           <a:xfrm>
-            <a:off x="-1" y="4269521"/>
+            <a:off x="114523" y="4357634"/>
             <a:ext cx="18617184" cy="2651760"/>
           </a:xfrm>
           <a:prstGeom prst="chevron">
@@ -13030,8 +11956,8 @@
         </p:nvSpPr>
         <p:spPr>
           <a:xfrm>
-            <a:off x="6396766" y="4407432"/>
-            <a:ext cx="5937733" cy="2077008"/>
+            <a:off x="6070600" y="4612398"/>
+            <a:ext cx="8204199" cy="2077008"/>
           </a:xfrm>
           <a:prstGeom prst="rect">
             <a:avLst/>
@@ -13049,13 +11975,18 @@
           <a:p>
             <a:pPr indent="-858443"/>
             <a:r>
-              <a:rPr lang="en-US" sz="5000" dirty="0">
+              <a:rPr lang="en-US" sz="9600" b="1" dirty="0" smtClean="0">
                 <a:solidFill>
                   <a:schemeClr val="bg1"/>
                 </a:solidFill>
               </a:rPr>
-              <a:t>Problem statement</a:t>
+              <a:t>OBJECTIVES</a:t>
             </a:r>
+            <a:endParaRPr lang="en-US" sz="5000" b="1" dirty="0">
+              <a:solidFill>
+                <a:schemeClr val="bg1"/>
+              </a:solidFill>
+            </a:endParaRPr>
           </a:p>
         </p:txBody>
       </p:sp>
@@ -13088,35 +12019,164 @@
           </a:bodyPr>
           <a:lstStyle/>
           <a:p>
-            <a:pPr marL="571500" indent="-571500">
-              <a:spcBef>
-                <a:spcPts val="0"/>
-              </a:spcBef>
+            <a:pPr marL="0" indent="0" algn="ctr">
+              <a:lnSpc>
+                <a:spcPct val="200000"/>
+              </a:lnSpc>
+              <a:spcBef>
+                <a:spcPts val="0"/>
+              </a:spcBef>
+              <a:buNone/>
             </a:pPr>
             <a:r>
-              <a:rPr lang="en-US" sz="4000" dirty="0" smtClean="0"/>
-              <a:t>Predict the number of electric vehicles on road in 2050</a:t>
+              <a:rPr lang="en-US" sz="6000" b="1" dirty="0" smtClean="0"/>
+              <a:t>QUESTIONS</a:t>
             </a:r>
-            <a:br>
-              <a:rPr lang="en-US" sz="4000" dirty="0" smtClean="0"/>
-            </a:br>
-            <a:endParaRPr lang="en-US" sz="4000" dirty="0" smtClean="0"/>
+          </a:p>
+          <a:p>
+            <a:pPr marL="571500" indent="-571500" algn="just">
+              <a:lnSpc>
+                <a:spcPct val="200000"/>
+              </a:lnSpc>
+              <a:spcBef>
+                <a:spcPts val="0"/>
+              </a:spcBef>
+            </a:pPr>
+            <a:r>
+              <a:rPr lang="en-US" sz="4800" dirty="0" smtClean="0"/>
+              <a:t>Predicting </a:t>
+            </a:r>
+            <a:r>
+              <a:rPr lang="en-US" sz="4800" dirty="0"/>
+              <a:t>the number of electric vehicles on road in 2050</a:t>
+            </a:r>
+          </a:p>
+          <a:p>
+            <a:pPr marL="571500" indent="-571500" algn="just">
+              <a:lnSpc>
+                <a:spcPct val="200000"/>
+              </a:lnSpc>
+              <a:spcBef>
+                <a:spcPts val="0"/>
+              </a:spcBef>
+            </a:pPr>
+            <a:r>
+              <a:rPr lang="en-US" sz="4800" dirty="0" smtClean="0"/>
+              <a:t>Finding the relationship </a:t>
+            </a:r>
+            <a:r>
+              <a:rPr lang="en-US" sz="4800" dirty="0"/>
+              <a:t>between Oil Consumption and number of </a:t>
+            </a:r>
+            <a:r>
+              <a:rPr lang="en-US" sz="4800" dirty="0" smtClean="0"/>
+              <a:t>EVs</a:t>
+            </a:r>
+          </a:p>
+          <a:p>
+            <a:pPr marL="571500" indent="-571500" algn="just">
+              <a:lnSpc>
+                <a:spcPct val="200000"/>
+              </a:lnSpc>
+              <a:spcBef>
+                <a:spcPts val="0"/>
+              </a:spcBef>
+            </a:pPr>
+            <a:endParaRPr lang="en-US" sz="4400" dirty="0" smtClean="0"/>
+          </a:p>
+          <a:p>
+            <a:pPr marL="0" indent="0" algn="ctr">
+              <a:lnSpc>
+                <a:spcPct val="200000"/>
+              </a:lnSpc>
+              <a:spcBef>
+                <a:spcPts val="0"/>
+              </a:spcBef>
+              <a:buNone/>
+            </a:pPr>
+            <a:r>
+              <a:rPr lang="en-US" sz="6000" b="1" dirty="0" smtClean="0"/>
+              <a:t>GOALS</a:t>
+            </a:r>
+            <a:endParaRPr lang="en-US" sz="4400" dirty="0"/>
+          </a:p>
+          <a:p>
+            <a:pPr marL="571500" indent="-571500" algn="just">
+              <a:lnSpc>
+                <a:spcPct val="200000"/>
+              </a:lnSpc>
+              <a:spcBef>
+                <a:spcPts val="0"/>
+              </a:spcBef>
+            </a:pPr>
+            <a:r>
+              <a:rPr lang="en-US" sz="4800" dirty="0" smtClean="0"/>
+              <a:t>Open model with flexible parameters</a:t>
+            </a:r>
+            <a:endParaRPr lang="en-US" sz="4800" dirty="0" smtClean="0"/>
+          </a:p>
+          <a:p>
+            <a:pPr marL="571500" indent="-571500" algn="just">
+              <a:lnSpc>
+                <a:spcPct val="200000"/>
+              </a:lnSpc>
+              <a:spcBef>
+                <a:spcPts val="0"/>
+              </a:spcBef>
+            </a:pPr>
+            <a:r>
+              <a:rPr lang="en-US" sz="4800" dirty="0" smtClean="0"/>
+              <a:t>Oil consumption should be directly linked with EV forecast</a:t>
+            </a:r>
+          </a:p>
+          <a:p>
+            <a:pPr marL="571500" indent="-571500" algn="just">
+              <a:lnSpc>
+                <a:spcPct val="200000"/>
+              </a:lnSpc>
+              <a:spcBef>
+                <a:spcPts val="0"/>
+              </a:spcBef>
+            </a:pPr>
+            <a:r>
+              <a:rPr lang="en-US" sz="4800" dirty="0" smtClean="0"/>
+              <a:t>Global forecast is for number of EV</a:t>
+            </a:r>
           </a:p>
           <a:p>
             <a:pPr marL="571500" indent="-571500">
+              <a:lnSpc>
+                <a:spcPct val="200000"/>
+              </a:lnSpc>
               <a:spcBef>
                 <a:spcPts val="0"/>
               </a:spcBef>
             </a:pPr>
-            <a:r>
-              <a:rPr lang="en-US" sz="4000" dirty="0" smtClean="0"/>
-              <a:t>Determining </a:t>
-            </a:r>
-            <a:r>
-              <a:rPr lang="en-US" sz="4000" dirty="0"/>
-              <a:t>the impact that electric vehicles will have on the global demand for oil over the same time period.</a:t>
-            </a:r>
-            <a:endParaRPr lang="en-US" sz="4000" dirty="0"/>
+            <a:endParaRPr lang="en-US" sz="4400" dirty="0" smtClean="0"/>
+          </a:p>
+          <a:p>
+            <a:pPr marL="0" indent="0">
+              <a:lnSpc>
+                <a:spcPct val="200000"/>
+              </a:lnSpc>
+              <a:spcBef>
+                <a:spcPts val="0"/>
+              </a:spcBef>
+              <a:buNone/>
+            </a:pPr>
+            <a:endParaRPr lang="en-US" sz="4400" dirty="0" smtClean="0"/>
+          </a:p>
+          <a:p>
+            <a:pPr marL="0" indent="0">
+              <a:lnSpc>
+                <a:spcPct val="100000"/>
+              </a:lnSpc>
+              <a:spcBef>
+                <a:spcPts val="0"/>
+              </a:spcBef>
+              <a:buNone/>
+            </a:pPr>
+            <a:endParaRPr lang="en-US" sz="4400" dirty="0"/>
           </a:p>
         </p:txBody>
       </p:sp>
@@ -13130,8 +12190,8 @@
         </p:nvSpPr>
         <p:spPr>
           <a:xfrm>
-            <a:off x="25779839" y="4612398"/>
-            <a:ext cx="6561388" cy="1820470"/>
+            <a:off x="23901069" y="4740789"/>
+            <a:ext cx="9372931" cy="1820470"/>
           </a:xfrm>
           <a:prstGeom prst="rect">
             <a:avLst/>
@@ -13243,14 +12303,14 @@
           <a:p>
             <a:pPr indent="-858443"/>
             <a:r>
-              <a:rPr lang="en-US" sz="5000" dirty="0" smtClean="0">
+              <a:rPr lang="en-US" sz="9600" b="1" dirty="0" smtClean="0">
                 <a:solidFill>
                   <a:schemeClr val="bg1"/>
                 </a:solidFill>
               </a:rPr>
-              <a:t>Solution overview</a:t>
+              <a:t>METHODOLOGY</a:t>
             </a:r>
-            <a:endParaRPr lang="en-US" sz="5000" dirty="0">
+            <a:endParaRPr lang="en-US" sz="7200" b="1" dirty="0">
               <a:solidFill>
                 <a:schemeClr val="bg1"/>
               </a:solidFill>
@@ -13531,43 +12591,60 @@
             </a:lvl9pPr>
           </a:lstStyle>
           <a:p>
-            <a:pPr indent="-702362">
-              <a:spcBef>
-                <a:spcPts val="0"/>
-              </a:spcBef>
+            <a:pPr marL="685800" indent="-685800" algn="just">
+              <a:lnSpc>
+                <a:spcPct val="200000"/>
+              </a:lnSpc>
             </a:pPr>
             <a:r>
-              <a:rPr lang="en-US" sz="4000" dirty="0" smtClean="0"/>
-              <a:t>Provide an overview of your team’s solution</a:t>
+              <a:rPr lang="en-US" sz="4800" dirty="0" smtClean="0"/>
+              <a:t>Used historical data </a:t>
+            </a:r>
+            <a:r>
+              <a:rPr lang="en-US" sz="4800" dirty="0" smtClean="0"/>
+              <a:t>to plot our own curve</a:t>
             </a:r>
           </a:p>
           <a:p>
-            <a:pPr lvl="1" indent="-702362"/>
+            <a:pPr marL="685800" indent="-685800" algn="just">
+              <a:lnSpc>
+                <a:spcPct val="200000"/>
+              </a:lnSpc>
+            </a:pPr>
             <a:r>
-              <a:rPr lang="en-US" sz="4000" dirty="0" smtClean="0"/>
-              <a:t>Why is this a good solution?</a:t>
+              <a:rPr lang="en-US" sz="4800" dirty="0" smtClean="0"/>
+              <a:t>The curve was projected into the future to predict the EVs in 2050</a:t>
             </a:r>
           </a:p>
           <a:p>
-            <a:pPr lvl="1" indent="-702362"/>
+            <a:pPr marL="685800" indent="-685800" algn="just">
+              <a:lnSpc>
+                <a:spcPct val="200000"/>
+              </a:lnSpc>
+            </a:pPr>
             <a:r>
-              <a:rPr lang="en-US" sz="4000" dirty="0" smtClean="0"/>
-              <a:t>What part(s) of the challenge does it solve?</a:t>
+              <a:rPr lang="en-US" sz="4800" dirty="0" smtClean="0"/>
+              <a:t>Equation between EVs and oil consumption by vehicles was created</a:t>
             </a:r>
           </a:p>
           <a:p>
-            <a:pPr lvl="1" indent="-702362"/>
+            <a:pPr marL="685800" indent="-685800" algn="just">
+              <a:lnSpc>
+                <a:spcPct val="200000"/>
+              </a:lnSpc>
+            </a:pPr>
             <a:r>
-              <a:rPr lang="en-US" sz="4000" dirty="0" smtClean="0"/>
-              <a:t>What are some shortcomings?</a:t>
+              <a:rPr lang="en-US" sz="4800" dirty="0" smtClean="0"/>
+              <a:t>The impact of EVs on oil consumption was recognized and a graph was plotted for the same</a:t>
             </a:r>
           </a:p>
           <a:p>
-            <a:pPr lvl="1" indent="-702362">
-              <a:buFont typeface="Arial"/>
-              <a:buNone/>
+            <a:pPr marL="685800" indent="-685800" algn="just">
+              <a:lnSpc>
+                <a:spcPct val="200000"/>
+              </a:lnSpc>
             </a:pPr>
-            <a:endParaRPr lang="en-US" sz="4000" dirty="0"/>
+            <a:endParaRPr lang="en-US" sz="4800" dirty="0"/>
           </a:p>
         </p:txBody>
       </p:sp>
@@ -13699,7 +12776,7 @@
                   <a:schemeClr val="bg1"/>
                 </a:solidFill>
               </a:rPr>
-              <a:t>[Team Name]</a:t>
+              <a:t>FIGHTING MONGOOSES</a:t>
             </a:r>
             <a:br>
               <a:rPr lang="en-US" sz="7200" b="1" dirty="0" smtClean="0">
@@ -13714,7 +12791,7 @@
                   <a:schemeClr val="bg1"/>
                 </a:solidFill>
               </a:rPr>
-              <a:t>[Chosen challenge]</a:t>
+              <a:t>PIONEER NATURAL RESOURCES</a:t>
             </a:r>
             <a:endParaRPr lang="en-US" sz="7200" b="1" dirty="0">
               <a:solidFill>
@@ -14009,7 +13086,7 @@
                   <a:schemeClr val="bg1"/>
                 </a:solidFill>
               </a:rPr>
-              <a:t>[Member Names and affiliation]</a:t>
+              <a:t>Allison Busa, Everardo Gonzalez, Utsav Gupta – Olin College of Engineering; Jessie Guo, Max Liu – Mount Holyoke College, Tibin Thomas – Northeastern University</a:t>
             </a:r>
             <a:endParaRPr lang="en-US" sz="5400" dirty="0">
               <a:solidFill>
@@ -14144,6 +13221,11 @@
         </p:txBody>
       </p:sp>
     </p:spTree>
+    <p:extLst>
+      <p:ext uri="{BB962C8B-B14F-4D97-AF65-F5344CB8AC3E}">
+        <p14:creationId xmlns:p14="http://schemas.microsoft.com/office/powerpoint/2010/main" val="1357312707"/>
+      </p:ext>
+    </p:extLst>
   </p:cSld>
   <p:clrMapOvr>
     <a:masterClrMapping/>
@@ -14158,7 +13240,7 @@
 </p:sld>
 </file>
 
-<file path=ppt/slides/slide6.xml><?xml version="1.0" encoding="utf-8"?>
+<file path=ppt/slides/slide3.xml><?xml version="1.0" encoding="utf-8"?>
 <p:sld xmlns:a="http://schemas.openxmlformats.org/drawingml/2006/main" xmlns:r="http://schemas.openxmlformats.org/officeDocument/2006/relationships" xmlns:p="http://schemas.openxmlformats.org/presentationml/2006/main">
   <p:cSld>
     <p:spTree>
@@ -14216,1466 +13298,6 @@
           <a:p>
             <a:pPr algn="ctr"/>
             <a:endParaRPr lang="en-US"/>
-          </a:p>
-        </p:txBody>
-      </p:sp>
-      <p:sp>
-        <p:nvSpPr>
-          <p:cNvPr id="113" name="Shape 113"/>
-          <p:cNvSpPr txBox="1">
-            <a:spLocks noGrp="1"/>
-          </p:cNvSpPr>
-          <p:nvPr>
-            <p:ph type="title"/>
-          </p:nvPr>
-        </p:nvSpPr>
-        <p:spPr>
-          <a:xfrm>
-            <a:off x="2575610" y="4322892"/>
-            <a:ext cx="8477625" cy="2077008"/>
-          </a:xfrm>
-          <a:prstGeom prst="rect">
-            <a:avLst/>
-          </a:prstGeom>
-          <a:noFill/>
-          <a:ln>
-            <a:noFill/>
-          </a:ln>
-        </p:spPr>
-        <p:txBody>
-          <a:bodyPr wrap="square" lIns="374532" tIns="187215" rIns="374532" bIns="187215" anchor="ctr" anchorCtr="0">
-            <a:noAutofit/>
-          </a:bodyPr>
-          <a:lstStyle/>
-          <a:p>
-            <a:pPr indent="-858443"/>
-            <a:r>
-              <a:rPr lang="en-US" sz="5400" dirty="0"/>
-              <a:t>Problem statement</a:t>
-            </a:r>
-          </a:p>
-        </p:txBody>
-      </p:sp>
-      <p:sp>
-        <p:nvSpPr>
-          <p:cNvPr id="114" name="Shape 114"/>
-          <p:cNvSpPr txBox="1">
-            <a:spLocks noGrp="1"/>
-          </p:cNvSpPr>
-          <p:nvPr>
-            <p:ph type="body" idx="1"/>
-          </p:nvPr>
-        </p:nvSpPr>
-        <p:spPr>
-          <a:xfrm>
-            <a:off x="1" y="6258783"/>
-            <a:ext cx="12334499" cy="7499030"/>
-          </a:xfrm>
-          <a:prstGeom prst="rect">
-            <a:avLst/>
-          </a:prstGeom>
-          <a:noFill/>
-          <a:ln>
-            <a:noFill/>
-          </a:ln>
-        </p:spPr>
-        <p:txBody>
-          <a:bodyPr wrap="square" lIns="374532" tIns="187215" rIns="374532" bIns="187215" anchor="t" anchorCtr="0">
-            <a:noAutofit/>
-          </a:bodyPr>
-          <a:lstStyle/>
-          <a:p>
-            <a:pPr indent="-702362">
-              <a:spcBef>
-                <a:spcPts val="0"/>
-              </a:spcBef>
-            </a:pPr>
-            <a:r>
-              <a:rPr lang="en-US" sz="3600" dirty="0" smtClean="0"/>
-              <a:t>Create an adoption curve predicting the number of electric vehicles that will be on the road globally each year from now on to 2050.</a:t>
-            </a:r>
-            <a:br>
-              <a:rPr lang="en-US" sz="3600" dirty="0" smtClean="0"/>
-            </a:br>
-            <a:endParaRPr lang="en-US" sz="3600" dirty="0" smtClean="0"/>
-          </a:p>
-          <a:p>
-            <a:pPr indent="-702362">
-              <a:spcBef>
-                <a:spcPts val="0"/>
-              </a:spcBef>
-            </a:pPr>
-            <a:r>
-              <a:rPr lang="en-US" sz="3600" dirty="0" smtClean="0"/>
-              <a:t>Determining the impact that electric vehicles will have on the global demand for oil over the same time period.</a:t>
-            </a:r>
-          </a:p>
-          <a:p>
-            <a:pPr indent="-702362">
-              <a:spcBef>
-                <a:spcPts val="0"/>
-              </a:spcBef>
-            </a:pPr>
-            <a:endParaRPr lang="en-US" sz="3600" dirty="0"/>
-          </a:p>
-        </p:txBody>
-      </p:sp>
-      <p:sp>
-        <p:nvSpPr>
-          <p:cNvPr id="4" name="Shape 119"/>
-          <p:cNvSpPr txBox="1">
-            <a:spLocks/>
-          </p:cNvSpPr>
-          <p:nvPr/>
-        </p:nvSpPr>
-        <p:spPr>
-          <a:xfrm>
-            <a:off x="1951955" y="12847578"/>
-            <a:ext cx="6561388" cy="1820470"/>
-          </a:xfrm>
-          <a:prstGeom prst="rect">
-            <a:avLst/>
-          </a:prstGeom>
-          <a:noFill/>
-          <a:ln>
-            <a:noFill/>
-          </a:ln>
-        </p:spPr>
-        <p:txBody>
-          <a:bodyPr wrap="square" lIns="374532" tIns="187215" rIns="374532" bIns="187215" anchor="ctr" anchorCtr="0">
-            <a:noAutofit/>
-          </a:bodyPr>
-          <a:lstStyle>
-            <a:defPPr marR="0" lvl="0" algn="l" rtl="0">
-              <a:lnSpc>
-                <a:spcPct val="100000"/>
-              </a:lnSpc>
-              <a:spcBef>
-                <a:spcPts val="0"/>
-              </a:spcBef>
-              <a:spcAft>
-                <a:spcPts val="0"/>
-              </a:spcAft>
-            </a:defPPr>
-            <a:lvl1pPr marL="0" marR="0" lvl="0" indent="0" algn="l" rtl="0">
-              <a:lnSpc>
-                <a:spcPct val="90000"/>
-              </a:lnSpc>
-              <a:spcBef>
-                <a:spcPts val="0"/>
-              </a:spcBef>
-              <a:spcAft>
-                <a:spcPts val="0"/>
-              </a:spcAft>
-              <a:buClr>
-                <a:schemeClr val="dk1"/>
-              </a:buClr>
-              <a:buSzPct val="100000"/>
-              <a:buFont typeface="Calibri"/>
-              <a:buNone/>
-              <a:defRPr sz="13500" b="0" i="0" u="none" strike="noStrike" cap="none">
-                <a:solidFill>
-                  <a:schemeClr val="dk1"/>
-                </a:solidFill>
-                <a:latin typeface="Calibri"/>
-                <a:ea typeface="Calibri"/>
-                <a:cs typeface="Calibri"/>
-                <a:sym typeface="Calibri"/>
-              </a:defRPr>
-            </a:lvl1pPr>
-            <a:lvl2pPr lvl="1" indent="0">
-              <a:spcBef>
-                <a:spcPts val="0"/>
-              </a:spcBef>
-              <a:buNone/>
-              <a:defRPr sz="7400"/>
-            </a:lvl2pPr>
-            <a:lvl3pPr lvl="2" indent="0">
-              <a:spcBef>
-                <a:spcPts val="0"/>
-              </a:spcBef>
-              <a:buNone/>
-              <a:defRPr sz="7400"/>
-            </a:lvl3pPr>
-            <a:lvl4pPr lvl="3" indent="0">
-              <a:spcBef>
-                <a:spcPts val="0"/>
-              </a:spcBef>
-              <a:buNone/>
-              <a:defRPr sz="7400"/>
-            </a:lvl4pPr>
-            <a:lvl5pPr lvl="4" indent="0">
-              <a:spcBef>
-                <a:spcPts val="0"/>
-              </a:spcBef>
-              <a:buNone/>
-              <a:defRPr sz="7400"/>
-            </a:lvl5pPr>
-            <a:lvl6pPr lvl="5" indent="0">
-              <a:spcBef>
-                <a:spcPts val="0"/>
-              </a:spcBef>
-              <a:buNone/>
-              <a:defRPr sz="7400"/>
-            </a:lvl6pPr>
-            <a:lvl7pPr lvl="6" indent="0">
-              <a:spcBef>
-                <a:spcPts val="0"/>
-              </a:spcBef>
-              <a:buNone/>
-              <a:defRPr sz="7400"/>
-            </a:lvl7pPr>
-            <a:lvl8pPr lvl="7" indent="0">
-              <a:spcBef>
-                <a:spcPts val="0"/>
-              </a:spcBef>
-              <a:buNone/>
-              <a:defRPr sz="7400"/>
-            </a:lvl8pPr>
-            <a:lvl9pPr lvl="8" indent="0">
-              <a:spcBef>
-                <a:spcPts val="0"/>
-              </a:spcBef>
-              <a:buNone/>
-              <a:defRPr sz="7400"/>
-            </a:lvl9pPr>
-          </a:lstStyle>
-          <a:p>
-            <a:pPr indent="-858443"/>
-            <a:r>
-              <a:rPr lang="en-US" sz="5400" dirty="0" smtClean="0"/>
-              <a:t>Solution overview</a:t>
-            </a:r>
-            <a:endParaRPr lang="en-US" sz="5400" dirty="0"/>
-          </a:p>
-        </p:txBody>
-      </p:sp>
-      <p:sp>
-        <p:nvSpPr>
-          <p:cNvPr id="5" name="Shape 120"/>
-          <p:cNvSpPr txBox="1">
-            <a:spLocks/>
-          </p:cNvSpPr>
-          <p:nvPr/>
-        </p:nvSpPr>
-        <p:spPr>
-          <a:xfrm>
-            <a:off x="0" y="14636286"/>
-            <a:ext cx="12334499" cy="5226798"/>
-          </a:xfrm>
-          <a:prstGeom prst="rect">
-            <a:avLst/>
-          </a:prstGeom>
-          <a:noFill/>
-          <a:ln>
-            <a:noFill/>
-          </a:ln>
-        </p:spPr>
-        <p:txBody>
-          <a:bodyPr wrap="square" lIns="374532" tIns="187215" rIns="374532" bIns="187215" anchor="t" anchorCtr="0">
-            <a:noAutofit/>
-          </a:bodyPr>
-          <a:lstStyle>
-            <a:defPPr marR="0" lvl="0" algn="l" rtl="0">
-              <a:lnSpc>
-                <a:spcPct val="100000"/>
-              </a:lnSpc>
-              <a:spcBef>
-                <a:spcPts val="0"/>
-              </a:spcBef>
-              <a:spcAft>
-                <a:spcPts val="0"/>
-              </a:spcAft>
-            </a:defPPr>
-            <a:lvl1pPr marL="702362" marR="0" lvl="0" indent="-156080" algn="l" rtl="0">
-              <a:lnSpc>
-                <a:spcPct val="90000"/>
-              </a:lnSpc>
-              <a:spcBef>
-                <a:spcPts val="3072"/>
-              </a:spcBef>
-              <a:spcAft>
-                <a:spcPts val="0"/>
-              </a:spcAft>
-              <a:buClr>
-                <a:schemeClr val="dk1"/>
-              </a:buClr>
-              <a:buSzPct val="100000"/>
-              <a:buFont typeface="Arial"/>
-              <a:buChar char="•"/>
-              <a:defRPr sz="8600" b="0" i="0" u="none" strike="noStrike" cap="none">
-                <a:solidFill>
-                  <a:schemeClr val="dk1"/>
-                </a:solidFill>
-                <a:latin typeface="Calibri"/>
-                <a:ea typeface="Calibri"/>
-                <a:cs typeface="Calibri"/>
-                <a:sym typeface="Calibri"/>
-              </a:defRPr>
-            </a:lvl1pPr>
-            <a:lvl2pPr marL="2107086" marR="0" lvl="1" indent="-234121" algn="l" rtl="0">
-              <a:lnSpc>
-                <a:spcPct val="90000"/>
-              </a:lnSpc>
-              <a:spcBef>
-                <a:spcPts val="1536"/>
-              </a:spcBef>
-              <a:spcAft>
-                <a:spcPts val="0"/>
-              </a:spcAft>
-              <a:buClr>
-                <a:schemeClr val="dk1"/>
-              </a:buClr>
-              <a:buSzPct val="100000"/>
-              <a:buFont typeface="Arial"/>
-              <a:buChar char="•"/>
-              <a:defRPr sz="7400" b="0" i="0" u="none" strike="noStrike" cap="none">
-                <a:solidFill>
-                  <a:schemeClr val="dk1"/>
-                </a:solidFill>
-                <a:latin typeface="Calibri"/>
-                <a:ea typeface="Calibri"/>
-                <a:cs typeface="Calibri"/>
-                <a:sym typeface="Calibri"/>
-              </a:defRPr>
-            </a:lvl2pPr>
-            <a:lvl3pPr marL="3511810" marR="0" lvl="2" indent="-312161" algn="l" rtl="0">
-              <a:lnSpc>
-                <a:spcPct val="90000"/>
-              </a:lnSpc>
-              <a:spcBef>
-                <a:spcPts val="1536"/>
-              </a:spcBef>
-              <a:spcAft>
-                <a:spcPts val="0"/>
-              </a:spcAft>
-              <a:buClr>
-                <a:schemeClr val="dk1"/>
-              </a:buClr>
-              <a:buSzPct val="100000"/>
-              <a:buFont typeface="Arial"/>
-              <a:buChar char="•"/>
-              <a:defRPr sz="6100" b="0" i="0" u="none" strike="noStrike" cap="none">
-                <a:solidFill>
-                  <a:schemeClr val="dk1"/>
-                </a:solidFill>
-                <a:latin typeface="Calibri"/>
-                <a:ea typeface="Calibri"/>
-                <a:cs typeface="Calibri"/>
-                <a:sym typeface="Calibri"/>
-              </a:defRPr>
-            </a:lvl3pPr>
-            <a:lvl4pPr marL="4916534" marR="0" lvl="3" indent="-351181" algn="l" rtl="0">
-              <a:lnSpc>
-                <a:spcPct val="90000"/>
-              </a:lnSpc>
-              <a:spcBef>
-                <a:spcPts val="1536"/>
-              </a:spcBef>
-              <a:spcAft>
-                <a:spcPts val="0"/>
-              </a:spcAft>
-              <a:buClr>
-                <a:schemeClr val="dk1"/>
-              </a:buClr>
-              <a:buSzPct val="96428"/>
-              <a:buFont typeface="Arial"/>
-              <a:buChar char="•"/>
-              <a:defRPr sz="5500" b="0" i="0" u="none" strike="noStrike" cap="none">
-                <a:solidFill>
-                  <a:schemeClr val="dk1"/>
-                </a:solidFill>
-                <a:latin typeface="Calibri"/>
-                <a:ea typeface="Calibri"/>
-                <a:cs typeface="Calibri"/>
-                <a:sym typeface="Calibri"/>
-              </a:defRPr>
-            </a:lvl4pPr>
-            <a:lvl5pPr marL="6321259" marR="0" lvl="4" indent="-351181" algn="l" rtl="0">
-              <a:lnSpc>
-                <a:spcPct val="90000"/>
-              </a:lnSpc>
-              <a:spcBef>
-                <a:spcPts val="1536"/>
-              </a:spcBef>
-              <a:spcAft>
-                <a:spcPts val="0"/>
-              </a:spcAft>
-              <a:buClr>
-                <a:schemeClr val="dk1"/>
-              </a:buClr>
-              <a:buSzPct val="96428"/>
-              <a:buFont typeface="Arial"/>
-              <a:buChar char="•"/>
-              <a:defRPr sz="5500" b="0" i="0" u="none" strike="noStrike" cap="none">
-                <a:solidFill>
-                  <a:schemeClr val="dk1"/>
-                </a:solidFill>
-                <a:latin typeface="Calibri"/>
-                <a:ea typeface="Calibri"/>
-                <a:cs typeface="Calibri"/>
-                <a:sym typeface="Calibri"/>
-              </a:defRPr>
-            </a:lvl5pPr>
-            <a:lvl6pPr marL="7725983" marR="0" lvl="5" indent="-351181" algn="l" rtl="0">
-              <a:lnSpc>
-                <a:spcPct val="90000"/>
-              </a:lnSpc>
-              <a:spcBef>
-                <a:spcPts val="1536"/>
-              </a:spcBef>
-              <a:spcAft>
-                <a:spcPts val="0"/>
-              </a:spcAft>
-              <a:buClr>
-                <a:schemeClr val="dk1"/>
-              </a:buClr>
-              <a:buSzPct val="96428"/>
-              <a:buFont typeface="Arial"/>
-              <a:buChar char="•"/>
-              <a:defRPr sz="5500" b="0" i="0" u="none" strike="noStrike" cap="none">
-                <a:solidFill>
-                  <a:schemeClr val="dk1"/>
-                </a:solidFill>
-                <a:latin typeface="Calibri"/>
-                <a:ea typeface="Calibri"/>
-                <a:cs typeface="Calibri"/>
-                <a:sym typeface="Calibri"/>
-              </a:defRPr>
-            </a:lvl6pPr>
-            <a:lvl7pPr marL="9130707" marR="0" lvl="6" indent="-351181" algn="l" rtl="0">
-              <a:lnSpc>
-                <a:spcPct val="90000"/>
-              </a:lnSpc>
-              <a:spcBef>
-                <a:spcPts val="1536"/>
-              </a:spcBef>
-              <a:spcAft>
-                <a:spcPts val="0"/>
-              </a:spcAft>
-              <a:buClr>
-                <a:schemeClr val="dk1"/>
-              </a:buClr>
-              <a:buSzPct val="96428"/>
-              <a:buFont typeface="Arial"/>
-              <a:buChar char="•"/>
-              <a:defRPr sz="5500" b="0" i="0" u="none" strike="noStrike" cap="none">
-                <a:solidFill>
-                  <a:schemeClr val="dk1"/>
-                </a:solidFill>
-                <a:latin typeface="Calibri"/>
-                <a:ea typeface="Calibri"/>
-                <a:cs typeface="Calibri"/>
-                <a:sym typeface="Calibri"/>
-              </a:defRPr>
-            </a:lvl7pPr>
-            <a:lvl8pPr marL="10535431" marR="0" lvl="7" indent="-351181" algn="l" rtl="0">
-              <a:lnSpc>
-                <a:spcPct val="90000"/>
-              </a:lnSpc>
-              <a:spcBef>
-                <a:spcPts val="1536"/>
-              </a:spcBef>
-              <a:spcAft>
-                <a:spcPts val="0"/>
-              </a:spcAft>
-              <a:buClr>
-                <a:schemeClr val="dk1"/>
-              </a:buClr>
-              <a:buSzPct val="96428"/>
-              <a:buFont typeface="Arial"/>
-              <a:buChar char="•"/>
-              <a:defRPr sz="5500" b="0" i="0" u="none" strike="noStrike" cap="none">
-                <a:solidFill>
-                  <a:schemeClr val="dk1"/>
-                </a:solidFill>
-                <a:latin typeface="Calibri"/>
-                <a:ea typeface="Calibri"/>
-                <a:cs typeface="Calibri"/>
-                <a:sym typeface="Calibri"/>
-              </a:defRPr>
-            </a:lvl8pPr>
-            <a:lvl9pPr marL="11940155" marR="0" lvl="8" indent="-351181" algn="l" rtl="0">
-              <a:lnSpc>
-                <a:spcPct val="90000"/>
-              </a:lnSpc>
-              <a:spcBef>
-                <a:spcPts val="1536"/>
-              </a:spcBef>
-              <a:spcAft>
-                <a:spcPts val="0"/>
-              </a:spcAft>
-              <a:buClr>
-                <a:schemeClr val="dk1"/>
-              </a:buClr>
-              <a:buSzPct val="96428"/>
-              <a:buFont typeface="Arial"/>
-              <a:buChar char="•"/>
-              <a:defRPr sz="5500" b="0" i="0" u="none" strike="noStrike" cap="none">
-                <a:solidFill>
-                  <a:schemeClr val="dk1"/>
-                </a:solidFill>
-                <a:latin typeface="Calibri"/>
-                <a:ea typeface="Calibri"/>
-                <a:cs typeface="Calibri"/>
-                <a:sym typeface="Calibri"/>
-              </a:defRPr>
-            </a:lvl9pPr>
-          </a:lstStyle>
-          <a:p>
-            <a:pPr indent="-702362">
-              <a:spcBef>
-                <a:spcPts val="0"/>
-              </a:spcBef>
-            </a:pPr>
-            <a:r>
-              <a:rPr lang="en-US" sz="3600" dirty="0" smtClean="0">
-                <a:latin typeface="Arial"/>
-                <a:cs typeface="Arial"/>
-              </a:rPr>
-              <a:t>Provide an overview of your team’s solution</a:t>
-            </a:r>
-            <a:endParaRPr lang="en-US" sz="3600" dirty="0">
-              <a:latin typeface="Arial"/>
-              <a:cs typeface="Arial"/>
-            </a:endParaRPr>
-          </a:p>
-        </p:txBody>
-      </p:sp>
-      <p:sp>
-        <p:nvSpPr>
-          <p:cNvPr id="6" name="Shape 125"/>
-          <p:cNvSpPr txBox="1">
-            <a:spLocks/>
-          </p:cNvSpPr>
-          <p:nvPr/>
-        </p:nvSpPr>
-        <p:spPr>
-          <a:xfrm>
-            <a:off x="14663616" y="4393336"/>
-            <a:ext cx="13679701" cy="1907764"/>
-          </a:xfrm>
-          <a:prstGeom prst="rect">
-            <a:avLst/>
-          </a:prstGeom>
-          <a:noFill/>
-          <a:ln>
-            <a:noFill/>
-          </a:ln>
-        </p:spPr>
-        <p:txBody>
-          <a:bodyPr wrap="square" lIns="374532" tIns="187215" rIns="374532" bIns="187215" anchor="ctr" anchorCtr="0">
-            <a:noAutofit/>
-          </a:bodyPr>
-          <a:lstStyle>
-            <a:defPPr marR="0" lvl="0" algn="l" rtl="0">
-              <a:lnSpc>
-                <a:spcPct val="100000"/>
-              </a:lnSpc>
-              <a:spcBef>
-                <a:spcPts val="0"/>
-              </a:spcBef>
-              <a:spcAft>
-                <a:spcPts val="0"/>
-              </a:spcAft>
-            </a:defPPr>
-            <a:lvl1pPr marL="0" marR="0" lvl="0" indent="0" algn="l" rtl="0">
-              <a:lnSpc>
-                <a:spcPct val="90000"/>
-              </a:lnSpc>
-              <a:spcBef>
-                <a:spcPts val="0"/>
-              </a:spcBef>
-              <a:spcAft>
-                <a:spcPts val="0"/>
-              </a:spcAft>
-              <a:buClr>
-                <a:schemeClr val="dk1"/>
-              </a:buClr>
-              <a:buSzPct val="100000"/>
-              <a:buFont typeface="Calibri"/>
-              <a:buNone/>
-              <a:defRPr sz="13500" b="0" i="0" u="none" strike="noStrike" cap="none">
-                <a:solidFill>
-                  <a:schemeClr val="dk1"/>
-                </a:solidFill>
-                <a:latin typeface="Calibri"/>
-                <a:ea typeface="Calibri"/>
-                <a:cs typeface="Calibri"/>
-                <a:sym typeface="Calibri"/>
-              </a:defRPr>
-            </a:lvl1pPr>
-            <a:lvl2pPr lvl="1" indent="0">
-              <a:spcBef>
-                <a:spcPts val="0"/>
-              </a:spcBef>
-              <a:buNone/>
-              <a:defRPr sz="7400"/>
-            </a:lvl2pPr>
-            <a:lvl3pPr lvl="2" indent="0">
-              <a:spcBef>
-                <a:spcPts val="0"/>
-              </a:spcBef>
-              <a:buNone/>
-              <a:defRPr sz="7400"/>
-            </a:lvl3pPr>
-            <a:lvl4pPr lvl="3" indent="0">
-              <a:spcBef>
-                <a:spcPts val="0"/>
-              </a:spcBef>
-              <a:buNone/>
-              <a:defRPr sz="7400"/>
-            </a:lvl4pPr>
-            <a:lvl5pPr lvl="4" indent="0">
-              <a:spcBef>
-                <a:spcPts val="0"/>
-              </a:spcBef>
-              <a:buNone/>
-              <a:defRPr sz="7400"/>
-            </a:lvl5pPr>
-            <a:lvl6pPr lvl="5" indent="0">
-              <a:spcBef>
-                <a:spcPts val="0"/>
-              </a:spcBef>
-              <a:buNone/>
-              <a:defRPr sz="7400"/>
-            </a:lvl6pPr>
-            <a:lvl7pPr lvl="6" indent="0">
-              <a:spcBef>
-                <a:spcPts val="0"/>
-              </a:spcBef>
-              <a:buNone/>
-              <a:defRPr sz="7400"/>
-            </a:lvl7pPr>
-            <a:lvl8pPr lvl="7" indent="0">
-              <a:spcBef>
-                <a:spcPts val="0"/>
-              </a:spcBef>
-              <a:buNone/>
-              <a:defRPr sz="7400"/>
-            </a:lvl8pPr>
-            <a:lvl9pPr lvl="8" indent="0">
-              <a:spcBef>
-                <a:spcPts val="0"/>
-              </a:spcBef>
-              <a:buNone/>
-              <a:defRPr sz="7400"/>
-            </a:lvl9pPr>
-          </a:lstStyle>
-          <a:p>
-            <a:pPr indent="-858443"/>
-            <a:r>
-              <a:rPr lang="en-US" sz="5400" dirty="0" smtClean="0"/>
-              <a:t>Next steps</a:t>
-            </a:r>
-            <a:endParaRPr lang="en-US" sz="5400" dirty="0"/>
-          </a:p>
-        </p:txBody>
-      </p:sp>
-      <p:sp>
-        <p:nvSpPr>
-          <p:cNvPr id="7" name="Shape 126"/>
-          <p:cNvSpPr txBox="1">
-            <a:spLocks/>
-          </p:cNvSpPr>
-          <p:nvPr/>
-        </p:nvSpPr>
-        <p:spPr>
-          <a:xfrm>
-            <a:off x="15640390" y="6301100"/>
-            <a:ext cx="21424463" cy="6262295"/>
-          </a:xfrm>
-          <a:prstGeom prst="rect">
-            <a:avLst/>
-          </a:prstGeom>
-          <a:noFill/>
-          <a:ln>
-            <a:noFill/>
-          </a:ln>
-        </p:spPr>
-        <p:txBody>
-          <a:bodyPr wrap="square" lIns="374532" tIns="187215" rIns="374532" bIns="187215" anchor="t" anchorCtr="0">
-            <a:noAutofit/>
-          </a:bodyPr>
-          <a:lstStyle>
-            <a:defPPr marR="0" lvl="0" algn="l" rtl="0">
-              <a:lnSpc>
-                <a:spcPct val="100000"/>
-              </a:lnSpc>
-              <a:spcBef>
-                <a:spcPts val="0"/>
-              </a:spcBef>
-              <a:spcAft>
-                <a:spcPts val="0"/>
-              </a:spcAft>
-            </a:defPPr>
-            <a:lvl1pPr marL="702362" marR="0" lvl="0" indent="-156080" algn="l" rtl="0">
-              <a:lnSpc>
-                <a:spcPct val="90000"/>
-              </a:lnSpc>
-              <a:spcBef>
-                <a:spcPts val="3072"/>
-              </a:spcBef>
-              <a:spcAft>
-                <a:spcPts val="0"/>
-              </a:spcAft>
-              <a:buClr>
-                <a:schemeClr val="dk1"/>
-              </a:buClr>
-              <a:buSzPct val="100000"/>
-              <a:buFont typeface="Arial"/>
-              <a:buChar char="•"/>
-              <a:defRPr sz="8600" b="0" i="0" u="none" strike="noStrike" cap="none">
-                <a:solidFill>
-                  <a:schemeClr val="dk1"/>
-                </a:solidFill>
-                <a:latin typeface="Calibri"/>
-                <a:ea typeface="Calibri"/>
-                <a:cs typeface="Calibri"/>
-                <a:sym typeface="Calibri"/>
-              </a:defRPr>
-            </a:lvl1pPr>
-            <a:lvl2pPr marL="2107086" marR="0" lvl="1" indent="-234121" algn="l" rtl="0">
-              <a:lnSpc>
-                <a:spcPct val="90000"/>
-              </a:lnSpc>
-              <a:spcBef>
-                <a:spcPts val="1536"/>
-              </a:spcBef>
-              <a:spcAft>
-                <a:spcPts val="0"/>
-              </a:spcAft>
-              <a:buClr>
-                <a:schemeClr val="dk1"/>
-              </a:buClr>
-              <a:buSzPct val="100000"/>
-              <a:buFont typeface="Arial"/>
-              <a:buChar char="•"/>
-              <a:defRPr sz="7400" b="0" i="0" u="none" strike="noStrike" cap="none">
-                <a:solidFill>
-                  <a:schemeClr val="dk1"/>
-                </a:solidFill>
-                <a:latin typeface="Calibri"/>
-                <a:ea typeface="Calibri"/>
-                <a:cs typeface="Calibri"/>
-                <a:sym typeface="Calibri"/>
-              </a:defRPr>
-            </a:lvl2pPr>
-            <a:lvl3pPr marL="3511810" marR="0" lvl="2" indent="-312161" algn="l" rtl="0">
-              <a:lnSpc>
-                <a:spcPct val="90000"/>
-              </a:lnSpc>
-              <a:spcBef>
-                <a:spcPts val="1536"/>
-              </a:spcBef>
-              <a:spcAft>
-                <a:spcPts val="0"/>
-              </a:spcAft>
-              <a:buClr>
-                <a:schemeClr val="dk1"/>
-              </a:buClr>
-              <a:buSzPct val="100000"/>
-              <a:buFont typeface="Arial"/>
-              <a:buChar char="•"/>
-              <a:defRPr sz="6100" b="0" i="0" u="none" strike="noStrike" cap="none">
-                <a:solidFill>
-                  <a:schemeClr val="dk1"/>
-                </a:solidFill>
-                <a:latin typeface="Calibri"/>
-                <a:ea typeface="Calibri"/>
-                <a:cs typeface="Calibri"/>
-                <a:sym typeface="Calibri"/>
-              </a:defRPr>
-            </a:lvl3pPr>
-            <a:lvl4pPr marL="4916534" marR="0" lvl="3" indent="-351181" algn="l" rtl="0">
-              <a:lnSpc>
-                <a:spcPct val="90000"/>
-              </a:lnSpc>
-              <a:spcBef>
-                <a:spcPts val="1536"/>
-              </a:spcBef>
-              <a:spcAft>
-                <a:spcPts val="0"/>
-              </a:spcAft>
-              <a:buClr>
-                <a:schemeClr val="dk1"/>
-              </a:buClr>
-              <a:buSzPct val="96428"/>
-              <a:buFont typeface="Arial"/>
-              <a:buChar char="•"/>
-              <a:defRPr sz="5500" b="0" i="0" u="none" strike="noStrike" cap="none">
-                <a:solidFill>
-                  <a:schemeClr val="dk1"/>
-                </a:solidFill>
-                <a:latin typeface="Calibri"/>
-                <a:ea typeface="Calibri"/>
-                <a:cs typeface="Calibri"/>
-                <a:sym typeface="Calibri"/>
-              </a:defRPr>
-            </a:lvl4pPr>
-            <a:lvl5pPr marL="6321259" marR="0" lvl="4" indent="-351181" algn="l" rtl="0">
-              <a:lnSpc>
-                <a:spcPct val="90000"/>
-              </a:lnSpc>
-              <a:spcBef>
-                <a:spcPts val="1536"/>
-              </a:spcBef>
-              <a:spcAft>
-                <a:spcPts val="0"/>
-              </a:spcAft>
-              <a:buClr>
-                <a:schemeClr val="dk1"/>
-              </a:buClr>
-              <a:buSzPct val="96428"/>
-              <a:buFont typeface="Arial"/>
-              <a:buChar char="•"/>
-              <a:defRPr sz="5500" b="0" i="0" u="none" strike="noStrike" cap="none">
-                <a:solidFill>
-                  <a:schemeClr val="dk1"/>
-                </a:solidFill>
-                <a:latin typeface="Calibri"/>
-                <a:ea typeface="Calibri"/>
-                <a:cs typeface="Calibri"/>
-                <a:sym typeface="Calibri"/>
-              </a:defRPr>
-            </a:lvl5pPr>
-            <a:lvl6pPr marL="7725983" marR="0" lvl="5" indent="-351181" algn="l" rtl="0">
-              <a:lnSpc>
-                <a:spcPct val="90000"/>
-              </a:lnSpc>
-              <a:spcBef>
-                <a:spcPts val="1536"/>
-              </a:spcBef>
-              <a:spcAft>
-                <a:spcPts val="0"/>
-              </a:spcAft>
-              <a:buClr>
-                <a:schemeClr val="dk1"/>
-              </a:buClr>
-              <a:buSzPct val="96428"/>
-              <a:buFont typeface="Arial"/>
-              <a:buChar char="•"/>
-              <a:defRPr sz="5500" b="0" i="0" u="none" strike="noStrike" cap="none">
-                <a:solidFill>
-                  <a:schemeClr val="dk1"/>
-                </a:solidFill>
-                <a:latin typeface="Calibri"/>
-                <a:ea typeface="Calibri"/>
-                <a:cs typeface="Calibri"/>
-                <a:sym typeface="Calibri"/>
-              </a:defRPr>
-            </a:lvl6pPr>
-            <a:lvl7pPr marL="9130707" marR="0" lvl="6" indent="-351181" algn="l" rtl="0">
-              <a:lnSpc>
-                <a:spcPct val="90000"/>
-              </a:lnSpc>
-              <a:spcBef>
-                <a:spcPts val="1536"/>
-              </a:spcBef>
-              <a:spcAft>
-                <a:spcPts val="0"/>
-              </a:spcAft>
-              <a:buClr>
-                <a:schemeClr val="dk1"/>
-              </a:buClr>
-              <a:buSzPct val="96428"/>
-              <a:buFont typeface="Arial"/>
-              <a:buChar char="•"/>
-              <a:defRPr sz="5500" b="0" i="0" u="none" strike="noStrike" cap="none">
-                <a:solidFill>
-                  <a:schemeClr val="dk1"/>
-                </a:solidFill>
-                <a:latin typeface="Calibri"/>
-                <a:ea typeface="Calibri"/>
-                <a:cs typeface="Calibri"/>
-                <a:sym typeface="Calibri"/>
-              </a:defRPr>
-            </a:lvl7pPr>
-            <a:lvl8pPr marL="10535431" marR="0" lvl="7" indent="-351181" algn="l" rtl="0">
-              <a:lnSpc>
-                <a:spcPct val="90000"/>
-              </a:lnSpc>
-              <a:spcBef>
-                <a:spcPts val="1536"/>
-              </a:spcBef>
-              <a:spcAft>
-                <a:spcPts val="0"/>
-              </a:spcAft>
-              <a:buClr>
-                <a:schemeClr val="dk1"/>
-              </a:buClr>
-              <a:buSzPct val="96428"/>
-              <a:buFont typeface="Arial"/>
-              <a:buChar char="•"/>
-              <a:defRPr sz="5500" b="0" i="0" u="none" strike="noStrike" cap="none">
-                <a:solidFill>
-                  <a:schemeClr val="dk1"/>
-                </a:solidFill>
-                <a:latin typeface="Calibri"/>
-                <a:ea typeface="Calibri"/>
-                <a:cs typeface="Calibri"/>
-                <a:sym typeface="Calibri"/>
-              </a:defRPr>
-            </a:lvl8pPr>
-            <a:lvl9pPr marL="11940155" marR="0" lvl="8" indent="-351181" algn="l" rtl="0">
-              <a:lnSpc>
-                <a:spcPct val="90000"/>
-              </a:lnSpc>
-              <a:spcBef>
-                <a:spcPts val="1536"/>
-              </a:spcBef>
-              <a:spcAft>
-                <a:spcPts val="0"/>
-              </a:spcAft>
-              <a:buClr>
-                <a:schemeClr val="dk1"/>
-              </a:buClr>
-              <a:buSzPct val="96428"/>
-              <a:buFont typeface="Arial"/>
-              <a:buChar char="•"/>
-              <a:defRPr sz="5500" b="0" i="0" u="none" strike="noStrike" cap="none">
-                <a:solidFill>
-                  <a:schemeClr val="dk1"/>
-                </a:solidFill>
-                <a:latin typeface="Calibri"/>
-                <a:ea typeface="Calibri"/>
-                <a:cs typeface="Calibri"/>
-                <a:sym typeface="Calibri"/>
-              </a:defRPr>
-            </a:lvl9pPr>
-          </a:lstStyle>
-          <a:p>
-            <a:pPr lvl="1" indent="-702362">
-              <a:spcBef>
-                <a:spcPts val="0"/>
-              </a:spcBef>
-            </a:pPr>
-            <a:r>
-              <a:rPr lang="en-US" sz="4400" dirty="0" smtClean="0"/>
-              <a:t>What challenges might you face in the future and what information do you need to complete your solution?</a:t>
-            </a:r>
-          </a:p>
-          <a:p>
-            <a:pPr lvl="2" indent="-702362"/>
-            <a:r>
-              <a:rPr lang="en-US" sz="4400" dirty="0" smtClean="0"/>
-              <a:t>Judges are instructed to identify teams that think about the challenge beyond this weekend. I.e. have you figured out other issues that you don’t have time to solve now, but need to solve to be successful</a:t>
-            </a:r>
-          </a:p>
-          <a:p>
-            <a:pPr lvl="1" indent="-702362"/>
-            <a:r>
-              <a:rPr lang="en-US" sz="4400" dirty="0" smtClean="0"/>
-              <a:t>How can you fix some of the shortcomings in the future?</a:t>
-            </a:r>
-          </a:p>
-          <a:p>
-            <a:pPr lvl="1" indent="-702362"/>
-            <a:endParaRPr lang="en-US" sz="4400" dirty="0"/>
-          </a:p>
-          <a:p>
-            <a:pPr lvl="1" indent="-702362"/>
-            <a:r>
-              <a:rPr lang="en-US" sz="4400" dirty="0" smtClean="0"/>
-              <a:t>Relate this to the shortcomings you displayed on the previous slide</a:t>
-            </a:r>
-            <a:endParaRPr lang="en-US" sz="4400" dirty="0"/>
-          </a:p>
-        </p:txBody>
-      </p:sp>
-      <p:sp>
-        <p:nvSpPr>
-          <p:cNvPr id="3" name="Chevron 2"/>
-          <p:cNvSpPr/>
-          <p:nvPr/>
-        </p:nvSpPr>
-        <p:spPr>
-          <a:xfrm>
-            <a:off x="12334501" y="4263443"/>
-            <a:ext cx="3305889" cy="16823267"/>
-          </a:xfrm>
-          <a:prstGeom prst="chevron">
-            <a:avLst/>
-          </a:prstGeom>
-          <a:solidFill>
-            <a:srgbClr val="209C27"/>
-          </a:solidFill>
-          <a:ln>
-            <a:noFill/>
-          </a:ln>
-        </p:spPr>
-        <p:style>
-          <a:lnRef idx="1">
-            <a:schemeClr val="accent1"/>
-          </a:lnRef>
-          <a:fillRef idx="3">
-            <a:schemeClr val="accent1"/>
-          </a:fillRef>
-          <a:effectRef idx="2">
-            <a:schemeClr val="accent1"/>
-          </a:effectRef>
-          <a:fontRef idx="minor">
-            <a:schemeClr val="lt1"/>
-          </a:fontRef>
-        </p:style>
-        <p:txBody>
-          <a:bodyPr rtlCol="0" anchor="ctr"/>
-          <a:lstStyle/>
-          <a:p>
-            <a:pPr algn="ctr"/>
-            <a:endParaRPr lang="en-US">
-              <a:solidFill>
-                <a:schemeClr val="tx1"/>
-              </a:solidFill>
-            </a:endParaRPr>
-          </a:p>
-        </p:txBody>
-      </p:sp>
-      <p:sp>
-        <p:nvSpPr>
-          <p:cNvPr id="17" name="Shape 107"/>
-          <p:cNvSpPr txBox="1">
-            <a:spLocks/>
-          </p:cNvSpPr>
-          <p:nvPr/>
-        </p:nvSpPr>
-        <p:spPr>
-          <a:xfrm>
-            <a:off x="6396766" y="552321"/>
-            <a:ext cx="25944461" cy="1744777"/>
-          </a:xfrm>
-          <a:prstGeom prst="rect">
-            <a:avLst/>
-          </a:prstGeom>
-          <a:noFill/>
-          <a:ln>
-            <a:noFill/>
-          </a:ln>
-        </p:spPr>
-        <p:txBody>
-          <a:bodyPr wrap="square" lIns="374532" tIns="187215" rIns="374532" bIns="187215" anchor="b" anchorCtr="0">
-            <a:noAutofit/>
-          </a:bodyPr>
-          <a:lstStyle>
-            <a:defPPr marR="0" lvl="0" algn="l" rtl="0">
-              <a:lnSpc>
-                <a:spcPct val="100000"/>
-              </a:lnSpc>
-              <a:spcBef>
-                <a:spcPts val="0"/>
-              </a:spcBef>
-              <a:spcAft>
-                <a:spcPts val="0"/>
-              </a:spcAft>
-            </a:defPPr>
-            <a:lvl1pPr marL="0" marR="0" lvl="0" indent="0" algn="l" rtl="0">
-              <a:lnSpc>
-                <a:spcPct val="90000"/>
-              </a:lnSpc>
-              <a:spcBef>
-                <a:spcPts val="0"/>
-              </a:spcBef>
-              <a:spcAft>
-                <a:spcPts val="0"/>
-              </a:spcAft>
-              <a:buClr>
-                <a:schemeClr val="dk1"/>
-              </a:buClr>
-              <a:buSzPct val="100000"/>
-              <a:buFont typeface="Calibri"/>
-              <a:buNone/>
-              <a:defRPr sz="13500" b="0" i="0" u="none" strike="noStrike" cap="none">
-                <a:solidFill>
-                  <a:schemeClr val="dk1"/>
-                </a:solidFill>
-                <a:latin typeface="Calibri"/>
-                <a:ea typeface="Calibri"/>
-                <a:cs typeface="Calibri"/>
-                <a:sym typeface="Calibri"/>
-              </a:defRPr>
-            </a:lvl1pPr>
-            <a:lvl2pPr lvl="1" indent="0">
-              <a:spcBef>
-                <a:spcPts val="0"/>
-              </a:spcBef>
-              <a:buNone/>
-              <a:defRPr sz="7400"/>
-            </a:lvl2pPr>
-            <a:lvl3pPr lvl="2" indent="0">
-              <a:spcBef>
-                <a:spcPts val="0"/>
-              </a:spcBef>
-              <a:buNone/>
-              <a:defRPr sz="7400"/>
-            </a:lvl3pPr>
-            <a:lvl4pPr lvl="3" indent="0">
-              <a:spcBef>
-                <a:spcPts val="0"/>
-              </a:spcBef>
-              <a:buNone/>
-              <a:defRPr sz="7400"/>
-            </a:lvl4pPr>
-            <a:lvl5pPr lvl="4" indent="0">
-              <a:spcBef>
-                <a:spcPts val="0"/>
-              </a:spcBef>
-              <a:buNone/>
-              <a:defRPr sz="7400"/>
-            </a:lvl5pPr>
-            <a:lvl6pPr lvl="5" indent="0">
-              <a:spcBef>
-                <a:spcPts val="0"/>
-              </a:spcBef>
-              <a:buNone/>
-              <a:defRPr sz="7400"/>
-            </a:lvl6pPr>
-            <a:lvl7pPr lvl="6" indent="0">
-              <a:spcBef>
-                <a:spcPts val="0"/>
-              </a:spcBef>
-              <a:buNone/>
-              <a:defRPr sz="7400"/>
-            </a:lvl7pPr>
-            <a:lvl8pPr lvl="7" indent="0">
-              <a:spcBef>
-                <a:spcPts val="0"/>
-              </a:spcBef>
-              <a:buNone/>
-              <a:defRPr sz="7400"/>
-            </a:lvl8pPr>
-            <a:lvl9pPr lvl="8" indent="0">
-              <a:spcBef>
-                <a:spcPts val="0"/>
-              </a:spcBef>
-              <a:buNone/>
-              <a:defRPr sz="7400"/>
-            </a:lvl9pPr>
-          </a:lstStyle>
-          <a:p>
-            <a:pPr indent="-1170603" algn="ctr"/>
-            <a:r>
-              <a:rPr lang="en-US" sz="7200" b="1" dirty="0" smtClean="0">
-                <a:solidFill>
-                  <a:schemeClr val="bg1"/>
-                </a:solidFill>
-              </a:rPr>
-              <a:t>[Team Name]</a:t>
-            </a:r>
-            <a:br>
-              <a:rPr lang="en-US" sz="7200" b="1" dirty="0" smtClean="0">
-                <a:solidFill>
-                  <a:schemeClr val="bg1"/>
-                </a:solidFill>
-              </a:rPr>
-            </a:br>
-            <a:r>
-              <a:rPr lang="en-US" sz="7200" b="1" dirty="0" smtClean="0">
-                <a:solidFill>
-                  <a:schemeClr val="bg1"/>
-                </a:solidFill>
-              </a:rPr>
-              <a:t>[Chosen challenge]</a:t>
-            </a:r>
-            <a:endParaRPr lang="en-US" sz="7200" b="1" dirty="0">
-              <a:solidFill>
-                <a:schemeClr val="bg1"/>
-              </a:solidFill>
-            </a:endParaRPr>
-          </a:p>
-        </p:txBody>
-      </p:sp>
-      <p:sp>
-        <p:nvSpPr>
-          <p:cNvPr id="18" name="Shape 108"/>
-          <p:cNvSpPr txBox="1">
-            <a:spLocks/>
-          </p:cNvSpPr>
-          <p:nvPr/>
-        </p:nvSpPr>
-        <p:spPr>
-          <a:xfrm>
-            <a:off x="6396766" y="2424610"/>
-            <a:ext cx="25944461" cy="1710661"/>
-          </a:xfrm>
-          <a:prstGeom prst="rect">
-            <a:avLst/>
-          </a:prstGeom>
-          <a:noFill/>
-          <a:ln>
-            <a:noFill/>
-          </a:ln>
-        </p:spPr>
-        <p:txBody>
-          <a:bodyPr wrap="square" lIns="374532" tIns="187215" rIns="374532" bIns="187215" anchor="t" anchorCtr="0">
-            <a:noAutofit/>
-          </a:bodyPr>
-          <a:lstStyle>
-            <a:defPPr marR="0" lvl="0" algn="l" rtl="0">
-              <a:lnSpc>
-                <a:spcPct val="100000"/>
-              </a:lnSpc>
-              <a:spcBef>
-                <a:spcPts val="0"/>
-              </a:spcBef>
-              <a:spcAft>
-                <a:spcPts val="0"/>
-              </a:spcAft>
-            </a:defPPr>
-            <a:lvl1pPr marL="702362" marR="0" lvl="0" indent="-156080" algn="l" rtl="0">
-              <a:lnSpc>
-                <a:spcPct val="90000"/>
-              </a:lnSpc>
-              <a:spcBef>
-                <a:spcPts val="3072"/>
-              </a:spcBef>
-              <a:spcAft>
-                <a:spcPts val="0"/>
-              </a:spcAft>
-              <a:buClr>
-                <a:schemeClr val="dk1"/>
-              </a:buClr>
-              <a:buSzPct val="100000"/>
-              <a:buFont typeface="Arial"/>
-              <a:buChar char="•"/>
-              <a:defRPr sz="8600" b="0" i="0" u="none" strike="noStrike" cap="none">
-                <a:solidFill>
-                  <a:schemeClr val="dk1"/>
-                </a:solidFill>
-                <a:latin typeface="Calibri"/>
-                <a:ea typeface="Calibri"/>
-                <a:cs typeface="Calibri"/>
-                <a:sym typeface="Calibri"/>
-              </a:defRPr>
-            </a:lvl1pPr>
-            <a:lvl2pPr marL="2107086" marR="0" lvl="1" indent="-234121" algn="l" rtl="0">
-              <a:lnSpc>
-                <a:spcPct val="90000"/>
-              </a:lnSpc>
-              <a:spcBef>
-                <a:spcPts val="1536"/>
-              </a:spcBef>
-              <a:spcAft>
-                <a:spcPts val="0"/>
-              </a:spcAft>
-              <a:buClr>
-                <a:schemeClr val="dk1"/>
-              </a:buClr>
-              <a:buSzPct val="100000"/>
-              <a:buFont typeface="Arial"/>
-              <a:buChar char="•"/>
-              <a:defRPr sz="7400" b="0" i="0" u="none" strike="noStrike" cap="none">
-                <a:solidFill>
-                  <a:schemeClr val="dk1"/>
-                </a:solidFill>
-                <a:latin typeface="Calibri"/>
-                <a:ea typeface="Calibri"/>
-                <a:cs typeface="Calibri"/>
-                <a:sym typeface="Calibri"/>
-              </a:defRPr>
-            </a:lvl2pPr>
-            <a:lvl3pPr marL="3511810" marR="0" lvl="2" indent="-312161" algn="l" rtl="0">
-              <a:lnSpc>
-                <a:spcPct val="90000"/>
-              </a:lnSpc>
-              <a:spcBef>
-                <a:spcPts val="1536"/>
-              </a:spcBef>
-              <a:spcAft>
-                <a:spcPts val="0"/>
-              </a:spcAft>
-              <a:buClr>
-                <a:schemeClr val="dk1"/>
-              </a:buClr>
-              <a:buSzPct val="100000"/>
-              <a:buFont typeface="Arial"/>
-              <a:buChar char="•"/>
-              <a:defRPr sz="6100" b="0" i="0" u="none" strike="noStrike" cap="none">
-                <a:solidFill>
-                  <a:schemeClr val="dk1"/>
-                </a:solidFill>
-                <a:latin typeface="Calibri"/>
-                <a:ea typeface="Calibri"/>
-                <a:cs typeface="Calibri"/>
-                <a:sym typeface="Calibri"/>
-              </a:defRPr>
-            </a:lvl3pPr>
-            <a:lvl4pPr marL="4916534" marR="0" lvl="3" indent="-351181" algn="l" rtl="0">
-              <a:lnSpc>
-                <a:spcPct val="90000"/>
-              </a:lnSpc>
-              <a:spcBef>
-                <a:spcPts val="1536"/>
-              </a:spcBef>
-              <a:spcAft>
-                <a:spcPts val="0"/>
-              </a:spcAft>
-              <a:buClr>
-                <a:schemeClr val="dk1"/>
-              </a:buClr>
-              <a:buSzPct val="96428"/>
-              <a:buFont typeface="Arial"/>
-              <a:buChar char="•"/>
-              <a:defRPr sz="5500" b="0" i="0" u="none" strike="noStrike" cap="none">
-                <a:solidFill>
-                  <a:schemeClr val="dk1"/>
-                </a:solidFill>
-                <a:latin typeface="Calibri"/>
-                <a:ea typeface="Calibri"/>
-                <a:cs typeface="Calibri"/>
-                <a:sym typeface="Calibri"/>
-              </a:defRPr>
-            </a:lvl4pPr>
-            <a:lvl5pPr marL="6321259" marR="0" lvl="4" indent="-351181" algn="l" rtl="0">
-              <a:lnSpc>
-                <a:spcPct val="90000"/>
-              </a:lnSpc>
-              <a:spcBef>
-                <a:spcPts val="1536"/>
-              </a:spcBef>
-              <a:spcAft>
-                <a:spcPts val="0"/>
-              </a:spcAft>
-              <a:buClr>
-                <a:schemeClr val="dk1"/>
-              </a:buClr>
-              <a:buSzPct val="96428"/>
-              <a:buFont typeface="Arial"/>
-              <a:buChar char="•"/>
-              <a:defRPr sz="5500" b="0" i="0" u="none" strike="noStrike" cap="none">
-                <a:solidFill>
-                  <a:schemeClr val="dk1"/>
-                </a:solidFill>
-                <a:latin typeface="Calibri"/>
-                <a:ea typeface="Calibri"/>
-                <a:cs typeface="Calibri"/>
-                <a:sym typeface="Calibri"/>
-              </a:defRPr>
-            </a:lvl5pPr>
-            <a:lvl6pPr marL="7725983" marR="0" lvl="5" indent="-351181" algn="l" rtl="0">
-              <a:lnSpc>
-                <a:spcPct val="90000"/>
-              </a:lnSpc>
-              <a:spcBef>
-                <a:spcPts val="1536"/>
-              </a:spcBef>
-              <a:spcAft>
-                <a:spcPts val="0"/>
-              </a:spcAft>
-              <a:buClr>
-                <a:schemeClr val="dk1"/>
-              </a:buClr>
-              <a:buSzPct val="96428"/>
-              <a:buFont typeface="Arial"/>
-              <a:buChar char="•"/>
-              <a:defRPr sz="5500" b="0" i="0" u="none" strike="noStrike" cap="none">
-                <a:solidFill>
-                  <a:schemeClr val="dk1"/>
-                </a:solidFill>
-                <a:latin typeface="Calibri"/>
-                <a:ea typeface="Calibri"/>
-                <a:cs typeface="Calibri"/>
-                <a:sym typeface="Calibri"/>
-              </a:defRPr>
-            </a:lvl6pPr>
-            <a:lvl7pPr marL="9130707" marR="0" lvl="6" indent="-351181" algn="l" rtl="0">
-              <a:lnSpc>
-                <a:spcPct val="90000"/>
-              </a:lnSpc>
-              <a:spcBef>
-                <a:spcPts val="1536"/>
-              </a:spcBef>
-              <a:spcAft>
-                <a:spcPts val="0"/>
-              </a:spcAft>
-              <a:buClr>
-                <a:schemeClr val="dk1"/>
-              </a:buClr>
-              <a:buSzPct val="96428"/>
-              <a:buFont typeface="Arial"/>
-              <a:buChar char="•"/>
-              <a:defRPr sz="5500" b="0" i="0" u="none" strike="noStrike" cap="none">
-                <a:solidFill>
-                  <a:schemeClr val="dk1"/>
-                </a:solidFill>
-                <a:latin typeface="Calibri"/>
-                <a:ea typeface="Calibri"/>
-                <a:cs typeface="Calibri"/>
-                <a:sym typeface="Calibri"/>
-              </a:defRPr>
-            </a:lvl7pPr>
-            <a:lvl8pPr marL="10535431" marR="0" lvl="7" indent="-351181" algn="l" rtl="0">
-              <a:lnSpc>
-                <a:spcPct val="90000"/>
-              </a:lnSpc>
-              <a:spcBef>
-                <a:spcPts val="1536"/>
-              </a:spcBef>
-              <a:spcAft>
-                <a:spcPts val="0"/>
-              </a:spcAft>
-              <a:buClr>
-                <a:schemeClr val="dk1"/>
-              </a:buClr>
-              <a:buSzPct val="96428"/>
-              <a:buFont typeface="Arial"/>
-              <a:buChar char="•"/>
-              <a:defRPr sz="5500" b="0" i="0" u="none" strike="noStrike" cap="none">
-                <a:solidFill>
-                  <a:schemeClr val="dk1"/>
-                </a:solidFill>
-                <a:latin typeface="Calibri"/>
-                <a:ea typeface="Calibri"/>
-                <a:cs typeface="Calibri"/>
-                <a:sym typeface="Calibri"/>
-              </a:defRPr>
-            </a:lvl8pPr>
-            <a:lvl9pPr marL="11940155" marR="0" lvl="8" indent="-351181" algn="l" rtl="0">
-              <a:lnSpc>
-                <a:spcPct val="90000"/>
-              </a:lnSpc>
-              <a:spcBef>
-                <a:spcPts val="1536"/>
-              </a:spcBef>
-              <a:spcAft>
-                <a:spcPts val="0"/>
-              </a:spcAft>
-              <a:buClr>
-                <a:schemeClr val="dk1"/>
-              </a:buClr>
-              <a:buSzPct val="96428"/>
-              <a:buFont typeface="Arial"/>
-              <a:buChar char="•"/>
-              <a:defRPr sz="5500" b="0" i="0" u="none" strike="noStrike" cap="none">
-                <a:solidFill>
-                  <a:schemeClr val="dk1"/>
-                </a:solidFill>
-                <a:latin typeface="Calibri"/>
-                <a:ea typeface="Calibri"/>
-                <a:cs typeface="Calibri"/>
-                <a:sym typeface="Calibri"/>
-              </a:defRPr>
-            </a:lvl9pPr>
-          </a:lstStyle>
-          <a:p>
-            <a:pPr marL="234121" indent="0" algn="ctr">
-              <a:spcBef>
-                <a:spcPts val="0"/>
-              </a:spcBef>
-              <a:buNone/>
-            </a:pPr>
-            <a:r>
-              <a:rPr lang="en-US" sz="5400" dirty="0" smtClean="0">
-                <a:solidFill>
-                  <a:schemeClr val="bg1"/>
-                </a:solidFill>
-              </a:rPr>
-              <a:t>[Member Names and affiliation]</a:t>
-            </a:r>
-            <a:endParaRPr lang="en-US" sz="5400" dirty="0">
-              <a:solidFill>
-                <a:schemeClr val="bg1"/>
-              </a:solidFill>
-            </a:endParaRPr>
           </a:p>
         </p:txBody>
       </p:sp>
@@ -15803,60 +13425,665 @@
           </a:p>
         </p:txBody>
       </p:sp>
-    </p:spTree>
-    <p:extLst>
-      <p:ext uri="{BB962C8B-B14F-4D97-AF65-F5344CB8AC3E}">
-        <p14:creationId xmlns:p14="http://schemas.microsoft.com/office/powerpoint/2010/main" val="1682038839"/>
-      </p:ext>
-    </p:extLst>
-  </p:cSld>
-  <p:clrMapOvr>
-    <a:masterClrMapping/>
-  </p:clrMapOvr>
-  <p:timing>
-    <p:tnLst>
-      <p:par>
-        <p:cTn id="1" dur="indefinite" restart="never" nodeType="tmRoot"/>
-      </p:par>
-    </p:tnLst>
-  </p:timing>
-</p:sld>
-</file>
-
-<file path=ppt/slides/slide7.xml><?xml version="1.0" encoding="utf-8"?>
-<p:sld xmlns:a="http://schemas.openxmlformats.org/drawingml/2006/main" xmlns:r="http://schemas.openxmlformats.org/officeDocument/2006/relationships" xmlns:p="http://schemas.openxmlformats.org/presentationml/2006/main">
-  <p:cSld>
-    <p:spTree>
-      <p:nvGrpSpPr>
-        <p:cNvPr id="1" name="Shape 130"/>
-        <p:cNvGrpSpPr/>
-        <p:nvPr/>
-      </p:nvGrpSpPr>
-      <p:grpSpPr>
-        <a:xfrm>
-          <a:off x="0" y="0"/>
-          <a:ext cx="0" cy="0"/>
-          <a:chOff x="0" y="0"/>
-          <a:chExt cx="0" cy="0"/>
-        </a:xfrm>
-      </p:grpSpPr>
       <p:sp>
         <p:nvSpPr>
-          <p:cNvPr id="4" name="Rectangle 3"/>
+          <p:cNvPr id="15" name="Shape 108"/>
+          <p:cNvSpPr txBox="1">
+            <a:spLocks/>
+          </p:cNvSpPr>
+          <p:nvPr/>
+        </p:nvSpPr>
+        <p:spPr>
+          <a:xfrm>
+            <a:off x="6396766" y="2424610"/>
+            <a:ext cx="25944461" cy="1710661"/>
+          </a:xfrm>
+          <a:prstGeom prst="rect">
+            <a:avLst/>
+          </a:prstGeom>
+          <a:noFill/>
+          <a:ln>
+            <a:noFill/>
+          </a:ln>
+        </p:spPr>
+        <p:txBody>
+          <a:bodyPr wrap="square" lIns="374532" tIns="187215" rIns="374532" bIns="187215" anchor="t" anchorCtr="0">
+            <a:noAutofit/>
+          </a:bodyPr>
+          <a:lstStyle>
+            <a:defPPr marR="0" lvl="0" algn="l" rtl="0">
+              <a:lnSpc>
+                <a:spcPct val="100000"/>
+              </a:lnSpc>
+              <a:spcBef>
+                <a:spcPts val="0"/>
+              </a:spcBef>
+              <a:spcAft>
+                <a:spcPts val="0"/>
+              </a:spcAft>
+            </a:defPPr>
+            <a:lvl1pPr marL="702362" marR="0" lvl="0" indent="-156080" algn="l" rtl="0">
+              <a:lnSpc>
+                <a:spcPct val="90000"/>
+              </a:lnSpc>
+              <a:spcBef>
+                <a:spcPts val="3072"/>
+              </a:spcBef>
+              <a:spcAft>
+                <a:spcPts val="0"/>
+              </a:spcAft>
+              <a:buClr>
+                <a:schemeClr val="dk1"/>
+              </a:buClr>
+              <a:buSzPct val="100000"/>
+              <a:buFont typeface="Arial"/>
+              <a:buChar char="•"/>
+              <a:defRPr sz="8600" b="0" i="0" u="none" strike="noStrike" cap="none">
+                <a:solidFill>
+                  <a:schemeClr val="dk1"/>
+                </a:solidFill>
+                <a:latin typeface="Calibri"/>
+                <a:ea typeface="Calibri"/>
+                <a:cs typeface="Calibri"/>
+                <a:sym typeface="Calibri"/>
+              </a:defRPr>
+            </a:lvl1pPr>
+            <a:lvl2pPr marL="2107086" marR="0" lvl="1" indent="-234121" algn="l" rtl="0">
+              <a:lnSpc>
+                <a:spcPct val="90000"/>
+              </a:lnSpc>
+              <a:spcBef>
+                <a:spcPts val="1536"/>
+              </a:spcBef>
+              <a:spcAft>
+                <a:spcPts val="0"/>
+              </a:spcAft>
+              <a:buClr>
+                <a:schemeClr val="dk1"/>
+              </a:buClr>
+              <a:buSzPct val="100000"/>
+              <a:buFont typeface="Arial"/>
+              <a:buChar char="•"/>
+              <a:defRPr sz="7400" b="0" i="0" u="none" strike="noStrike" cap="none">
+                <a:solidFill>
+                  <a:schemeClr val="dk1"/>
+                </a:solidFill>
+                <a:latin typeface="Calibri"/>
+                <a:ea typeface="Calibri"/>
+                <a:cs typeface="Calibri"/>
+                <a:sym typeface="Calibri"/>
+              </a:defRPr>
+            </a:lvl2pPr>
+            <a:lvl3pPr marL="3511810" marR="0" lvl="2" indent="-312161" algn="l" rtl="0">
+              <a:lnSpc>
+                <a:spcPct val="90000"/>
+              </a:lnSpc>
+              <a:spcBef>
+                <a:spcPts val="1536"/>
+              </a:spcBef>
+              <a:spcAft>
+                <a:spcPts val="0"/>
+              </a:spcAft>
+              <a:buClr>
+                <a:schemeClr val="dk1"/>
+              </a:buClr>
+              <a:buSzPct val="100000"/>
+              <a:buFont typeface="Arial"/>
+              <a:buChar char="•"/>
+              <a:defRPr sz="6100" b="0" i="0" u="none" strike="noStrike" cap="none">
+                <a:solidFill>
+                  <a:schemeClr val="dk1"/>
+                </a:solidFill>
+                <a:latin typeface="Calibri"/>
+                <a:ea typeface="Calibri"/>
+                <a:cs typeface="Calibri"/>
+                <a:sym typeface="Calibri"/>
+              </a:defRPr>
+            </a:lvl3pPr>
+            <a:lvl4pPr marL="4916534" marR="0" lvl="3" indent="-351181" algn="l" rtl="0">
+              <a:lnSpc>
+                <a:spcPct val="90000"/>
+              </a:lnSpc>
+              <a:spcBef>
+                <a:spcPts val="1536"/>
+              </a:spcBef>
+              <a:spcAft>
+                <a:spcPts val="0"/>
+              </a:spcAft>
+              <a:buClr>
+                <a:schemeClr val="dk1"/>
+              </a:buClr>
+              <a:buSzPct val="96428"/>
+              <a:buFont typeface="Arial"/>
+              <a:buChar char="•"/>
+              <a:defRPr sz="5500" b="0" i="0" u="none" strike="noStrike" cap="none">
+                <a:solidFill>
+                  <a:schemeClr val="dk1"/>
+                </a:solidFill>
+                <a:latin typeface="Calibri"/>
+                <a:ea typeface="Calibri"/>
+                <a:cs typeface="Calibri"/>
+                <a:sym typeface="Calibri"/>
+              </a:defRPr>
+            </a:lvl4pPr>
+            <a:lvl5pPr marL="6321259" marR="0" lvl="4" indent="-351181" algn="l" rtl="0">
+              <a:lnSpc>
+                <a:spcPct val="90000"/>
+              </a:lnSpc>
+              <a:spcBef>
+                <a:spcPts val="1536"/>
+              </a:spcBef>
+              <a:spcAft>
+                <a:spcPts val="0"/>
+              </a:spcAft>
+              <a:buClr>
+                <a:schemeClr val="dk1"/>
+              </a:buClr>
+              <a:buSzPct val="96428"/>
+              <a:buFont typeface="Arial"/>
+              <a:buChar char="•"/>
+              <a:defRPr sz="5500" b="0" i="0" u="none" strike="noStrike" cap="none">
+                <a:solidFill>
+                  <a:schemeClr val="dk1"/>
+                </a:solidFill>
+                <a:latin typeface="Calibri"/>
+                <a:ea typeface="Calibri"/>
+                <a:cs typeface="Calibri"/>
+                <a:sym typeface="Calibri"/>
+              </a:defRPr>
+            </a:lvl5pPr>
+            <a:lvl6pPr marL="7725983" marR="0" lvl="5" indent="-351181" algn="l" rtl="0">
+              <a:lnSpc>
+                <a:spcPct val="90000"/>
+              </a:lnSpc>
+              <a:spcBef>
+                <a:spcPts val="1536"/>
+              </a:spcBef>
+              <a:spcAft>
+                <a:spcPts val="0"/>
+              </a:spcAft>
+              <a:buClr>
+                <a:schemeClr val="dk1"/>
+              </a:buClr>
+              <a:buSzPct val="96428"/>
+              <a:buFont typeface="Arial"/>
+              <a:buChar char="•"/>
+              <a:defRPr sz="5500" b="0" i="0" u="none" strike="noStrike" cap="none">
+                <a:solidFill>
+                  <a:schemeClr val="dk1"/>
+                </a:solidFill>
+                <a:latin typeface="Calibri"/>
+                <a:ea typeface="Calibri"/>
+                <a:cs typeface="Calibri"/>
+                <a:sym typeface="Calibri"/>
+              </a:defRPr>
+            </a:lvl6pPr>
+            <a:lvl7pPr marL="9130707" marR="0" lvl="6" indent="-351181" algn="l" rtl="0">
+              <a:lnSpc>
+                <a:spcPct val="90000"/>
+              </a:lnSpc>
+              <a:spcBef>
+                <a:spcPts val="1536"/>
+              </a:spcBef>
+              <a:spcAft>
+                <a:spcPts val="0"/>
+              </a:spcAft>
+              <a:buClr>
+                <a:schemeClr val="dk1"/>
+              </a:buClr>
+              <a:buSzPct val="96428"/>
+              <a:buFont typeface="Arial"/>
+              <a:buChar char="•"/>
+              <a:defRPr sz="5500" b="0" i="0" u="none" strike="noStrike" cap="none">
+                <a:solidFill>
+                  <a:schemeClr val="dk1"/>
+                </a:solidFill>
+                <a:latin typeface="Calibri"/>
+                <a:ea typeface="Calibri"/>
+                <a:cs typeface="Calibri"/>
+                <a:sym typeface="Calibri"/>
+              </a:defRPr>
+            </a:lvl7pPr>
+            <a:lvl8pPr marL="10535431" marR="0" lvl="7" indent="-351181" algn="l" rtl="0">
+              <a:lnSpc>
+                <a:spcPct val="90000"/>
+              </a:lnSpc>
+              <a:spcBef>
+                <a:spcPts val="1536"/>
+              </a:spcBef>
+              <a:spcAft>
+                <a:spcPts val="0"/>
+              </a:spcAft>
+              <a:buClr>
+                <a:schemeClr val="dk1"/>
+              </a:buClr>
+              <a:buSzPct val="96428"/>
+              <a:buFont typeface="Arial"/>
+              <a:buChar char="•"/>
+              <a:defRPr sz="5500" b="0" i="0" u="none" strike="noStrike" cap="none">
+                <a:solidFill>
+                  <a:schemeClr val="dk1"/>
+                </a:solidFill>
+                <a:latin typeface="Calibri"/>
+                <a:ea typeface="Calibri"/>
+                <a:cs typeface="Calibri"/>
+                <a:sym typeface="Calibri"/>
+              </a:defRPr>
+            </a:lvl8pPr>
+            <a:lvl9pPr marL="11940155" marR="0" lvl="8" indent="-351181" algn="l" rtl="0">
+              <a:lnSpc>
+                <a:spcPct val="90000"/>
+              </a:lnSpc>
+              <a:spcBef>
+                <a:spcPts val="1536"/>
+              </a:spcBef>
+              <a:spcAft>
+                <a:spcPts val="0"/>
+              </a:spcAft>
+              <a:buClr>
+                <a:schemeClr val="dk1"/>
+              </a:buClr>
+              <a:buSzPct val="96428"/>
+              <a:buFont typeface="Arial"/>
+              <a:buChar char="•"/>
+              <a:defRPr sz="5500" b="0" i="0" u="none" strike="noStrike" cap="none">
+                <a:solidFill>
+                  <a:schemeClr val="dk1"/>
+                </a:solidFill>
+                <a:latin typeface="Calibri"/>
+                <a:ea typeface="Calibri"/>
+                <a:cs typeface="Calibri"/>
+                <a:sym typeface="Calibri"/>
+              </a:defRPr>
+            </a:lvl9pPr>
+          </a:lstStyle>
+          <a:p>
+            <a:pPr marL="234121" indent="0" algn="ctr">
+              <a:spcBef>
+                <a:spcPts val="0"/>
+              </a:spcBef>
+              <a:buNone/>
+            </a:pPr>
+            <a:r>
+              <a:rPr lang="en-US" sz="5400" dirty="0" smtClean="0">
+                <a:solidFill>
+                  <a:schemeClr val="bg1"/>
+                </a:solidFill>
+              </a:rPr>
+              <a:t>Allison Busa, Everardo Gonzalez, Utsav Gupta – Olin College of Engineering; Jessie Guo, Max Liu – Mount Holyoke College, Tibin Thomas </a:t>
+            </a:r>
+            <a:r>
+              <a:rPr lang="en-US" sz="5400" dirty="0">
+                <a:solidFill>
+                  <a:schemeClr val="bg1"/>
+                </a:solidFill>
+              </a:rPr>
+              <a:t>– Northeastern University</a:t>
+            </a:r>
+            <a:endParaRPr lang="en-US" sz="5400" dirty="0">
+              <a:solidFill>
+                <a:schemeClr val="bg1"/>
+              </a:solidFill>
+            </a:endParaRPr>
+          </a:p>
+        </p:txBody>
+      </p:sp>
+      <p:sp>
+        <p:nvSpPr>
+          <p:cNvPr id="22" name="Shape 107"/>
+          <p:cNvSpPr txBox="1">
+            <a:spLocks/>
+          </p:cNvSpPr>
+          <p:nvPr/>
+        </p:nvSpPr>
+        <p:spPr>
+          <a:xfrm>
+            <a:off x="6396766" y="552321"/>
+            <a:ext cx="25944461" cy="1744777"/>
+          </a:xfrm>
+          <a:prstGeom prst="rect">
+            <a:avLst/>
+          </a:prstGeom>
+          <a:noFill/>
+          <a:ln>
+            <a:noFill/>
+          </a:ln>
+        </p:spPr>
+        <p:txBody>
+          <a:bodyPr wrap="square" lIns="374532" tIns="187215" rIns="374532" bIns="187215" anchor="b" anchorCtr="0">
+            <a:noAutofit/>
+          </a:bodyPr>
+          <a:lstStyle>
+            <a:defPPr marR="0" lvl="0" algn="l" rtl="0">
+              <a:lnSpc>
+                <a:spcPct val="100000"/>
+              </a:lnSpc>
+              <a:spcBef>
+                <a:spcPts val="0"/>
+              </a:spcBef>
+              <a:spcAft>
+                <a:spcPts val="0"/>
+              </a:spcAft>
+            </a:defPPr>
+            <a:lvl1pPr marL="0" marR="0" lvl="0" indent="0" algn="l" rtl="0">
+              <a:lnSpc>
+                <a:spcPct val="90000"/>
+              </a:lnSpc>
+              <a:spcBef>
+                <a:spcPts val="0"/>
+              </a:spcBef>
+              <a:spcAft>
+                <a:spcPts val="0"/>
+              </a:spcAft>
+              <a:buClr>
+                <a:schemeClr val="dk1"/>
+              </a:buClr>
+              <a:buSzPct val="100000"/>
+              <a:buFont typeface="Calibri"/>
+              <a:buNone/>
+              <a:defRPr sz="13500" b="0" i="0" u="none" strike="noStrike" cap="none">
+                <a:solidFill>
+                  <a:schemeClr val="dk1"/>
+                </a:solidFill>
+                <a:latin typeface="Calibri"/>
+                <a:ea typeface="Calibri"/>
+                <a:cs typeface="Calibri"/>
+                <a:sym typeface="Calibri"/>
+              </a:defRPr>
+            </a:lvl1pPr>
+            <a:lvl2pPr lvl="1" indent="0">
+              <a:spcBef>
+                <a:spcPts val="0"/>
+              </a:spcBef>
+              <a:buNone/>
+              <a:defRPr sz="7400"/>
+            </a:lvl2pPr>
+            <a:lvl3pPr lvl="2" indent="0">
+              <a:spcBef>
+                <a:spcPts val="0"/>
+              </a:spcBef>
+              <a:buNone/>
+              <a:defRPr sz="7400"/>
+            </a:lvl3pPr>
+            <a:lvl4pPr lvl="3" indent="0">
+              <a:spcBef>
+                <a:spcPts val="0"/>
+              </a:spcBef>
+              <a:buNone/>
+              <a:defRPr sz="7400"/>
+            </a:lvl4pPr>
+            <a:lvl5pPr lvl="4" indent="0">
+              <a:spcBef>
+                <a:spcPts val="0"/>
+              </a:spcBef>
+              <a:buNone/>
+              <a:defRPr sz="7400"/>
+            </a:lvl5pPr>
+            <a:lvl6pPr lvl="5" indent="0">
+              <a:spcBef>
+                <a:spcPts val="0"/>
+              </a:spcBef>
+              <a:buNone/>
+              <a:defRPr sz="7400"/>
+            </a:lvl6pPr>
+            <a:lvl7pPr lvl="6" indent="0">
+              <a:spcBef>
+                <a:spcPts val="0"/>
+              </a:spcBef>
+              <a:buNone/>
+              <a:defRPr sz="7400"/>
+            </a:lvl7pPr>
+            <a:lvl8pPr lvl="7" indent="0">
+              <a:spcBef>
+                <a:spcPts val="0"/>
+              </a:spcBef>
+              <a:buNone/>
+              <a:defRPr sz="7400"/>
+            </a:lvl8pPr>
+            <a:lvl9pPr lvl="8" indent="0">
+              <a:spcBef>
+                <a:spcPts val="0"/>
+              </a:spcBef>
+              <a:buNone/>
+              <a:defRPr sz="7400"/>
+            </a:lvl9pPr>
+          </a:lstStyle>
+          <a:p>
+            <a:pPr indent="-1170603" algn="ctr"/>
+            <a:r>
+              <a:rPr lang="en-US" sz="7200" b="1" dirty="0" smtClean="0">
+                <a:solidFill>
+                  <a:schemeClr val="bg1"/>
+                </a:solidFill>
+              </a:rPr>
+              <a:t>FIGHTING MONGOOSES</a:t>
+            </a:r>
+            <a:br>
+              <a:rPr lang="en-US" sz="7200" b="1" dirty="0" smtClean="0">
+                <a:solidFill>
+                  <a:schemeClr val="bg1"/>
+                </a:solidFill>
+              </a:rPr>
+            </a:br>
+            <a:r>
+              <a:rPr lang="en-US" sz="7200" b="1" dirty="0" smtClean="0">
+                <a:solidFill>
+                  <a:schemeClr val="bg1"/>
+                </a:solidFill>
+              </a:rPr>
+              <a:t>PIONEER NATURAL RESOURCES</a:t>
+            </a:r>
+            <a:endParaRPr lang="en-US" sz="7200" b="1" dirty="0">
+              <a:solidFill>
+                <a:schemeClr val="bg1"/>
+              </a:solidFill>
+            </a:endParaRPr>
+          </a:p>
+        </p:txBody>
+      </p:sp>
+      <p:sp>
+        <p:nvSpPr>
+          <p:cNvPr id="12" name="TextBox 11"/>
+          <p:cNvSpPr txBox="1"/>
+          <p:nvPr/>
+        </p:nvSpPr>
+        <p:spPr>
+          <a:xfrm>
+            <a:off x="18567400" y="6402734"/>
+            <a:ext cx="17983200" cy="16035159"/>
+          </a:xfrm>
+          <a:prstGeom prst="rect">
+            <a:avLst/>
+          </a:prstGeom>
+          <a:noFill/>
+        </p:spPr>
+        <p:txBody>
+          <a:bodyPr wrap="square" rtlCol="0">
+            <a:spAutoFit/>
+          </a:bodyPr>
+          <a:lstStyle/>
+          <a:p>
+            <a:pPr algn="ctr"/>
+            <a:endParaRPr lang="en-US" dirty="0" smtClean="0"/>
+          </a:p>
+          <a:p>
+            <a:pPr algn="ctr"/>
+            <a:r>
+              <a:rPr lang="en-US" b="1" dirty="0" smtClean="0"/>
+              <a:t>ANALYSIS</a:t>
+            </a:r>
+            <a:endParaRPr lang="en-US" b="1" dirty="0"/>
+          </a:p>
+          <a:p>
+            <a:pPr marL="685800" indent="-685800" algn="just">
+              <a:buFont typeface="Arial" panose="020B0604020202020204" pitchFamily="34" charset="0"/>
+              <a:buChar char="•"/>
+            </a:pPr>
+            <a:endParaRPr lang="en-US" sz="4800" dirty="0" smtClean="0"/>
+          </a:p>
+          <a:p>
+            <a:pPr marL="685800" indent="-685800" algn="just">
+              <a:buFont typeface="Arial" panose="020B0604020202020204" pitchFamily="34" charset="0"/>
+              <a:buChar char="•"/>
+            </a:pPr>
+            <a:r>
+              <a:rPr lang="en-US" sz="4800" dirty="0" smtClean="0"/>
+              <a:t>EV forecast for 2050 is 199.044 million</a:t>
+            </a:r>
+          </a:p>
+          <a:p>
+            <a:pPr marL="685800" indent="-685800" algn="just">
+              <a:buFont typeface="Arial" panose="020B0604020202020204" pitchFamily="34" charset="0"/>
+              <a:buChar char="•"/>
+            </a:pPr>
+            <a:endParaRPr lang="en-US" sz="4800" dirty="0" smtClean="0"/>
+          </a:p>
+          <a:p>
+            <a:pPr marL="685800" indent="-685800" algn="just">
+              <a:buFont typeface="Arial" panose="020B0604020202020204" pitchFamily="34" charset="0"/>
+              <a:buChar char="•"/>
+            </a:pPr>
+            <a:r>
+              <a:rPr lang="en-US" sz="4800" dirty="0" smtClean="0"/>
+              <a:t>Growth of EV result in a decline in oil consumption</a:t>
+            </a:r>
+          </a:p>
+          <a:p>
+            <a:pPr algn="just"/>
+            <a:endParaRPr lang="en-US" sz="4400" dirty="0" smtClean="0"/>
+          </a:p>
+          <a:p>
+            <a:pPr algn="ctr"/>
+            <a:r>
+              <a:rPr lang="en-US" b="1" dirty="0" smtClean="0"/>
+              <a:t>SHORTCOMINGS</a:t>
+            </a:r>
+            <a:endParaRPr lang="en-US" sz="4800" b="1" dirty="0" smtClean="0"/>
+          </a:p>
+          <a:p>
+            <a:pPr marL="685800" indent="-685800" algn="just">
+              <a:lnSpc>
+                <a:spcPct val="200000"/>
+              </a:lnSpc>
+              <a:buFont typeface="Arial" panose="020B0604020202020204" pitchFamily="34" charset="0"/>
+              <a:buChar char="•"/>
+            </a:pPr>
+            <a:r>
+              <a:rPr lang="en-US" sz="4800" dirty="0" smtClean="0"/>
+              <a:t>Limited data available due to paywalls</a:t>
+            </a:r>
+          </a:p>
+          <a:p>
+            <a:pPr marL="685800" indent="-685800" algn="just">
+              <a:lnSpc>
+                <a:spcPct val="200000"/>
+              </a:lnSpc>
+              <a:buFont typeface="Arial" panose="020B0604020202020204" pitchFamily="34" charset="0"/>
+              <a:buChar char="•"/>
+            </a:pPr>
+            <a:r>
+              <a:rPr lang="en-US" sz="4800" dirty="0" smtClean="0"/>
+              <a:t>Inflexible model, cannot adjust for changes in data</a:t>
+            </a:r>
+            <a:endParaRPr lang="en-US" sz="4800" dirty="0"/>
+          </a:p>
+          <a:p>
+            <a:pPr marL="685800" indent="-685800" algn="just">
+              <a:buFont typeface="Arial" panose="020B0604020202020204" pitchFamily="34" charset="0"/>
+              <a:buChar char="•"/>
+            </a:pPr>
+            <a:endParaRPr lang="en-US" sz="4400" dirty="0"/>
+          </a:p>
+          <a:p>
+            <a:pPr algn="ctr"/>
+            <a:r>
+              <a:rPr lang="en-US" b="1" dirty="0"/>
+              <a:t>WAYS TO IMPROVE</a:t>
+            </a:r>
+          </a:p>
+          <a:p>
+            <a:pPr marL="685800" indent="-685800" algn="just">
+              <a:lnSpc>
+                <a:spcPct val="200000"/>
+              </a:lnSpc>
+              <a:buFont typeface="Arial" panose="020B0604020202020204" pitchFamily="34" charset="0"/>
+              <a:buChar char="•"/>
+            </a:pPr>
+            <a:r>
+              <a:rPr lang="en-US" sz="4800" dirty="0" smtClean="0"/>
+              <a:t>Reverse engineer the model to include the effects of various parameters</a:t>
+            </a:r>
+          </a:p>
+          <a:p>
+            <a:pPr algn="just">
+              <a:lnSpc>
+                <a:spcPct val="200000"/>
+              </a:lnSpc>
+            </a:pPr>
+            <a:endParaRPr lang="en-US" sz="4800" dirty="0" smtClean="0"/>
+          </a:p>
+          <a:p>
+            <a:pPr marL="685800" indent="-685800" algn="just">
+              <a:buFont typeface="Arial" panose="020B0604020202020204" pitchFamily="34" charset="0"/>
+              <a:buChar char="•"/>
+            </a:pPr>
+            <a:endParaRPr lang="en-US" sz="4800" dirty="0"/>
+          </a:p>
+        </p:txBody>
+      </p:sp>
+      <p:pic>
+        <p:nvPicPr>
+          <p:cNvPr id="26" name="Picture 25"/>
+          <p:cNvPicPr>
+            <a:picLocks noChangeAspect="1"/>
+          </p:cNvPicPr>
+          <p:nvPr/>
+        </p:nvPicPr>
+        <p:blipFill>
+          <a:blip r:embed="rId4"/>
+          <a:stretch>
+            <a:fillRect/>
+          </a:stretch>
+        </p:blipFill>
+        <p:spPr>
+          <a:xfrm>
+            <a:off x="1" y="4269522"/>
+            <a:ext cx="18759018" cy="2773920"/>
+          </a:xfrm>
+          <a:prstGeom prst="rect">
+            <a:avLst/>
+          </a:prstGeom>
+        </p:spPr>
+      </p:pic>
+      <p:sp>
+        <p:nvSpPr>
+          <p:cNvPr id="30" name="Chevron 29"/>
           <p:cNvSpPr/>
           <p:nvPr/>
         </p:nvSpPr>
         <p:spPr>
           <a:xfrm>
-            <a:off x="1" y="0"/>
-            <a:ext cx="37463412" cy="4378406"/>
+            <a:off x="18731707" y="4325862"/>
+            <a:ext cx="18614738" cy="2650079"/>
           </a:xfrm>
-          <a:prstGeom prst="rect">
+          <a:prstGeom prst="chevron">
             <a:avLst/>
           </a:prstGeom>
           <a:solidFill>
-            <a:srgbClr val="209C27"/>
+            <a:srgbClr val="46C754"/>
           </a:solidFill>
+          <a:ln>
+            <a:solidFill>
+              <a:srgbClr val="FFFFFF"/>
+            </a:solidFill>
+          </a:ln>
+          <a:scene3d>
+            <a:camera prst="orthographicFront"/>
+            <a:lightRig rig="threePt" dir="t"/>
+          </a:scene3d>
+          <a:sp3d>
+            <a:bevelT w="114300" prst="hardEdge"/>
+          </a:sp3d>
         </p:spPr>
         <p:style>
           <a:lnRef idx="1">
@@ -15877,13 +14104,17 @@
           <a:lstStyle/>
           <a:p>
             <a:pPr algn="ctr"/>
-            <a:endParaRPr lang="en-US"/>
+            <a:endParaRPr lang="en-US">
+              <a:solidFill>
+                <a:schemeClr val="tx1"/>
+              </a:solidFill>
+            </a:endParaRPr>
           </a:p>
         </p:txBody>
       </p:sp>
       <p:sp>
         <p:nvSpPr>
-          <p:cNvPr id="131" name="Shape 131"/>
+          <p:cNvPr id="31" name="Shape 113"/>
           <p:cNvSpPr txBox="1">
             <a:spLocks noGrp="1"/>
           </p:cNvSpPr>
@@ -15893,8 +14124,8 @@
         </p:nvSpPr>
         <p:spPr>
           <a:xfrm>
-            <a:off x="1" y="0"/>
-            <a:ext cx="37463412" cy="4072116"/>
+            <a:off x="7137400" y="4617978"/>
+            <a:ext cx="8204199" cy="2077008"/>
           </a:xfrm>
           <a:prstGeom prst="rect">
             <a:avLst/>
@@ -15910,36 +14141,35 @@
           </a:bodyPr>
           <a:lstStyle/>
           <a:p>
-            <a:pPr indent="-858443" algn="ctr"/>
+            <a:pPr indent="-858443"/>
             <a:r>
-              <a:rPr lang="en-US" dirty="0">
-                <a:solidFill>
-                  <a:srgbClr val="FFFFFF"/>
+              <a:rPr lang="en-US" sz="9600" b="1" dirty="0" smtClean="0">
+                <a:solidFill>
+                  <a:schemeClr val="bg1"/>
                 </a:solidFill>
               </a:rPr>
-              <a:t>The Team</a:t>
+              <a:t>RESULTS</a:t>
             </a:r>
+            <a:endParaRPr lang="en-US" sz="5000" b="1" dirty="0">
+              <a:solidFill>
+                <a:schemeClr val="bg1"/>
+              </a:solidFill>
+            </a:endParaRPr>
           </a:p>
         </p:txBody>
       </p:sp>
-      <p:pic>
-        <p:nvPicPr>
-          <p:cNvPr id="5" name="Shape 27" descr="Transparent bulbs.png"/>
-          <p:cNvPicPr preferRelativeResize="0"/>
+      <p:sp>
+        <p:nvSpPr>
+          <p:cNvPr id="32" name="Shape 119"/>
+          <p:cNvSpPr txBox="1">
+            <a:spLocks/>
+          </p:cNvSpPr>
           <p:nvPr/>
-        </p:nvPicPr>
-        <p:blipFill>
-          <a:blip r:embed="rId3">
-            <a:alphaModFix/>
-          </a:blip>
-          <a:stretch>
-            <a:fillRect/>
-          </a:stretch>
-        </p:blipFill>
+        </p:nvSpPr>
         <p:spPr>
           <a:xfrm>
-            <a:off x="32239061" y="0"/>
-            <a:ext cx="5224352" cy="4378406"/>
+            <a:off x="23901069" y="4740789"/>
+            <a:ext cx="9372931" cy="1820470"/>
           </a:xfrm>
           <a:prstGeom prst="rect">
             <a:avLst/>
@@ -15949,879 +14179,147 @@
             <a:noFill/>
           </a:ln>
         </p:spPr>
-      </p:pic>
-      <p:grpSp>
-        <p:nvGrpSpPr>
-          <p:cNvPr id="6" name="Group 5"/>
-          <p:cNvGrpSpPr/>
-          <p:nvPr/>
-        </p:nvGrpSpPr>
-        <p:grpSpPr>
-          <a:xfrm>
-            <a:off x="730763" y="11579346"/>
-            <a:ext cx="6160661" cy="6116034"/>
-            <a:chOff x="-2626696" y="3821653"/>
-            <a:chExt cx="1503683" cy="1990903"/>
-          </a:xfrm>
-        </p:grpSpPr>
-        <p:sp>
-          <p:nvSpPr>
-            <p:cNvPr id="7" name="TextBox 6"/>
-            <p:cNvSpPr txBox="1"/>
-            <p:nvPr/>
-          </p:nvSpPr>
-          <p:spPr>
-            <a:xfrm>
-              <a:off x="-2327773" y="3821653"/>
-              <a:ext cx="905841" cy="566062"/>
-            </a:xfrm>
-            <a:prstGeom prst="rect">
-              <a:avLst/>
-            </a:prstGeom>
-            <a:noFill/>
-          </p:spPr>
-          <p:txBody>
-            <a:bodyPr wrap="none" rtlCol="0">
-              <a:spAutoFit/>
-            </a:bodyPr>
-            <a:lstStyle/>
-            <a:p>
-              <a:pPr algn="ctr"/>
-              <a:r>
-                <a:rPr lang="en-US" sz="5000" dirty="0" smtClean="0">
-                  <a:solidFill>
-                    <a:schemeClr val="tx1"/>
-                  </a:solidFill>
-                </a:rPr>
-                <a:t>Allison Busa</a:t>
-              </a:r>
-              <a:endParaRPr lang="en-US" sz="5000" dirty="0">
-                <a:solidFill>
-                  <a:schemeClr val="tx1"/>
-                </a:solidFill>
-              </a:endParaRPr>
-            </a:p>
-            <a:p>
-              <a:endParaRPr lang="en-US" dirty="0">
-                <a:solidFill>
-                  <a:schemeClr val="tx1"/>
-                </a:solidFill>
-              </a:endParaRPr>
-            </a:p>
-          </p:txBody>
-        </p:sp>
-        <p:sp>
-          <p:nvSpPr>
-            <p:cNvPr id="8" name="TextBox 7"/>
-            <p:cNvSpPr txBox="1"/>
-            <p:nvPr/>
-          </p:nvSpPr>
-          <p:spPr>
-            <a:xfrm>
-              <a:off x="-2626696" y="4324764"/>
-              <a:ext cx="1503683" cy="1487792"/>
-            </a:xfrm>
-            <a:prstGeom prst="rect">
-              <a:avLst/>
-            </a:prstGeom>
-            <a:noFill/>
-          </p:spPr>
-          <p:txBody>
-            <a:bodyPr wrap="none" rtlCol="0">
-              <a:spAutoFit/>
-            </a:bodyPr>
-            <a:lstStyle/>
-            <a:p>
-              <a:pPr algn="ctr"/>
-              <a:r>
-                <a:rPr lang="en-US" sz="4000" dirty="0" smtClean="0">
-                  <a:solidFill>
-                    <a:schemeClr val="tx1"/>
-                  </a:solidFill>
-                </a:rPr>
-                <a:t>Title/Role</a:t>
-              </a:r>
-              <a:endParaRPr lang="en-US" sz="4000" dirty="0">
-                <a:solidFill>
-                  <a:schemeClr val="tx1"/>
-                </a:solidFill>
-              </a:endParaRPr>
-            </a:p>
-            <a:p>
-              <a:pPr algn="ctr"/>
-              <a:endParaRPr lang="en-US" sz="3600" dirty="0">
-                <a:solidFill>
-                  <a:schemeClr val="tx1"/>
-                </a:solidFill>
-              </a:endParaRPr>
-            </a:p>
-            <a:p>
-              <a:pPr algn="ctr"/>
-              <a:endParaRPr lang="en-US" sz="3600" dirty="0">
-                <a:solidFill>
-                  <a:schemeClr val="tx1"/>
-                </a:solidFill>
-              </a:endParaRPr>
-            </a:p>
-            <a:p>
-              <a:pPr algn="ctr"/>
-              <a:r>
-                <a:rPr lang="en-US" sz="3600" i="1" dirty="0">
-                  <a:solidFill>
-                    <a:schemeClr val="tx1"/>
-                  </a:solidFill>
-                </a:rPr>
-                <a:t>Brief </a:t>
-              </a:r>
-              <a:r>
-                <a:rPr lang="en-US" sz="3600" i="1" dirty="0" smtClean="0">
-                  <a:solidFill>
-                    <a:schemeClr val="tx1"/>
-                  </a:solidFill>
-                </a:rPr>
-                <a:t>Description/Background</a:t>
-              </a:r>
-              <a:endParaRPr lang="en-US" sz="3600" i="1" dirty="0">
-                <a:solidFill>
-                  <a:schemeClr val="tx1"/>
-                </a:solidFill>
-              </a:endParaRPr>
-            </a:p>
-            <a:p>
-              <a:pPr algn="ctr"/>
-              <a:endParaRPr lang="en-US" sz="4500" dirty="0">
-                <a:solidFill>
-                  <a:schemeClr val="tx1"/>
-                </a:solidFill>
-              </a:endParaRPr>
-            </a:p>
-            <a:p>
-              <a:pPr algn="ctr"/>
-              <a:endParaRPr lang="en-US" sz="4900" dirty="0">
-                <a:solidFill>
-                  <a:schemeClr val="tx1"/>
-                </a:solidFill>
-              </a:endParaRPr>
-            </a:p>
-            <a:p>
-              <a:pPr algn="ctr"/>
-              <a:endParaRPr lang="en-US" sz="4900" dirty="0">
-                <a:solidFill>
-                  <a:schemeClr val="tx1"/>
-                </a:solidFill>
-              </a:endParaRPr>
-            </a:p>
-          </p:txBody>
-        </p:sp>
-      </p:grpSp>
-      <p:sp>
-        <p:nvSpPr>
-          <p:cNvPr id="9" name="Oval 8"/>
-          <p:cNvSpPr/>
-          <p:nvPr/>
-        </p:nvSpPr>
-        <p:spPr>
-          <a:xfrm>
-            <a:off x="909354" y="5000974"/>
-            <a:ext cx="6161031" cy="4625708"/>
-          </a:xfrm>
-          <a:prstGeom prst="ellipse">
-            <a:avLst/>
-          </a:prstGeom>
-          <a:solidFill>
-            <a:srgbClr val="A5A5A5"/>
-          </a:solidFill>
-        </p:spPr>
-        <p:style>
-          <a:lnRef idx="1">
-            <a:schemeClr val="accent1"/>
-          </a:lnRef>
-          <a:fillRef idx="3">
-            <a:schemeClr val="accent1"/>
-          </a:fillRef>
-          <a:effectRef idx="2">
-            <a:schemeClr val="accent1"/>
-          </a:effectRef>
-          <a:fontRef idx="minor">
-            <a:schemeClr val="lt1"/>
-          </a:fontRef>
-        </p:style>
         <p:txBody>
-          <a:bodyPr lIns="374593" tIns="187297" rIns="374593" bIns="187297" spcCol="0" rtlCol="0" anchor="ctr"/>
-          <a:lstStyle/>
+          <a:bodyPr wrap="square" lIns="374532" tIns="187215" rIns="374532" bIns="187215" anchor="ctr" anchorCtr="0">
+            <a:noAutofit/>
+          </a:bodyPr>
+          <a:lstStyle>
+            <a:defPPr marR="0" lvl="0" algn="l" rtl="0">
+              <a:lnSpc>
+                <a:spcPct val="100000"/>
+              </a:lnSpc>
+              <a:spcBef>
+                <a:spcPts val="0"/>
+              </a:spcBef>
+              <a:spcAft>
+                <a:spcPts val="0"/>
+              </a:spcAft>
+            </a:defPPr>
+            <a:lvl1pPr marL="0" marR="0" lvl="0" indent="0" algn="l" rtl="0">
+              <a:lnSpc>
+                <a:spcPct val="90000"/>
+              </a:lnSpc>
+              <a:spcBef>
+                <a:spcPts val="0"/>
+              </a:spcBef>
+              <a:spcAft>
+                <a:spcPts val="0"/>
+              </a:spcAft>
+              <a:buClr>
+                <a:schemeClr val="dk1"/>
+              </a:buClr>
+              <a:buSzPct val="100000"/>
+              <a:buFont typeface="Calibri"/>
+              <a:buNone/>
+              <a:defRPr sz="13500" b="0" i="0" u="none" strike="noStrike" cap="none">
+                <a:solidFill>
+                  <a:schemeClr val="dk1"/>
+                </a:solidFill>
+                <a:latin typeface="Calibri"/>
+                <a:ea typeface="Calibri"/>
+                <a:cs typeface="Calibri"/>
+                <a:sym typeface="Calibri"/>
+              </a:defRPr>
+            </a:lvl1pPr>
+            <a:lvl2pPr lvl="1" indent="0">
+              <a:spcBef>
+                <a:spcPts val="0"/>
+              </a:spcBef>
+              <a:buNone/>
+              <a:defRPr sz="7400"/>
+            </a:lvl2pPr>
+            <a:lvl3pPr lvl="2" indent="0">
+              <a:spcBef>
+                <a:spcPts val="0"/>
+              </a:spcBef>
+              <a:buNone/>
+              <a:defRPr sz="7400"/>
+            </a:lvl3pPr>
+            <a:lvl4pPr lvl="3" indent="0">
+              <a:spcBef>
+                <a:spcPts val="0"/>
+              </a:spcBef>
+              <a:buNone/>
+              <a:defRPr sz="7400"/>
+            </a:lvl4pPr>
+            <a:lvl5pPr lvl="4" indent="0">
+              <a:spcBef>
+                <a:spcPts val="0"/>
+              </a:spcBef>
+              <a:buNone/>
+              <a:defRPr sz="7400"/>
+            </a:lvl5pPr>
+            <a:lvl6pPr lvl="5" indent="0">
+              <a:spcBef>
+                <a:spcPts val="0"/>
+              </a:spcBef>
+              <a:buNone/>
+              <a:defRPr sz="7400"/>
+            </a:lvl6pPr>
+            <a:lvl7pPr lvl="6" indent="0">
+              <a:spcBef>
+                <a:spcPts val="0"/>
+              </a:spcBef>
+              <a:buNone/>
+              <a:defRPr sz="7400"/>
+            </a:lvl7pPr>
+            <a:lvl8pPr lvl="7" indent="0">
+              <a:spcBef>
+                <a:spcPts val="0"/>
+              </a:spcBef>
+              <a:buNone/>
+              <a:defRPr sz="7400"/>
+            </a:lvl8pPr>
+            <a:lvl9pPr lvl="8" indent="0">
+              <a:spcBef>
+                <a:spcPts val="0"/>
+              </a:spcBef>
+              <a:buNone/>
+              <a:defRPr sz="7400"/>
+            </a:lvl9pPr>
+          </a:lstStyle>
           <a:p>
-            <a:pPr algn="ctr"/>
+            <a:pPr indent="-858443"/>
             <a:r>
-              <a:rPr lang="en-US" dirty="0" smtClean="0">
-                <a:solidFill>
-                  <a:schemeClr val="tx1"/>
+              <a:rPr lang="en-US" sz="9600" b="1" dirty="0" smtClean="0">
+                <a:solidFill>
+                  <a:schemeClr val="bg1"/>
                 </a:solidFill>
               </a:rPr>
-              <a:t>Photo</a:t>
+              <a:t>CONCLUSIONS</a:t>
             </a:r>
-            <a:endParaRPr lang="en-US" dirty="0">
+            <a:endParaRPr lang="en-US" sz="7200" b="1" dirty="0">
               <a:solidFill>
-                <a:schemeClr val="tx1"/>
+                <a:schemeClr val="bg1"/>
               </a:solidFill>
             </a:endParaRPr>
           </a:p>
         </p:txBody>
       </p:sp>
-      <p:grpSp>
-        <p:nvGrpSpPr>
-          <p:cNvPr id="10" name="Group 9"/>
-          <p:cNvGrpSpPr/>
-          <p:nvPr/>
-        </p:nvGrpSpPr>
-        <p:grpSpPr>
-          <a:xfrm>
-            <a:off x="9405495" y="11579346"/>
-            <a:ext cx="3698450" cy="6670031"/>
-            <a:chOff x="-2326210" y="3821653"/>
-            <a:chExt cx="902711" cy="2171241"/>
-          </a:xfrm>
-        </p:grpSpPr>
-        <p:sp>
-          <p:nvSpPr>
-            <p:cNvPr id="11" name="TextBox 10"/>
-            <p:cNvSpPr txBox="1"/>
-            <p:nvPr/>
-          </p:nvSpPr>
-          <p:spPr>
-            <a:xfrm>
-              <a:off x="-2106125" y="3821653"/>
-              <a:ext cx="462542" cy="566062"/>
-            </a:xfrm>
-            <a:prstGeom prst="rect">
-              <a:avLst/>
-            </a:prstGeom>
-            <a:noFill/>
-          </p:spPr>
-          <p:txBody>
-            <a:bodyPr wrap="none" rtlCol="0">
-              <a:spAutoFit/>
-            </a:bodyPr>
-            <a:lstStyle/>
-            <a:p>
-              <a:pPr algn="ctr"/>
-              <a:r>
-                <a:rPr lang="en-US" sz="5000" dirty="0" smtClean="0">
-                  <a:solidFill>
-                    <a:schemeClr val="tx1"/>
-                  </a:solidFill>
-                </a:rPr>
-                <a:t>Name</a:t>
-              </a:r>
-              <a:endParaRPr lang="en-US" sz="5000" dirty="0">
-                <a:solidFill>
-                  <a:schemeClr val="tx1"/>
-                </a:solidFill>
-              </a:endParaRPr>
-            </a:p>
-            <a:p>
-              <a:endParaRPr lang="en-US" dirty="0">
-                <a:solidFill>
-                  <a:schemeClr val="tx1"/>
-                </a:solidFill>
-              </a:endParaRPr>
-            </a:p>
-          </p:txBody>
-        </p:sp>
-        <p:sp>
-          <p:nvSpPr>
-            <p:cNvPr id="12" name="TextBox 11"/>
-            <p:cNvSpPr txBox="1"/>
-            <p:nvPr/>
-          </p:nvSpPr>
-          <p:spPr>
-            <a:xfrm>
-              <a:off x="-2326210" y="4324764"/>
-              <a:ext cx="902711" cy="1668130"/>
-            </a:xfrm>
-            <a:prstGeom prst="rect">
-              <a:avLst/>
-            </a:prstGeom>
-            <a:noFill/>
-          </p:spPr>
-          <p:txBody>
-            <a:bodyPr wrap="none" rtlCol="0">
-              <a:spAutoFit/>
-            </a:bodyPr>
-            <a:lstStyle/>
-            <a:p>
-              <a:pPr algn="ctr"/>
-              <a:r>
-                <a:rPr lang="en-US" sz="4000" dirty="0" smtClean="0">
-                  <a:solidFill>
-                    <a:schemeClr val="tx1"/>
-                  </a:solidFill>
-                </a:rPr>
-                <a:t>Title/Role</a:t>
-              </a:r>
-              <a:endParaRPr lang="en-US" sz="4000" dirty="0">
-                <a:solidFill>
-                  <a:schemeClr val="tx1"/>
-                </a:solidFill>
-              </a:endParaRPr>
-            </a:p>
-            <a:p>
-              <a:pPr algn="ctr"/>
-              <a:endParaRPr lang="en-US" sz="3600" dirty="0">
-                <a:solidFill>
-                  <a:schemeClr val="tx1"/>
-                </a:solidFill>
-              </a:endParaRPr>
-            </a:p>
-            <a:p>
-              <a:pPr algn="ctr"/>
-              <a:endParaRPr lang="en-US" sz="3600" dirty="0">
-                <a:solidFill>
-                  <a:schemeClr val="tx1"/>
-                </a:solidFill>
-              </a:endParaRPr>
-            </a:p>
-            <a:p>
-              <a:pPr algn="ctr"/>
-              <a:r>
-                <a:rPr lang="en-US" sz="3600" i="1" dirty="0">
-                  <a:solidFill>
-                    <a:schemeClr val="tx1"/>
-                  </a:solidFill>
-                </a:rPr>
-                <a:t>Brief </a:t>
-              </a:r>
-              <a:r>
-                <a:rPr lang="en-US" sz="3600" i="1" dirty="0" smtClean="0">
-                  <a:solidFill>
-                    <a:schemeClr val="tx1"/>
-                  </a:solidFill>
-                </a:rPr>
-                <a:t>Description</a:t>
-              </a:r>
-              <a:r>
-                <a:rPr lang="en-US" sz="3600" i="1" dirty="0" smtClean="0">
-                  <a:solidFill>
-                    <a:schemeClr val="tx1"/>
-                  </a:solidFill>
-                </a:rPr>
-                <a:t>/</a:t>
-              </a:r>
-            </a:p>
-            <a:p>
-              <a:pPr algn="ctr"/>
-              <a:r>
-                <a:rPr lang="en-US" sz="3600" i="1" dirty="0" smtClean="0">
-                  <a:solidFill>
-                    <a:schemeClr val="tx1"/>
-                  </a:solidFill>
-                </a:rPr>
-                <a:t>Background</a:t>
-              </a:r>
-              <a:endParaRPr lang="en-US" sz="3600" i="1" dirty="0">
-                <a:solidFill>
-                  <a:schemeClr val="tx1"/>
-                </a:solidFill>
-              </a:endParaRPr>
-            </a:p>
-            <a:p>
-              <a:pPr algn="ctr"/>
-              <a:endParaRPr lang="en-US" sz="4500" dirty="0">
-                <a:solidFill>
-                  <a:schemeClr val="tx1"/>
-                </a:solidFill>
-              </a:endParaRPr>
-            </a:p>
-            <a:p>
-              <a:pPr algn="ctr"/>
-              <a:endParaRPr lang="en-US" sz="4900" dirty="0">
-                <a:solidFill>
-                  <a:schemeClr val="tx1"/>
-                </a:solidFill>
-              </a:endParaRPr>
-            </a:p>
-            <a:p>
-              <a:pPr algn="ctr"/>
-              <a:endParaRPr lang="en-US" sz="4900" dirty="0">
-                <a:solidFill>
-                  <a:schemeClr val="tx1"/>
-                </a:solidFill>
-              </a:endParaRPr>
-            </a:p>
-          </p:txBody>
-        </p:sp>
-      </p:grpSp>
-      <p:sp>
-        <p:nvSpPr>
-          <p:cNvPr id="13" name="Oval 12"/>
-          <p:cNvSpPr/>
-          <p:nvPr/>
-        </p:nvSpPr>
-        <p:spPr>
-          <a:xfrm>
-            <a:off x="7793421" y="5000974"/>
-            <a:ext cx="6561704" cy="4765070"/>
-          </a:xfrm>
-          <a:prstGeom prst="ellipse">
-            <a:avLst/>
-          </a:prstGeom>
-          <a:solidFill>
-            <a:srgbClr val="A5A5A5"/>
-          </a:solidFill>
-        </p:spPr>
-        <p:style>
-          <a:lnRef idx="1">
-            <a:schemeClr val="accent1"/>
-          </a:lnRef>
-          <a:fillRef idx="3">
-            <a:schemeClr val="accent1"/>
-          </a:fillRef>
-          <a:effectRef idx="2">
-            <a:schemeClr val="accent1"/>
-          </a:effectRef>
-          <a:fontRef idx="minor">
-            <a:schemeClr val="lt1"/>
-          </a:fontRef>
-        </p:style>
-        <p:txBody>
-          <a:bodyPr lIns="374593" tIns="187297" rIns="374593" bIns="187297" spcCol="0" rtlCol="0" anchor="ctr"/>
-          <a:lstStyle/>
-          <a:p>
-            <a:pPr algn="ctr"/>
-            <a:r>
-              <a:rPr lang="en-US" dirty="0" smtClean="0">
-                <a:solidFill>
-                  <a:schemeClr val="tx1"/>
-                </a:solidFill>
-              </a:rPr>
-              <a:t>Photo</a:t>
-            </a:r>
-            <a:endParaRPr lang="en-US" dirty="0">
-              <a:solidFill>
-                <a:schemeClr val="tx1"/>
-              </a:solidFill>
-            </a:endParaRPr>
-          </a:p>
-        </p:txBody>
-      </p:sp>
-      <p:grpSp>
-        <p:nvGrpSpPr>
-          <p:cNvPr id="14" name="Group 13"/>
-          <p:cNvGrpSpPr/>
-          <p:nvPr/>
-        </p:nvGrpSpPr>
-        <p:grpSpPr>
-          <a:xfrm>
-            <a:off x="15529616" y="11273481"/>
-            <a:ext cx="6404181" cy="6239145"/>
-            <a:chOff x="-2173055" y="3821653"/>
-            <a:chExt cx="596404" cy="2030978"/>
-          </a:xfrm>
-        </p:grpSpPr>
-        <p:sp>
-          <p:nvSpPr>
-            <p:cNvPr id="15" name="TextBox 14"/>
-            <p:cNvSpPr txBox="1"/>
-            <p:nvPr/>
-          </p:nvSpPr>
-          <p:spPr>
-            <a:xfrm>
-              <a:off x="-2028181" y="3821653"/>
-              <a:ext cx="306653" cy="566062"/>
-            </a:xfrm>
-            <a:prstGeom prst="rect">
-              <a:avLst/>
-            </a:prstGeom>
-            <a:noFill/>
-          </p:spPr>
-          <p:txBody>
-            <a:bodyPr wrap="none" rtlCol="0">
-              <a:spAutoFit/>
-            </a:bodyPr>
-            <a:lstStyle/>
-            <a:p>
-              <a:pPr algn="ctr"/>
-              <a:r>
-                <a:rPr lang="en-US" sz="5000" dirty="0" smtClean="0">
-                  <a:solidFill>
-                    <a:schemeClr val="tx1"/>
-                  </a:solidFill>
-                </a:rPr>
-                <a:t>Name</a:t>
-              </a:r>
-              <a:endParaRPr lang="en-US" sz="5000" dirty="0">
-                <a:solidFill>
-                  <a:schemeClr val="tx1"/>
-                </a:solidFill>
-              </a:endParaRPr>
-            </a:p>
-            <a:p>
-              <a:endParaRPr lang="en-US" dirty="0">
-                <a:solidFill>
-                  <a:schemeClr val="tx1"/>
-                </a:solidFill>
-              </a:endParaRPr>
-            </a:p>
-          </p:txBody>
-        </p:sp>
-        <p:sp>
-          <p:nvSpPr>
-            <p:cNvPr id="16" name="TextBox 15"/>
-            <p:cNvSpPr txBox="1"/>
-            <p:nvPr/>
-          </p:nvSpPr>
-          <p:spPr>
-            <a:xfrm>
-              <a:off x="-2173055" y="4324764"/>
-              <a:ext cx="596404" cy="1527867"/>
-            </a:xfrm>
-            <a:prstGeom prst="rect">
-              <a:avLst/>
-            </a:prstGeom>
-            <a:noFill/>
-          </p:spPr>
-          <p:txBody>
-            <a:bodyPr wrap="none" rtlCol="0">
-              <a:spAutoFit/>
-            </a:bodyPr>
-            <a:lstStyle/>
-            <a:p>
-              <a:pPr algn="ctr"/>
-              <a:r>
-                <a:rPr lang="en-US" sz="4000" dirty="0">
-                  <a:solidFill>
-                    <a:schemeClr val="tx1"/>
-                  </a:solidFill>
-                </a:rPr>
-                <a:t>Title</a:t>
-              </a:r>
-            </a:p>
-            <a:p>
-              <a:pPr algn="ctr"/>
-              <a:r>
-                <a:rPr lang="en-US" sz="4000" dirty="0" smtClean="0">
-                  <a:solidFill>
-                    <a:schemeClr val="tx1"/>
-                  </a:solidFill>
-                </a:rPr>
-                <a:t>/Role</a:t>
-              </a:r>
-              <a:endParaRPr lang="en-US" sz="4000" dirty="0">
-                <a:solidFill>
-                  <a:schemeClr val="tx1"/>
-                </a:solidFill>
-              </a:endParaRPr>
-            </a:p>
-            <a:p>
-              <a:pPr algn="ctr"/>
-              <a:endParaRPr lang="en-US" sz="4900" dirty="0">
-                <a:solidFill>
-                  <a:schemeClr val="tx1"/>
-                </a:solidFill>
-              </a:endParaRPr>
-            </a:p>
-            <a:p>
-              <a:pPr algn="ctr"/>
-              <a:r>
-                <a:rPr lang="en-US" sz="3600" i="1" dirty="0">
-                  <a:solidFill>
-                    <a:schemeClr val="tx1"/>
-                  </a:solidFill>
-                </a:rPr>
-                <a:t>Brief Description</a:t>
-              </a:r>
-            </a:p>
-            <a:p>
-              <a:pPr algn="ctr"/>
-              <a:r>
-                <a:rPr lang="en-US" sz="3600" dirty="0" smtClean="0">
-                  <a:solidFill>
-                    <a:schemeClr val="tx1"/>
-                  </a:solidFill>
-                </a:rPr>
-                <a:t>/Background</a:t>
-              </a:r>
-              <a:endParaRPr lang="en-US" sz="3600" dirty="0">
-                <a:solidFill>
-                  <a:schemeClr val="tx1"/>
-                </a:solidFill>
-              </a:endParaRPr>
-            </a:p>
-            <a:p>
-              <a:pPr algn="ctr"/>
-              <a:endParaRPr lang="en-US" sz="4900" dirty="0">
-                <a:solidFill>
-                  <a:schemeClr val="tx1"/>
-                </a:solidFill>
-              </a:endParaRPr>
-            </a:p>
-            <a:p>
-              <a:pPr algn="ctr"/>
-              <a:endParaRPr lang="en-US" sz="4900" dirty="0">
-                <a:solidFill>
-                  <a:schemeClr val="tx1"/>
-                </a:solidFill>
-              </a:endParaRPr>
-            </a:p>
-          </p:txBody>
-        </p:sp>
-      </p:grpSp>
-      <p:sp>
-        <p:nvSpPr>
-          <p:cNvPr id="17" name="Oval 16"/>
-          <p:cNvSpPr/>
-          <p:nvPr/>
-        </p:nvSpPr>
-        <p:spPr>
-          <a:xfrm>
-            <a:off x="15078161" y="4994293"/>
-            <a:ext cx="6404181" cy="4750968"/>
-          </a:xfrm>
-          <a:prstGeom prst="ellipse">
-            <a:avLst/>
-          </a:prstGeom>
-          <a:solidFill>
-            <a:srgbClr val="A5A5A5"/>
-          </a:solidFill>
-        </p:spPr>
-        <p:style>
-          <a:lnRef idx="1">
-            <a:schemeClr val="accent1"/>
-          </a:lnRef>
-          <a:fillRef idx="3">
-            <a:schemeClr val="accent1"/>
-          </a:fillRef>
-          <a:effectRef idx="2">
-            <a:schemeClr val="accent1"/>
-          </a:effectRef>
-          <a:fontRef idx="minor">
-            <a:schemeClr val="lt1"/>
-          </a:fontRef>
-        </p:style>
-        <p:txBody>
-          <a:bodyPr lIns="374593" tIns="187297" rIns="374593" bIns="187297" spcCol="0" rtlCol="0" anchor="ctr"/>
-          <a:lstStyle/>
-          <a:p>
-            <a:pPr algn="ctr"/>
-            <a:r>
-              <a:rPr lang="en-US" dirty="0" smtClean="0">
-                <a:solidFill>
-                  <a:schemeClr val="tx1"/>
-                </a:solidFill>
-              </a:rPr>
-              <a:t>Photo</a:t>
-            </a:r>
-            <a:endParaRPr lang="en-US" dirty="0">
-              <a:solidFill>
-                <a:schemeClr val="tx1"/>
-              </a:solidFill>
-            </a:endParaRPr>
-          </a:p>
-        </p:txBody>
-      </p:sp>
-      <p:sp>
-        <p:nvSpPr>
-          <p:cNvPr id="18" name="Action Button: Forward or Next 17">
-            <a:hlinkClick r:id="" action="ppaction://hlinkshowjump?jump=nextslide" highlightClick="1"/>
-          </p:cNvPr>
-          <p:cNvSpPr/>
-          <p:nvPr/>
-        </p:nvSpPr>
-        <p:spPr>
-          <a:xfrm>
-            <a:off x="36320413" y="19863084"/>
-            <a:ext cx="1143000" cy="1143000"/>
-          </a:xfrm>
-          <a:prstGeom prst="actionButtonForwardNext">
-            <a:avLst/>
-          </a:prstGeom>
-          <a:solidFill>
-            <a:srgbClr val="209C27"/>
-          </a:solidFill>
-          <a:ln>
-            <a:solidFill>
-              <a:srgbClr val="FFFFFF"/>
-            </a:solidFill>
-          </a:ln>
-        </p:spPr>
-        <p:style>
-          <a:lnRef idx="1">
-            <a:schemeClr val="accent1"/>
-          </a:lnRef>
-          <a:fillRef idx="3">
-            <a:schemeClr val="accent1"/>
-          </a:fillRef>
-          <a:effectRef idx="2">
-            <a:schemeClr val="accent1"/>
-          </a:effectRef>
-          <a:fontRef idx="minor">
-            <a:schemeClr val="lt1"/>
-          </a:fontRef>
-        </p:style>
-        <p:txBody>
-          <a:bodyPr rtlCol="0" anchor="ctr"/>
-          <a:lstStyle/>
-          <a:p>
-            <a:pPr algn="ctr"/>
-            <a:endParaRPr lang="en-US"/>
-          </a:p>
-        </p:txBody>
-      </p:sp>
-      <p:sp>
-        <p:nvSpPr>
-          <p:cNvPr id="19" name="Action Button: Back or Previous 18">
-            <a:hlinkClick r:id="" action="ppaction://hlinkshowjump?jump=previousslide" highlightClick="1"/>
-          </p:cNvPr>
-          <p:cNvSpPr/>
-          <p:nvPr/>
-        </p:nvSpPr>
-        <p:spPr>
-          <a:xfrm>
-            <a:off x="34890101" y="19863084"/>
-            <a:ext cx="1363473" cy="1143000"/>
-          </a:xfrm>
-          <a:prstGeom prst="actionButtonBackPrevious">
-            <a:avLst/>
-          </a:prstGeom>
-          <a:solidFill>
-            <a:srgbClr val="209C27"/>
-          </a:solidFill>
-          <a:ln>
-            <a:solidFill>
-              <a:srgbClr val="FFFFFF"/>
-            </a:solidFill>
-          </a:ln>
-        </p:spPr>
-        <p:style>
-          <a:lnRef idx="1">
-            <a:schemeClr val="accent1"/>
-          </a:lnRef>
-          <a:fillRef idx="3">
-            <a:schemeClr val="accent1"/>
-          </a:fillRef>
-          <a:effectRef idx="2">
-            <a:schemeClr val="accent1"/>
-          </a:effectRef>
-          <a:fontRef idx="minor">
-            <a:schemeClr val="lt1"/>
-          </a:fontRef>
-        </p:style>
-        <p:txBody>
-          <a:bodyPr rtlCol="0" anchor="ctr"/>
-          <a:lstStyle/>
-          <a:p>
-            <a:pPr algn="ctr"/>
-            <a:endParaRPr lang="en-US"/>
-          </a:p>
-        </p:txBody>
-      </p:sp>
-      <p:sp>
-        <p:nvSpPr>
-          <p:cNvPr id="20" name="Oval 19"/>
-          <p:cNvSpPr/>
-          <p:nvPr/>
-        </p:nvSpPr>
-        <p:spPr>
-          <a:xfrm>
-            <a:off x="29471641" y="5132229"/>
-            <a:ext cx="6404181" cy="4750968"/>
-          </a:xfrm>
-          <a:prstGeom prst="ellipse">
-            <a:avLst/>
-          </a:prstGeom>
-          <a:solidFill>
-            <a:srgbClr val="A5A5A5"/>
-          </a:solidFill>
-        </p:spPr>
-        <p:style>
-          <a:lnRef idx="1">
-            <a:schemeClr val="accent1"/>
-          </a:lnRef>
-          <a:fillRef idx="3">
-            <a:schemeClr val="accent1"/>
-          </a:fillRef>
-          <a:effectRef idx="2">
-            <a:schemeClr val="accent1"/>
-          </a:effectRef>
-          <a:fontRef idx="minor">
-            <a:schemeClr val="lt1"/>
-          </a:fontRef>
-        </p:style>
-        <p:txBody>
-          <a:bodyPr lIns="374593" tIns="187297" rIns="374593" bIns="187297" spcCol="0" rtlCol="0" anchor="ctr"/>
-          <a:lstStyle/>
-          <a:p>
-            <a:pPr algn="ctr"/>
-            <a:r>
-              <a:rPr lang="en-US" dirty="0" smtClean="0">
-                <a:solidFill>
-                  <a:schemeClr val="tx1"/>
-                </a:solidFill>
-              </a:rPr>
-              <a:t>Additional member needed?</a:t>
-            </a:r>
-            <a:endParaRPr lang="en-US" dirty="0">
-              <a:solidFill>
-                <a:schemeClr val="tx1"/>
-              </a:solidFill>
-            </a:endParaRPr>
-          </a:p>
-        </p:txBody>
-      </p:sp>
-      <p:sp>
-        <p:nvSpPr>
-          <p:cNvPr id="3" name="TextBox 2"/>
-          <p:cNvSpPr txBox="1"/>
-          <p:nvPr/>
-        </p:nvSpPr>
-        <p:spPr>
-          <a:xfrm>
-            <a:off x="30760919" y="11853897"/>
-            <a:ext cx="5492655" cy="5078314"/>
-          </a:xfrm>
-          <a:prstGeom prst="rect">
-            <a:avLst/>
-          </a:prstGeom>
-          <a:noFill/>
-        </p:spPr>
-        <p:txBody>
-          <a:bodyPr wrap="square" rtlCol="0">
-            <a:spAutoFit/>
-          </a:bodyPr>
-          <a:lstStyle/>
-          <a:p>
-            <a:pPr lvl="1" indent="-702362"/>
-            <a:r>
-              <a:rPr lang="en-US" sz="3600" dirty="0"/>
-              <a:t>E.g. any solution requiring turbine installations would need a member experienced in project financing</a:t>
-            </a:r>
-          </a:p>
-          <a:p>
-            <a:pPr lvl="1" indent="-702362"/>
-            <a:r>
-              <a:rPr lang="en-US" sz="3600" dirty="0"/>
-              <a:t>You may not have someone today, but show the judges that you’re thinking about it</a:t>
-            </a:r>
-          </a:p>
-        </p:txBody>
-      </p:sp>
       <p:pic>
         <p:nvPicPr>
-          <p:cNvPr id="2" name="Picture 1"/>
+          <p:cNvPr id="28" name="Picture 27"/>
           <p:cNvPicPr>
             <a:picLocks noChangeAspect="1"/>
           </p:cNvPicPr>
           <p:nvPr/>
         </p:nvPicPr>
         <p:blipFill>
-          <a:blip r:embed="rId4"/>
+          <a:blip r:embed="rId5">
+            <a:extLst>
+              <a:ext uri="{28A0092B-C50C-407E-A947-70E740481C1C}">
+                <a14:useLocalDpi xmlns:a14="http://schemas.microsoft.com/office/drawing/2010/main" val="0"/>
+              </a:ext>
+            </a:extLst>
+          </a:blip>
           <a:stretch>
             <a:fillRect/>
           </a:stretch>
         </p:blipFill>
         <p:spPr>
           <a:xfrm>
-            <a:off x="22243609" y="5035039"/>
-            <a:ext cx="6504996" cy="4846740"/>
+            <a:off x="1854200" y="7043442"/>
+            <a:ext cx="14802410" cy="7314271"/>
           </a:xfrm>
           <a:prstGeom prst="rect">
             <a:avLst/>
@@ -16830,22 +14328,28 @@
       </p:pic>
       <p:pic>
         <p:nvPicPr>
-          <p:cNvPr id="21" name="Picture 20"/>
+          <p:cNvPr id="29" name="Picture 28"/>
           <p:cNvPicPr>
             <a:picLocks noChangeAspect="1"/>
           </p:cNvPicPr>
           <p:nvPr/>
         </p:nvPicPr>
         <p:blipFill>
-          <a:blip r:embed="rId5"/>
+          <a:blip r:embed="rId6">
+            <a:extLst>
+              <a:ext uri="{28A0092B-C50C-407E-A947-70E740481C1C}">
+                <a14:useLocalDpi xmlns:a14="http://schemas.microsoft.com/office/drawing/2010/main" val="0"/>
+              </a:ext>
+            </a:extLst>
+          </a:blip>
           <a:stretch>
             <a:fillRect/>
           </a:stretch>
         </p:blipFill>
         <p:spPr>
           <a:xfrm>
-            <a:off x="22241524" y="10533856"/>
-            <a:ext cx="6401355" cy="6978770"/>
+            <a:off x="2102410" y="14238288"/>
+            <a:ext cx="14554200" cy="6829425"/>
           </a:xfrm>
           <a:prstGeom prst="rect">
             <a:avLst/>
@@ -16853,6 +14357,11 @@
         </p:spPr>
       </p:pic>
     </p:spTree>
+    <p:extLst>
+      <p:ext uri="{BB962C8B-B14F-4D97-AF65-F5344CB8AC3E}">
+        <p14:creationId xmlns:p14="http://schemas.microsoft.com/office/powerpoint/2010/main" val="1241691539"/>
+      </p:ext>
+    </p:extLst>
   </p:cSld>
   <p:clrMapOvr>
     <a:masterClrMapping/>
@@ -16867,7 +14376,7 @@
 </p:sld>
 </file>
 
-<file path=ppt/slides/slide8.xml><?xml version="1.0" encoding="utf-8"?>
+<file path=ppt/slides/slide4.xml><?xml version="1.0" encoding="utf-8"?>
 <p:sld xmlns:a="http://schemas.openxmlformats.org/drawingml/2006/main" xmlns:r="http://schemas.openxmlformats.org/officeDocument/2006/relationships" xmlns:p="http://schemas.openxmlformats.org/presentationml/2006/main">
   <p:cSld>
     <p:bg>
@@ -16909,8 +14418,8 @@
         </p:nvSpPr>
         <p:spPr>
           <a:xfrm>
-            <a:off x="4682927" y="3447888"/>
-            <a:ext cx="28097560" cy="7334685"/>
+            <a:off x="4682927" y="1016000"/>
+            <a:ext cx="28097560" cy="2705373"/>
           </a:xfrm>
           <a:prstGeom prst="rect">
             <a:avLst/>
@@ -16928,13 +14437,18 @@
           <a:p>
             <a:pPr indent="-1170603"/>
             <a:r>
-              <a:rPr lang="en-US" b="1">
+              <a:rPr lang="en-US" dirty="0" smtClean="0">
                 <a:solidFill>
                   <a:srgbClr val="FFFFFF"/>
                 </a:solidFill>
               </a:rPr>
-              <a:t>Appendix</a:t>
+              <a:t>CITATIONS</a:t>
             </a:r>
+            <a:endParaRPr lang="en-US" dirty="0">
+              <a:solidFill>
+                <a:srgbClr val="FFFFFF"/>
+              </a:solidFill>
+            </a:endParaRPr>
           </a:p>
         </p:txBody>
       </p:sp>
@@ -16983,6 +14497,161 @@
           <a:p>
             <a:pPr algn="ctr"/>
             <a:endParaRPr lang="en-US"/>
+          </a:p>
+        </p:txBody>
+      </p:sp>
+      <p:sp>
+        <p:nvSpPr>
+          <p:cNvPr id="4" name="TextBox 3"/>
+          <p:cNvSpPr txBox="1"/>
+          <p:nvPr/>
+        </p:nvSpPr>
+        <p:spPr>
+          <a:xfrm>
+            <a:off x="3152086" y="5003800"/>
+            <a:ext cx="32740600" cy="6555641"/>
+          </a:xfrm>
+          <a:prstGeom prst="rect">
+            <a:avLst/>
+          </a:prstGeom>
+          <a:noFill/>
+        </p:spPr>
+        <p:txBody>
+          <a:bodyPr wrap="square" rtlCol="0">
+            <a:spAutoFit/>
+          </a:bodyPr>
+          <a:lstStyle/>
+          <a:p>
+            <a:pPr marL="1143000" indent="-1143000">
+              <a:buFont typeface="+mj-lt"/>
+              <a:buAutoNum type="arabicPeriod"/>
+            </a:pPr>
+            <a:r>
+              <a:rPr lang="en-US" sz="6000" dirty="0" smtClean="0">
+                <a:solidFill>
+                  <a:schemeClr val="bg1"/>
+                </a:solidFill>
+              </a:rPr>
+              <a:t>Morgan Stanley Research, “On the Charge”, August 31, 2017, &lt;</a:t>
+            </a:r>
+            <a:r>
+              <a:rPr lang="en-US" sz="6000" dirty="0" smtClean="0">
+                <a:solidFill>
+                  <a:schemeClr val="bg1"/>
+                </a:solidFill>
+                <a:hlinkClick r:id="rId4"/>
+              </a:rPr>
+              <a:t>https</a:t>
+            </a:r>
+            <a:r>
+              <a:rPr lang="en-US" sz="6000" dirty="0">
+                <a:solidFill>
+                  <a:schemeClr val="bg1"/>
+                </a:solidFill>
+                <a:hlinkClick r:id="rId4"/>
+              </a:rPr>
+              <a:t>://</a:t>
+            </a:r>
+            <a:r>
+              <a:rPr lang="en-US" sz="6000" dirty="0" smtClean="0">
+                <a:solidFill>
+                  <a:schemeClr val="bg1"/>
+                </a:solidFill>
+                <a:hlinkClick r:id="rId4"/>
+              </a:rPr>
+              <a:t>www.docdroid.net/A5uNOPX/on-the-charge.pdf#page=27</a:t>
+            </a:r>
+            <a:r>
+              <a:rPr lang="en-US" sz="6000" dirty="0" smtClean="0">
+                <a:solidFill>
+                  <a:schemeClr val="bg1"/>
+                </a:solidFill>
+              </a:rPr>
+              <a:t>&gt;</a:t>
+            </a:r>
+            <a:br>
+              <a:rPr lang="en-US" sz="6000" dirty="0" smtClean="0">
+                <a:solidFill>
+                  <a:schemeClr val="bg1"/>
+                </a:solidFill>
+              </a:rPr>
+            </a:br>
+            <a:endParaRPr lang="en-US" sz="6000" dirty="0" smtClean="0">
+              <a:solidFill>
+                <a:schemeClr val="bg1"/>
+              </a:solidFill>
+            </a:endParaRPr>
+          </a:p>
+          <a:p>
+            <a:pPr marL="1143000" indent="-1143000">
+              <a:buFont typeface="+mj-lt"/>
+              <a:buAutoNum type="arabicPeriod"/>
+            </a:pPr>
+            <a:r>
+              <a:rPr lang="en-US" sz="6000" dirty="0" smtClean="0">
+                <a:solidFill>
+                  <a:schemeClr val="bg1"/>
+                </a:solidFill>
+              </a:rPr>
+              <a:t>US Energy </a:t>
+            </a:r>
+            <a:r>
+              <a:rPr lang="en-US" sz="6000" dirty="0">
+                <a:solidFill>
+                  <a:schemeClr val="bg1"/>
+                </a:solidFill>
+              </a:rPr>
+              <a:t>Information Administration, </a:t>
+            </a:r>
+            <a:r>
+              <a:rPr lang="en-US" sz="6000" dirty="0" smtClean="0">
+                <a:solidFill>
+                  <a:schemeClr val="bg1"/>
+                </a:solidFill>
+              </a:rPr>
+              <a:t>“Annual Energy Review”, September 17, 2012, &lt;</a:t>
+            </a:r>
+            <a:r>
+              <a:rPr lang="en-US" sz="6000" dirty="0" smtClean="0">
+                <a:solidFill>
+                  <a:schemeClr val="bg1"/>
+                </a:solidFill>
+                <a:hlinkClick r:id="rId5"/>
+              </a:rPr>
+              <a:t>https</a:t>
+            </a:r>
+            <a:r>
+              <a:rPr lang="en-US" sz="6000" dirty="0">
+                <a:solidFill>
+                  <a:schemeClr val="bg1"/>
+                </a:solidFill>
+                <a:hlinkClick r:id="rId5"/>
+              </a:rPr>
+              <a:t>://</a:t>
+            </a:r>
+            <a:r>
+              <a:rPr lang="en-US" sz="6000" dirty="0" smtClean="0">
+                <a:solidFill>
+                  <a:schemeClr val="bg1"/>
+                </a:solidFill>
+                <a:hlinkClick r:id="rId5"/>
+              </a:rPr>
+              <a:t>www.eia.gov/totalenergy/data/annual/showtext.php?t=pTB0208</a:t>
+            </a:r>
+            <a:r>
+              <a:rPr lang="en-US" sz="6000" dirty="0" smtClean="0">
+                <a:solidFill>
+                  <a:schemeClr val="bg1"/>
+                </a:solidFill>
+              </a:rPr>
+              <a:t>&gt;</a:t>
+            </a:r>
+          </a:p>
+          <a:p>
+            <a:endParaRPr lang="en-US" sz="6000" dirty="0"/>
+          </a:p>
+          <a:p>
+            <a:endParaRPr lang="en-US" sz="6000" dirty="0" smtClean="0"/>
           </a:p>
         </p:txBody>
       </p:sp>

--- a/Presentation.pptx
+++ b/Presentation.pptx
@@ -11563,15 +11563,7 @@
                   <a:srgbClr val="FFFFFF"/>
                 </a:solidFill>
               </a:rPr>
-              <a:t>PIONEER </a:t>
-            </a:r>
-            <a:r>
-              <a:rPr lang="en-US" b="1" dirty="0" smtClean="0">
-                <a:solidFill>
-                  <a:srgbClr val="FFFFFF"/>
-                </a:solidFill>
-              </a:rPr>
-              <a:t>NATURAL RESOURCES</a:t>
+              <a:t>PIONEER NATURAL RESOURCES</a:t>
             </a:r>
             <a:endParaRPr lang="en-US" b="1" dirty="0">
               <a:solidFill>
@@ -11668,15 +11660,7 @@
                   <a:srgbClr val="FFFFFF"/>
                 </a:solidFill>
               </a:rPr>
-              <a:t>JESSIE GUO, MAX LIU </a:t>
-            </a:r>
-            <a:r>
-              <a:rPr lang="en-US" dirty="0" smtClean="0">
-                <a:solidFill>
-                  <a:srgbClr val="FFFFFF"/>
-                </a:solidFill>
-              </a:rPr>
-              <a:t>– MOUNT HOLYOKE COLLEGE</a:t>
+              <a:t>JESSIE GUO, MAX LIU – MOUNT HOLYOKE COLLEGE</a:t>
             </a:r>
           </a:p>
           <a:p>
@@ -11754,6 +11738,414 @@
           <a:p>
             <a:pPr algn="ctr"/>
             <a:endParaRPr lang="en-US"/>
+          </a:p>
+        </p:txBody>
+      </p:sp>
+      <p:pic>
+        <p:nvPicPr>
+          <p:cNvPr id="2" name="Picture 1"/>
+          <p:cNvPicPr>
+            <a:picLocks noChangeAspect="1"/>
+          </p:cNvPicPr>
+          <p:nvPr/>
+        </p:nvPicPr>
+        <p:blipFill>
+          <a:blip r:embed="rId4">
+            <a:extLst>
+              <a:ext uri="{28A0092B-C50C-407E-A947-70E740481C1C}">
+                <a14:useLocalDpi xmlns:a14="http://schemas.microsoft.com/office/drawing/2010/main" val="0"/>
+              </a:ext>
+            </a:extLst>
+          </a:blip>
+          <a:stretch>
+            <a:fillRect/>
+          </a:stretch>
+        </p:blipFill>
+        <p:spPr>
+          <a:xfrm>
+            <a:off x="32917554" y="786276"/>
+            <a:ext cx="2598575" cy="2931319"/>
+          </a:xfrm>
+          <a:prstGeom prst="rect">
+            <a:avLst/>
+          </a:prstGeom>
+        </p:spPr>
+      </p:pic>
+      <p:pic>
+        <p:nvPicPr>
+          <p:cNvPr id="3" name="Picture 2"/>
+          <p:cNvPicPr>
+            <a:picLocks noChangeAspect="1"/>
+          </p:cNvPicPr>
+          <p:nvPr/>
+        </p:nvPicPr>
+        <p:blipFill>
+          <a:blip r:embed="rId5">
+            <a:extLst>
+              <a:ext uri="{28A0092B-C50C-407E-A947-70E740481C1C}">
+                <a14:useLocalDpi xmlns:a14="http://schemas.microsoft.com/office/drawing/2010/main" val="0"/>
+              </a:ext>
+            </a:extLst>
+          </a:blip>
+          <a:stretch>
+            <a:fillRect/>
+          </a:stretch>
+        </p:blipFill>
+        <p:spPr>
+          <a:xfrm>
+            <a:off x="2409811" y="786276"/>
+            <a:ext cx="2273116" cy="2661612"/>
+          </a:xfrm>
+          <a:prstGeom prst="rect">
+            <a:avLst/>
+          </a:prstGeom>
+        </p:spPr>
+      </p:pic>
+      <p:pic>
+        <p:nvPicPr>
+          <p:cNvPr id="5" name="Picture 4"/>
+          <p:cNvPicPr>
+            <a:picLocks noChangeAspect="1"/>
+          </p:cNvPicPr>
+          <p:nvPr/>
+        </p:nvPicPr>
+        <p:blipFill>
+          <a:blip r:embed="rId6">
+            <a:extLst>
+              <a:ext uri="{28A0092B-C50C-407E-A947-70E740481C1C}">
+                <a14:useLocalDpi xmlns:a14="http://schemas.microsoft.com/office/drawing/2010/main" val="0"/>
+              </a:ext>
+            </a:extLst>
+          </a:blip>
+          <a:stretch>
+            <a:fillRect/>
+          </a:stretch>
+        </p:blipFill>
+        <p:spPr>
+          <a:xfrm>
+            <a:off x="2546878" y="4688184"/>
+            <a:ext cx="1998982" cy="2773155"/>
+          </a:xfrm>
+          <a:prstGeom prst="rect">
+            <a:avLst/>
+          </a:prstGeom>
+        </p:spPr>
+      </p:pic>
+      <p:pic>
+        <p:nvPicPr>
+          <p:cNvPr id="6" name="Picture 5"/>
+          <p:cNvPicPr>
+            <a:picLocks noChangeAspect="1"/>
+          </p:cNvPicPr>
+          <p:nvPr/>
+        </p:nvPicPr>
+        <p:blipFill>
+          <a:blip r:embed="rId7">
+            <a:extLst>
+              <a:ext uri="{28A0092B-C50C-407E-A947-70E740481C1C}">
+                <a14:useLocalDpi xmlns:a14="http://schemas.microsoft.com/office/drawing/2010/main" val="0"/>
+              </a:ext>
+            </a:extLst>
+          </a:blip>
+          <a:stretch>
+            <a:fillRect/>
+          </a:stretch>
+        </p:blipFill>
+        <p:spPr>
+          <a:xfrm>
+            <a:off x="32792438" y="9216195"/>
+            <a:ext cx="2848805" cy="2848805"/>
+          </a:xfrm>
+          <a:prstGeom prst="rect">
+            <a:avLst/>
+          </a:prstGeom>
+        </p:spPr>
+      </p:pic>
+      <p:pic>
+        <p:nvPicPr>
+          <p:cNvPr id="7" name="Picture 6"/>
+          <p:cNvPicPr>
+            <a:picLocks noChangeAspect="1"/>
+          </p:cNvPicPr>
+          <p:nvPr/>
+        </p:nvPicPr>
+        <p:blipFill>
+          <a:blip r:embed="rId8">
+            <a:extLst>
+              <a:ext uri="{28A0092B-C50C-407E-A947-70E740481C1C}">
+                <a14:useLocalDpi xmlns:a14="http://schemas.microsoft.com/office/drawing/2010/main" val="0"/>
+              </a:ext>
+            </a:extLst>
+          </a:blip>
+          <a:stretch>
+            <a:fillRect/>
+          </a:stretch>
+        </p:blipFill>
+        <p:spPr>
+          <a:xfrm>
+            <a:off x="33142163" y="5032419"/>
+            <a:ext cx="1859558" cy="2794418"/>
+          </a:xfrm>
+          <a:prstGeom prst="rect">
+            <a:avLst/>
+          </a:prstGeom>
+        </p:spPr>
+      </p:pic>
+      <p:pic>
+        <p:nvPicPr>
+          <p:cNvPr id="8" name="Picture 7"/>
+          <p:cNvPicPr>
+            <a:picLocks noChangeAspect="1"/>
+          </p:cNvPicPr>
+          <p:nvPr/>
+        </p:nvPicPr>
+        <p:blipFill>
+          <a:blip r:embed="rId9">
+            <a:extLst>
+              <a:ext uri="{28A0092B-C50C-407E-A947-70E740481C1C}">
+                <a14:useLocalDpi xmlns:a14="http://schemas.microsoft.com/office/drawing/2010/main" val="0"/>
+              </a:ext>
+            </a:extLst>
+          </a:blip>
+          <a:stretch>
+            <a:fillRect/>
+          </a:stretch>
+        </p:blipFill>
+        <p:spPr>
+          <a:xfrm>
+            <a:off x="2504741" y="8543679"/>
+            <a:ext cx="2083255" cy="2774406"/>
+          </a:xfrm>
+          <a:prstGeom prst="rect">
+            <a:avLst/>
+          </a:prstGeom>
+        </p:spPr>
+      </p:pic>
+      <p:sp>
+        <p:nvSpPr>
+          <p:cNvPr id="9" name="TextBox 8"/>
+          <p:cNvSpPr txBox="1"/>
+          <p:nvPr/>
+        </p:nvSpPr>
+        <p:spPr>
+          <a:xfrm>
+            <a:off x="1448850" y="3469951"/>
+            <a:ext cx="4359664" cy="969496"/>
+          </a:xfrm>
+          <a:prstGeom prst="rect">
+            <a:avLst/>
+          </a:prstGeom>
+          <a:noFill/>
+        </p:spPr>
+        <p:txBody>
+          <a:bodyPr wrap="square" rtlCol="0">
+            <a:spAutoFit/>
+          </a:bodyPr>
+          <a:lstStyle/>
+          <a:p>
+            <a:r>
+              <a:rPr lang="en-US" dirty="0" smtClean="0">
+                <a:solidFill>
+                  <a:schemeClr val="bg1"/>
+                </a:solidFill>
+              </a:rPr>
+              <a:t>EVERARDO</a:t>
+            </a:r>
+            <a:endParaRPr lang="en-US" dirty="0">
+              <a:solidFill>
+                <a:schemeClr val="bg1"/>
+              </a:solidFill>
+            </a:endParaRPr>
+          </a:p>
+        </p:txBody>
+      </p:sp>
+      <p:sp>
+        <p:nvSpPr>
+          <p:cNvPr id="13" name="TextBox 12"/>
+          <p:cNvSpPr txBox="1"/>
+          <p:nvPr/>
+        </p:nvSpPr>
+        <p:spPr>
+          <a:xfrm>
+            <a:off x="2341394" y="7461339"/>
+            <a:ext cx="3421200" cy="969496"/>
+          </a:xfrm>
+          <a:prstGeom prst="rect">
+            <a:avLst/>
+          </a:prstGeom>
+          <a:noFill/>
+        </p:spPr>
+        <p:txBody>
+          <a:bodyPr wrap="square" rtlCol="0">
+            <a:spAutoFit/>
+          </a:bodyPr>
+          <a:lstStyle/>
+          <a:p>
+            <a:r>
+              <a:rPr lang="en-US" dirty="0" smtClean="0">
+                <a:solidFill>
+                  <a:schemeClr val="bg1"/>
+                </a:solidFill>
+              </a:rPr>
+              <a:t>JESSIE</a:t>
+            </a:r>
+            <a:endParaRPr lang="en-US" dirty="0">
+              <a:solidFill>
+                <a:schemeClr val="bg1"/>
+              </a:solidFill>
+            </a:endParaRPr>
+          </a:p>
+        </p:txBody>
+      </p:sp>
+      <p:sp>
+        <p:nvSpPr>
+          <p:cNvPr id="14" name="TextBox 13"/>
+          <p:cNvSpPr txBox="1"/>
+          <p:nvPr/>
+        </p:nvSpPr>
+        <p:spPr>
+          <a:xfrm>
+            <a:off x="2341394" y="11383449"/>
+            <a:ext cx="3421200" cy="969496"/>
+          </a:xfrm>
+          <a:prstGeom prst="rect">
+            <a:avLst/>
+          </a:prstGeom>
+          <a:noFill/>
+        </p:spPr>
+        <p:txBody>
+          <a:bodyPr wrap="square" rtlCol="0">
+            <a:spAutoFit/>
+          </a:bodyPr>
+          <a:lstStyle/>
+          <a:p>
+            <a:r>
+              <a:rPr lang="en-US" dirty="0" smtClean="0">
+                <a:solidFill>
+                  <a:schemeClr val="bg1"/>
+                </a:solidFill>
+              </a:rPr>
+              <a:t>UTSAV</a:t>
+            </a:r>
+            <a:endParaRPr lang="en-US" dirty="0">
+              <a:solidFill>
+                <a:schemeClr val="bg1"/>
+              </a:solidFill>
+            </a:endParaRPr>
+          </a:p>
+        </p:txBody>
+      </p:sp>
+      <p:sp>
+        <p:nvSpPr>
+          <p:cNvPr id="15" name="TextBox 14"/>
+          <p:cNvSpPr txBox="1"/>
+          <p:nvPr/>
+        </p:nvSpPr>
+        <p:spPr>
+          <a:xfrm>
+            <a:off x="32453583" y="3954052"/>
+            <a:ext cx="3421200" cy="969496"/>
+          </a:xfrm>
+          <a:prstGeom prst="rect">
+            <a:avLst/>
+          </a:prstGeom>
+          <a:noFill/>
+        </p:spPr>
+        <p:txBody>
+          <a:bodyPr wrap="square" rtlCol="0">
+            <a:spAutoFit/>
+          </a:bodyPr>
+          <a:lstStyle/>
+          <a:p>
+            <a:r>
+              <a:rPr lang="en-US" dirty="0" smtClean="0">
+                <a:solidFill>
+                  <a:schemeClr val="bg1"/>
+                </a:solidFill>
+              </a:rPr>
+              <a:t>ALLISON</a:t>
+            </a:r>
+            <a:endParaRPr lang="en-US" dirty="0">
+              <a:solidFill>
+                <a:schemeClr val="bg1"/>
+              </a:solidFill>
+            </a:endParaRPr>
+          </a:p>
+        </p:txBody>
+      </p:sp>
+      <p:sp>
+        <p:nvSpPr>
+          <p:cNvPr id="16" name="TextBox 15"/>
+          <p:cNvSpPr txBox="1"/>
+          <p:nvPr/>
+        </p:nvSpPr>
+        <p:spPr>
+          <a:xfrm>
+            <a:off x="33142163" y="8058931"/>
+            <a:ext cx="3421200" cy="969496"/>
+          </a:xfrm>
+          <a:prstGeom prst="rect">
+            <a:avLst/>
+          </a:prstGeom>
+          <a:noFill/>
+        </p:spPr>
+        <p:txBody>
+          <a:bodyPr wrap="square" rtlCol="0">
+            <a:spAutoFit/>
+          </a:bodyPr>
+          <a:lstStyle/>
+          <a:p>
+            <a:r>
+              <a:rPr lang="en-US" dirty="0" smtClean="0">
+                <a:solidFill>
+                  <a:schemeClr val="bg1"/>
+                </a:solidFill>
+              </a:rPr>
+              <a:t>TIBIN</a:t>
+            </a:r>
+            <a:endParaRPr lang="en-US" dirty="0">
+              <a:solidFill>
+                <a:schemeClr val="bg1"/>
+              </a:solidFill>
+            </a:endParaRPr>
+          </a:p>
+        </p:txBody>
+      </p:sp>
+      <p:sp>
+        <p:nvSpPr>
+          <p:cNvPr id="17" name="TextBox 16"/>
+          <p:cNvSpPr txBox="1"/>
+          <p:nvPr/>
+        </p:nvSpPr>
+        <p:spPr>
+          <a:xfrm>
+            <a:off x="33142163" y="12274669"/>
+            <a:ext cx="3421200" cy="969496"/>
+          </a:xfrm>
+          <a:prstGeom prst="rect">
+            <a:avLst/>
+          </a:prstGeom>
+          <a:noFill/>
+        </p:spPr>
+        <p:txBody>
+          <a:bodyPr wrap="square" rtlCol="0">
+            <a:spAutoFit/>
+          </a:bodyPr>
+          <a:lstStyle/>
+          <a:p>
+            <a:r>
+              <a:rPr lang="en-US" dirty="0" smtClean="0">
+                <a:solidFill>
+                  <a:schemeClr val="bg1"/>
+                </a:solidFill>
+              </a:rPr>
+              <a:t>MAX</a:t>
+            </a:r>
+            <a:endParaRPr lang="en-US" dirty="0">
+              <a:solidFill>
+                <a:schemeClr val="bg1"/>
+              </a:solidFill>
+            </a:endParaRPr>
           </a:p>
         </p:txBody>
       </p:sp>
@@ -12113,7 +12505,6 @@
               <a:rPr lang="en-US" sz="4800" dirty="0" smtClean="0"/>
               <a:t>Open model with flexible parameters</a:t>
             </a:r>
-            <a:endParaRPr lang="en-US" sz="4800" dirty="0" smtClean="0"/>
           </a:p>
           <a:p>
             <a:pPr marL="571500" indent="-571500" algn="just">
@@ -12598,11 +12989,7 @@
             </a:pPr>
             <a:r>
               <a:rPr lang="en-US" sz="4800" dirty="0" smtClean="0"/>
-              <a:t>Used historical data </a:t>
-            </a:r>
-            <a:r>
-              <a:rPr lang="en-US" sz="4800" dirty="0" smtClean="0"/>
-              <a:t>to plot our own curve</a:t>
+              <a:t>Used historical data to plot our own curve</a:t>
             </a:r>
           </a:p>
           <a:p>
@@ -13720,11 +14107,6 @@
               </a:rPr>
               <a:t>– Northeastern University</a:t>
             </a:r>
-            <a:endParaRPr lang="en-US" sz="5400" dirty="0">
-              <a:solidFill>
-                <a:schemeClr val="bg1"/>
-              </a:solidFill>
-            </a:endParaRPr>
           </a:p>
         </p:txBody>
       </p:sp>
